--- a/emotion classification_report_anaysis_synonyms.pptx
+++ b/emotion classification_report_anaysis_synonyms.pptx
@@ -6,29 +6,27 @@
     <p:sldMasterId id="2147483654" r:id="rId2"/>
   </p:sldMasterIdLst>
   <p:notesMasterIdLst>
-    <p:notesMasterId r:id="rId23"/>
+    <p:notesMasterId r:id="rId21"/>
   </p:notesMasterIdLst>
   <p:sldIdLst>
     <p:sldId id="256" r:id="rId3"/>
     <p:sldId id="257" r:id="rId4"/>
-    <p:sldId id="258" r:id="rId5"/>
-    <p:sldId id="259" r:id="rId6"/>
-    <p:sldId id="260" r:id="rId7"/>
-    <p:sldId id="267" r:id="rId8"/>
-    <p:sldId id="268" r:id="rId9"/>
-    <p:sldId id="332" r:id="rId10"/>
-    <p:sldId id="323" r:id="rId11"/>
-    <p:sldId id="327" r:id="rId12"/>
-    <p:sldId id="326" r:id="rId13"/>
-    <p:sldId id="328" r:id="rId14"/>
-    <p:sldId id="329" r:id="rId15"/>
-    <p:sldId id="330" r:id="rId16"/>
-    <p:sldId id="331" r:id="rId17"/>
-    <p:sldId id="321" r:id="rId18"/>
-    <p:sldId id="333" r:id="rId19"/>
-    <p:sldId id="324" r:id="rId20"/>
-    <p:sldId id="325" r:id="rId21"/>
-    <p:sldId id="322" r:id="rId22"/>
+    <p:sldId id="335" r:id="rId5"/>
+    <p:sldId id="260" r:id="rId6"/>
+    <p:sldId id="332" r:id="rId7"/>
+    <p:sldId id="323" r:id="rId8"/>
+    <p:sldId id="327" r:id="rId9"/>
+    <p:sldId id="326" r:id="rId10"/>
+    <p:sldId id="328" r:id="rId11"/>
+    <p:sldId id="329" r:id="rId12"/>
+    <p:sldId id="330" r:id="rId13"/>
+    <p:sldId id="331" r:id="rId14"/>
+    <p:sldId id="321" r:id="rId15"/>
+    <p:sldId id="333" r:id="rId16"/>
+    <p:sldId id="324" r:id="rId17"/>
+    <p:sldId id="325" r:id="rId18"/>
+    <p:sldId id="334" r:id="rId19"/>
+    <p:sldId id="322" r:id="rId20"/>
   </p:sldIdLst>
   <p:sldSz cx="9144000" cy="5143500" type="screen16x9"/>
   <p:notesSz cx="6858000" cy="9144000"/>
@@ -930,11 +928,11 @@
 </file>
 
 <file path=ppt/notesSlides/notesSlide3.xml><?xml version="1.0" encoding="utf-8"?>
-<p:notes xmlns:a="http://schemas.openxmlformats.org/drawingml/2006/main" xmlns:r="http://schemas.openxmlformats.org/officeDocument/2006/relationships" xmlns:p="http://schemas.openxmlformats.org/presentationml/2006/main" showMasterSp="0" showMasterPhAnim="0">
+<p:notes xmlns:a="http://schemas.openxmlformats.org/drawingml/2006/main" xmlns:r="http://schemas.openxmlformats.org/officeDocument/2006/relationships" xmlns:p="http://schemas.openxmlformats.org/presentationml/2006/main">
   <p:cSld>
     <p:spTree>
       <p:nvGrpSpPr>
-        <p:cNvPr id="1" name="Shape 54"/>
+        <p:cNvPr id="1" name=""/>
         <p:cNvGrpSpPr/>
         <p:nvPr/>
       </p:nvGrpSpPr>
@@ -948,12 +946,12 @@
       </p:grpSpPr>
       <p:sp>
         <p:nvSpPr>
-          <p:cNvPr id="55" name="Google Shape;55;g2cc9425d6d9_0_63:notes"/>
+          <p:cNvPr id="2" name="Slide Image Placeholder 1"/>
           <p:cNvSpPr>
             <a:spLocks noGrp="1" noRot="1" noChangeAspect="1"/>
           </p:cNvSpPr>
           <p:nvPr>
-            <p:ph type="sldImg" idx="2"/>
+            <p:ph type="sldImg"/>
           </p:nvPr>
         </p:nvSpPr>
         <p:spPr>
@@ -961,71 +959,33 @@
             <a:off x="381000" y="685800"/>
             <a:ext cx="6096000" cy="3429000"/>
           </a:xfrm>
-          <a:custGeom>
-            <a:avLst/>
-            <a:gdLst/>
-            <a:ahLst/>
-            <a:cxnLst/>
-            <a:rect l="l" t="t" r="r" b="b"/>
-            <a:pathLst>
-              <a:path w="120000" h="120000" extrusionOk="0">
-                <a:moveTo>
-                  <a:pt x="0" y="0"/>
-                </a:moveTo>
-                <a:lnTo>
-                  <a:pt x="120000" y="0"/>
-                </a:lnTo>
-                <a:lnTo>
-                  <a:pt x="120000" y="120000"/>
-                </a:lnTo>
-                <a:lnTo>
-                  <a:pt x="0" y="120000"/>
-                </a:lnTo>
-                <a:close/>
-              </a:path>
-            </a:pathLst>
-          </a:custGeom>
         </p:spPr>
       </p:sp>
       <p:sp>
         <p:nvSpPr>
-          <p:cNvPr id="56" name="Google Shape;56;g2cc9425d6d9_0_63:notes"/>
-          <p:cNvSpPr txBox="1">
+          <p:cNvPr id="3" name="Notes Placeholder 2"/>
+          <p:cNvSpPr>
             <a:spLocks noGrp="1"/>
           </p:cNvSpPr>
           <p:nvPr>
             <p:ph type="body" idx="1"/>
           </p:nvPr>
         </p:nvSpPr>
-        <p:spPr>
-          <a:xfrm>
-            <a:off x="685800" y="4343400"/>
-            <a:ext cx="5486400" cy="4114800"/>
-          </a:xfrm>
-          <a:prstGeom prst="rect">
-            <a:avLst/>
-          </a:prstGeom>
-        </p:spPr>
+        <p:spPr/>
         <p:txBody>
-          <a:bodyPr spcFirstLastPara="1" wrap="square" lIns="91425" tIns="91425" rIns="91425" bIns="91425" anchor="t" anchorCtr="0">
-            <a:noAutofit/>
-          </a:bodyPr>
+          <a:bodyPr/>
           <a:lstStyle/>
           <a:p>
-            <a:pPr marL="0" lvl="0" indent="0" algn="l" rtl="0">
-              <a:spcBef>
-                <a:spcPts val="0"/>
-              </a:spcBef>
-              <a:spcAft>
-                <a:spcPts val="0"/>
-              </a:spcAft>
-              <a:buNone/>
-            </a:pPr>
-            <a:endParaRPr/>
+            <a:endParaRPr lang="en-US" dirty="0"/>
           </a:p>
         </p:txBody>
       </p:sp>
     </p:spTree>
+    <p:extLst>
+      <p:ext uri="{BB962C8B-B14F-4D97-AF65-F5344CB8AC3E}">
+        <p14:creationId xmlns:p14="http://schemas.microsoft.com/office/powerpoint/2010/main" val="3229243643"/>
+      </p:ext>
+    </p:extLst>
   </p:cSld>
   <p:clrMapOvr>
     <a:masterClrMapping/>
@@ -1060,7 +1020,12 @@
             <p:ph type="sldImg"/>
           </p:nvPr>
         </p:nvSpPr>
-        <p:spPr/>
+        <p:spPr>
+          <a:xfrm>
+            <a:off x="381000" y="685800"/>
+            <a:ext cx="6096000" cy="3429000"/>
+          </a:xfrm>
+        </p:spPr>
       </p:sp>
       <p:sp>
         <p:nvSpPr>
@@ -1095,6 +1060,72 @@
 </file>
 
 <file path=ppt/notesSlides/notesSlide5.xml><?xml version="1.0" encoding="utf-8"?>
+<p:notes xmlns:a="http://schemas.openxmlformats.org/drawingml/2006/main" xmlns:r="http://schemas.openxmlformats.org/officeDocument/2006/relationships" xmlns:p="http://schemas.openxmlformats.org/presentationml/2006/main">
+  <p:cSld>
+    <p:spTree>
+      <p:nvGrpSpPr>
+        <p:cNvPr id="1" name=""/>
+        <p:cNvGrpSpPr/>
+        <p:nvPr/>
+      </p:nvGrpSpPr>
+      <p:grpSpPr>
+        <a:xfrm>
+          <a:off x="0" y="0"/>
+          <a:ext cx="0" cy="0"/>
+          <a:chOff x="0" y="0"/>
+          <a:chExt cx="0" cy="0"/>
+        </a:xfrm>
+      </p:grpSpPr>
+      <p:sp>
+        <p:nvSpPr>
+          <p:cNvPr id="2" name="Slide Image Placeholder 1"/>
+          <p:cNvSpPr>
+            <a:spLocks noGrp="1" noRot="1" noChangeAspect="1"/>
+          </p:cNvSpPr>
+          <p:nvPr>
+            <p:ph type="sldImg"/>
+          </p:nvPr>
+        </p:nvSpPr>
+        <p:spPr>
+          <a:xfrm>
+            <a:off x="381000" y="685800"/>
+            <a:ext cx="6096000" cy="3429000"/>
+          </a:xfrm>
+        </p:spPr>
+      </p:sp>
+      <p:sp>
+        <p:nvSpPr>
+          <p:cNvPr id="3" name="Notes Placeholder 2"/>
+          <p:cNvSpPr>
+            <a:spLocks noGrp="1"/>
+          </p:cNvSpPr>
+          <p:nvPr>
+            <p:ph type="body" idx="1"/>
+          </p:nvPr>
+        </p:nvSpPr>
+        <p:spPr/>
+        <p:txBody>
+          <a:bodyPr/>
+          <a:lstStyle/>
+          <a:p>
+            <a:endParaRPr lang="en-US" dirty="0"/>
+          </a:p>
+        </p:txBody>
+      </p:sp>
+    </p:spTree>
+    <p:extLst>
+      <p:ext uri="{BB962C8B-B14F-4D97-AF65-F5344CB8AC3E}">
+        <p14:creationId xmlns:p14="http://schemas.microsoft.com/office/powerpoint/2010/main" val="2707328944"/>
+      </p:ext>
+    </p:extLst>
+  </p:cSld>
+  <p:clrMapOvr>
+    <a:masterClrMapping/>
+  </p:clrMapOvr>
+</p:notes>
+</file>
+
+<file path=ppt/notesSlides/notesSlide6.xml><?xml version="1.0" encoding="utf-8"?>
 <p:notes xmlns:a="http://schemas.openxmlformats.org/drawingml/2006/main" xmlns:r="http://schemas.openxmlformats.org/officeDocument/2006/relationships" xmlns:p="http://schemas.openxmlformats.org/presentationml/2006/main">
   <p:cSld>
     <p:spTree>
@@ -5290,14 +5321,22 @@
               <a:buNone/>
             </a:pPr>
             <a:r>
-              <a:rPr lang="en-US" b="1" dirty="0"/>
+              <a:rPr lang="en-US" sz="1600" b="1" dirty="0"/>
               <a:t>Comparing the improved instances and not improved </a:t>
             </a:r>
             <a:r>
-              <a:rPr lang="en-US" b="1" dirty="0" smtClean="0"/>
-              <a:t>ones (Tec dataset)</a:t>
-            </a:r>
-            <a:endParaRPr lang="en-US" dirty="0"/>
+              <a:rPr lang="en-US" sz="1600" b="1" dirty="0" smtClean="0"/>
+              <a:t>ones (</a:t>
+            </a:r>
+            <a:r>
+              <a:rPr lang="en-US" sz="1600" b="1" dirty="0" err="1" smtClean="0"/>
+              <a:t>Isear</a:t>
+            </a:r>
+            <a:r>
+              <a:rPr lang="en-US" sz="1600" b="1" dirty="0" smtClean="0"/>
+              <a:t> dataset)</a:t>
+            </a:r>
+            <a:endParaRPr lang="en-US" sz="1600" dirty="0"/>
           </a:p>
         </p:txBody>
       </p:sp>
@@ -5328,1334 +5367,6 @@
             <a:fld id="{00000000-1234-1234-1234-123412341234}" type="slidenum">
               <a:rPr lang="en-US" altLang="ja" smtClean="0"/>
               <a:t>10</a:t>
-            </a:fld>
-            <a:endParaRPr lang="ja" altLang="en-US"/>
-          </a:p>
-        </p:txBody>
-      </p:sp>
-      <p:graphicFrame>
-        <p:nvGraphicFramePr>
-          <p:cNvPr id="5" name="Table 4"/>
-          <p:cNvGraphicFramePr>
-            <a:graphicFrameLocks noGrp="1"/>
-          </p:cNvGraphicFramePr>
-          <p:nvPr>
-            <p:extLst>
-              <p:ext uri="{D42A27DB-BD31-4B8C-83A1-F6EECF244321}">
-                <p14:modId xmlns:p14="http://schemas.microsoft.com/office/powerpoint/2010/main" val="874885732"/>
-              </p:ext>
-            </p:extLst>
-          </p:nvPr>
-        </p:nvGraphicFramePr>
-        <p:xfrm>
-          <a:off x="623757" y="1399326"/>
-          <a:ext cx="7373256" cy="2047240"/>
-        </p:xfrm>
-        <a:graphic>
-          <a:graphicData uri="http://schemas.openxmlformats.org/drawingml/2006/table">
-            <a:tbl>
-              <a:tblPr firstRow="1" bandRow="1">
-                <a:tableStyleId>{5C22544A-7EE6-4342-B048-85BDC9FD1C3A}</a:tableStyleId>
-              </a:tblPr>
-              <a:tblGrid>
-                <a:gridCol w="1843314">
-                  <a:extLst>
-                    <a:ext uri="{9D8B030D-6E8A-4147-A177-3AD203B41FA5}">
-                      <a16:colId xmlns:a16="http://schemas.microsoft.com/office/drawing/2014/main" val="647224531"/>
-                    </a:ext>
-                  </a:extLst>
-                </a:gridCol>
-                <a:gridCol w="1843314">
-                  <a:extLst>
-                    <a:ext uri="{9D8B030D-6E8A-4147-A177-3AD203B41FA5}">
-                      <a16:colId xmlns:a16="http://schemas.microsoft.com/office/drawing/2014/main" val="282368679"/>
-                    </a:ext>
-                  </a:extLst>
-                </a:gridCol>
-                <a:gridCol w="1843314">
-                  <a:extLst>
-                    <a:ext uri="{9D8B030D-6E8A-4147-A177-3AD203B41FA5}">
-                      <a16:colId xmlns:a16="http://schemas.microsoft.com/office/drawing/2014/main" val="2699550185"/>
-                    </a:ext>
-                  </a:extLst>
-                </a:gridCol>
-                <a:gridCol w="1843314">
-                  <a:extLst>
-                    <a:ext uri="{9D8B030D-6E8A-4147-A177-3AD203B41FA5}">
-                      <a16:colId xmlns:a16="http://schemas.microsoft.com/office/drawing/2014/main" val="4059900520"/>
-                    </a:ext>
-                  </a:extLst>
-                </a:gridCol>
-              </a:tblGrid>
-              <a:tr h="370840">
-                <a:tc>
-                  <a:txBody>
-                    <a:bodyPr/>
-                    <a:lstStyle/>
-                    <a:p>
-                      <a:r>
-                        <a:rPr lang="en-US" dirty="0" smtClean="0"/>
-                        <a:t>True label</a:t>
-                      </a:r>
-                      <a:endParaRPr lang="en-US" dirty="0"/>
-                    </a:p>
-                  </a:txBody>
-                  <a:tcPr/>
-                </a:tc>
-                <a:tc>
-                  <a:txBody>
-                    <a:bodyPr/>
-                    <a:lstStyle/>
-                    <a:p>
-                      <a:r>
-                        <a:rPr lang="en-US" dirty="0" smtClean="0"/>
-                        <a:t>text</a:t>
-                      </a:r>
-                      <a:endParaRPr lang="en-US" dirty="0"/>
-                    </a:p>
-                  </a:txBody>
-                  <a:tcPr/>
-                </a:tc>
-                <a:tc>
-                  <a:txBody>
-                    <a:bodyPr/>
-                    <a:lstStyle/>
-                    <a:p>
-                      <a:r>
-                        <a:rPr lang="en-US" dirty="0" smtClean="0"/>
-                        <a:t>Emotion</a:t>
-                      </a:r>
-                      <a:r>
-                        <a:rPr lang="en-US" baseline="0" dirty="0" smtClean="0"/>
-                        <a:t> prompt</a:t>
-                      </a:r>
-                      <a:endParaRPr lang="en-US" dirty="0"/>
-                    </a:p>
-                  </a:txBody>
-                  <a:tcPr/>
-                </a:tc>
-                <a:tc>
-                  <a:txBody>
-                    <a:bodyPr/>
-                    <a:lstStyle/>
-                    <a:p>
-                      <a:r>
-                        <a:rPr lang="en-US" dirty="0" smtClean="0"/>
-                        <a:t>Feels emo</a:t>
-                      </a:r>
-                      <a:endParaRPr lang="en-US" dirty="0"/>
-                    </a:p>
-                  </a:txBody>
-                  <a:tcPr/>
-                </a:tc>
-                <a:extLst>
-                  <a:ext uri="{0D108BD9-81ED-4DB2-BD59-A6C34878D82A}">
-                    <a16:rowId xmlns:a16="http://schemas.microsoft.com/office/drawing/2014/main" val="2881809219"/>
-                  </a:ext>
-                </a:extLst>
-              </a:tr>
-              <a:tr h="370840">
-                <a:tc>
-                  <a:txBody>
-                    <a:bodyPr/>
-                    <a:lstStyle/>
-                    <a:p>
-                      <a:r>
-                        <a:rPr lang="en-US" dirty="0" smtClean="0"/>
-                        <a:t>sadness</a:t>
-                      </a:r>
-                      <a:endParaRPr lang="en-US" dirty="0"/>
-                    </a:p>
-                  </a:txBody>
-                  <a:tcPr/>
-                </a:tc>
-                <a:tc>
-                  <a:txBody>
-                    <a:bodyPr/>
-                    <a:lstStyle/>
-                    <a:p>
-                      <a:r>
-                        <a:rPr lang="en-US" sz="1400" b="0" i="0" u="none" strike="noStrike" cap="none" dirty="0" smtClean="0">
-                          <a:solidFill>
-                            <a:schemeClr val="dk1"/>
-                          </a:solidFill>
-                          <a:effectLst/>
-                          <a:latin typeface="+mn-lt"/>
-                          <a:ea typeface="+mn-ea"/>
-                          <a:cs typeface="+mn-cs"/>
-                          <a:sym typeface="Arial"/>
-                        </a:rPr>
-                        <a:t> I feel like a failure at twitter not sure if I even did that right. . .</a:t>
-                      </a:r>
-                      <a:endParaRPr lang="en-US" dirty="0"/>
-                    </a:p>
-                  </a:txBody>
-                  <a:tcPr/>
-                </a:tc>
-                <a:tc>
-                  <a:txBody>
-                    <a:bodyPr/>
-                    <a:lstStyle/>
-                    <a:p>
-                      <a:r>
-                        <a:rPr lang="en-US" dirty="0" smtClean="0"/>
-                        <a:t>sadness</a:t>
-                      </a:r>
-                      <a:endParaRPr lang="en-US" dirty="0"/>
-                    </a:p>
-                  </a:txBody>
-                  <a:tcPr/>
-                </a:tc>
-                <a:tc>
-                  <a:txBody>
-                    <a:bodyPr/>
-                    <a:lstStyle/>
-                    <a:p>
-                      <a:r>
-                        <a:rPr lang="en-US" dirty="0" smtClean="0"/>
-                        <a:t>fear</a:t>
-                      </a:r>
-                      <a:endParaRPr lang="en-US" dirty="0"/>
-                    </a:p>
-                  </a:txBody>
-                  <a:tcPr/>
-                </a:tc>
-                <a:extLst>
-                  <a:ext uri="{0D108BD9-81ED-4DB2-BD59-A6C34878D82A}">
-                    <a16:rowId xmlns:a16="http://schemas.microsoft.com/office/drawing/2014/main" val="625682721"/>
-                  </a:ext>
-                </a:extLst>
-              </a:tr>
-              <a:tr h="370840">
-                <a:tc>
-                  <a:txBody>
-                    <a:bodyPr/>
-                    <a:lstStyle/>
-                    <a:p>
-                      <a:r>
-                        <a:rPr lang="en-US" dirty="0" smtClean="0"/>
-                        <a:t>joy</a:t>
-                      </a:r>
-                      <a:endParaRPr lang="en-US" dirty="0"/>
-                    </a:p>
-                  </a:txBody>
-                  <a:tcPr/>
-                </a:tc>
-                <a:tc>
-                  <a:txBody>
-                    <a:bodyPr/>
-                    <a:lstStyle/>
-                    <a:p>
-                      <a:r>
-                        <a:rPr lang="en-US" dirty="0" err="1" smtClean="0"/>
-                        <a:t>Thats</a:t>
-                      </a:r>
-                      <a:r>
-                        <a:rPr lang="en-US" dirty="0" smtClean="0"/>
-                        <a:t> enough holiday cheer for one day. . . . Off to CCD now </a:t>
-                      </a:r>
-                      <a:endParaRPr lang="en-US" dirty="0"/>
-                    </a:p>
-                  </a:txBody>
-                  <a:tcPr/>
-                </a:tc>
-                <a:tc>
-                  <a:txBody>
-                    <a:bodyPr/>
-                    <a:lstStyle/>
-                    <a:p>
-                      <a:r>
-                        <a:rPr lang="en-US" dirty="0" smtClean="0"/>
-                        <a:t>joy</a:t>
-                      </a:r>
-                      <a:endParaRPr lang="en-US" dirty="0"/>
-                    </a:p>
-                  </a:txBody>
-                  <a:tcPr/>
-                </a:tc>
-                <a:tc>
-                  <a:txBody>
-                    <a:bodyPr/>
-                    <a:lstStyle/>
-                    <a:p>
-                      <a:r>
-                        <a:rPr lang="en-US" dirty="0" smtClean="0"/>
-                        <a:t>fear</a:t>
-                      </a:r>
-                      <a:endParaRPr lang="en-US" dirty="0"/>
-                    </a:p>
-                  </a:txBody>
-                  <a:tcPr/>
-                </a:tc>
-                <a:extLst>
-                  <a:ext uri="{0D108BD9-81ED-4DB2-BD59-A6C34878D82A}">
-                    <a16:rowId xmlns:a16="http://schemas.microsoft.com/office/drawing/2014/main" val="2293196266"/>
-                  </a:ext>
-                </a:extLst>
-              </a:tr>
-            </a:tbl>
-          </a:graphicData>
-        </a:graphic>
-      </p:graphicFrame>
-      <p:sp>
-        <p:nvSpPr>
-          <p:cNvPr id="7" name="TextBox 6"/>
-          <p:cNvSpPr txBox="1"/>
-          <p:nvPr/>
-        </p:nvSpPr>
-        <p:spPr>
-          <a:xfrm>
-            <a:off x="289928" y="3783997"/>
-            <a:ext cx="8040914" cy="523220"/>
-          </a:xfrm>
-          <a:prstGeom prst="rect">
-            <a:avLst/>
-          </a:prstGeom>
-          <a:noFill/>
-        </p:spPr>
-        <p:txBody>
-          <a:bodyPr wrap="square" rtlCol="0">
-            <a:spAutoFit/>
-          </a:bodyPr>
-          <a:lstStyle/>
-          <a:p>
-            <a:r>
-              <a:rPr lang="en-US" dirty="0" smtClean="0"/>
-              <a:t>There are some tokens related to the emotions in the sentences (like failure related to sadness, cheer related to joy)</a:t>
-            </a:r>
-            <a:endParaRPr lang="en-US" dirty="0"/>
-          </a:p>
-        </p:txBody>
-      </p:sp>
-      <p:sp>
-        <p:nvSpPr>
-          <p:cNvPr id="8" name="TextBox 7"/>
-          <p:cNvSpPr txBox="1"/>
-          <p:nvPr/>
-        </p:nvSpPr>
-        <p:spPr>
-          <a:xfrm>
-            <a:off x="558441" y="659397"/>
-            <a:ext cx="7910643" cy="738664"/>
-          </a:xfrm>
-          <a:prstGeom prst="rect">
-            <a:avLst/>
-          </a:prstGeom>
-          <a:noFill/>
-        </p:spPr>
-        <p:txBody>
-          <a:bodyPr wrap="square" rtlCol="0">
-            <a:spAutoFit/>
-          </a:bodyPr>
-          <a:lstStyle/>
-          <a:p>
-            <a:r>
-              <a:rPr lang="en-US" dirty="0"/>
-              <a:t>Some sample sentences that using </a:t>
-            </a:r>
-            <a:r>
-              <a:rPr lang="en-US" dirty="0" smtClean="0"/>
-              <a:t>emotion </a:t>
-            </a:r>
-            <a:r>
-              <a:rPr lang="en-US" dirty="0"/>
-              <a:t>prompt could lead to improvement but </a:t>
-            </a:r>
-            <a:r>
-              <a:rPr lang="en-US" dirty="0" err="1"/>
-              <a:t>feels_emo</a:t>
-            </a:r>
-            <a:r>
-              <a:rPr lang="en-US" dirty="0"/>
-              <a:t> could not </a:t>
-            </a:r>
-            <a:r>
-              <a:rPr lang="en-US" dirty="0" smtClean="0"/>
-              <a:t>(Tec </a:t>
-            </a:r>
-            <a:r>
-              <a:rPr lang="en-US" dirty="0"/>
-              <a:t>dataset) </a:t>
-            </a:r>
-          </a:p>
-          <a:p>
-            <a:endParaRPr lang="en-US" dirty="0"/>
-          </a:p>
-        </p:txBody>
-      </p:sp>
-    </p:spTree>
-    <p:extLst>
-      <p:ext uri="{BB962C8B-B14F-4D97-AF65-F5344CB8AC3E}">
-        <p14:creationId xmlns:p14="http://schemas.microsoft.com/office/powerpoint/2010/main" val="376621692"/>
-      </p:ext>
-    </p:extLst>
-  </p:cSld>
-  <p:clrMapOvr>
-    <a:masterClrMapping/>
-  </p:clrMapOvr>
-</p:sld>
-</file>
-
-<file path=ppt/slides/slide11.xml><?xml version="1.0" encoding="utf-8"?>
-<p:sld xmlns:a="http://schemas.openxmlformats.org/drawingml/2006/main" xmlns:r="http://schemas.openxmlformats.org/officeDocument/2006/relationships" xmlns:p="http://schemas.openxmlformats.org/presentationml/2006/main">
-  <p:cSld>
-    <p:spTree>
-      <p:nvGrpSpPr>
-        <p:cNvPr id="1" name=""/>
-        <p:cNvGrpSpPr/>
-        <p:nvPr/>
-      </p:nvGrpSpPr>
-      <p:grpSpPr>
-        <a:xfrm>
-          <a:off x="0" y="0"/>
-          <a:ext cx="0" cy="0"/>
-          <a:chOff x="0" y="0"/>
-          <a:chExt cx="0" cy="0"/>
-        </a:xfrm>
-      </p:grpSpPr>
-      <p:sp>
-        <p:nvSpPr>
-          <p:cNvPr id="2" name="Title 1"/>
-          <p:cNvSpPr>
-            <a:spLocks noGrp="1"/>
-          </p:cNvSpPr>
-          <p:nvPr>
-            <p:ph type="title"/>
-          </p:nvPr>
-        </p:nvSpPr>
-        <p:spPr/>
-        <p:txBody>
-          <a:bodyPr/>
-          <a:lstStyle/>
-          <a:p>
-            <a:pPr algn="ctr">
-              <a:buNone/>
-            </a:pPr>
-            <a:r>
-              <a:rPr lang="en-US" sz="1600" b="1" dirty="0"/>
-              <a:t>Comparing the improved instances and not improved </a:t>
-            </a:r>
-            <a:r>
-              <a:rPr lang="en-US" sz="1600" b="1" dirty="0" smtClean="0"/>
-              <a:t>ones (</a:t>
-            </a:r>
-            <a:r>
-              <a:rPr lang="en-US" sz="1600" b="1" dirty="0" err="1" smtClean="0"/>
-              <a:t>Isear</a:t>
-            </a:r>
-            <a:r>
-              <a:rPr lang="en-US" sz="1600" b="1" dirty="0" smtClean="0"/>
-              <a:t> dataset)</a:t>
-            </a:r>
-            <a:endParaRPr lang="en-US" sz="1600" dirty="0"/>
-          </a:p>
-        </p:txBody>
-      </p:sp>
-      <p:sp>
-        <p:nvSpPr>
-          <p:cNvPr id="4" name="Slide Number Placeholder 3"/>
-          <p:cNvSpPr>
-            <a:spLocks noGrp="1"/>
-          </p:cNvSpPr>
-          <p:nvPr>
-            <p:ph type="sldNum" idx="12"/>
-          </p:nvPr>
-        </p:nvSpPr>
-        <p:spPr/>
-        <p:txBody>
-          <a:bodyPr/>
-          <a:lstStyle/>
-          <a:p>
-            <a:pPr marL="0" lvl="0" indent="0" algn="r" rtl="0">
-              <a:spcBef>
-                <a:spcPts val="0"/>
-              </a:spcBef>
-              <a:spcAft>
-                <a:spcPts val="0"/>
-              </a:spcAft>
-              <a:buNone/>
-            </a:pPr>
-            <a:fld id="{00000000-1234-1234-1234-123412341234}" type="slidenum">
-              <a:rPr lang="en-US" altLang="ja" smtClean="0"/>
-              <a:t>11</a:t>
-            </a:fld>
-            <a:endParaRPr lang="ja" altLang="en-US"/>
-          </a:p>
-        </p:txBody>
-      </p:sp>
-      <p:sp>
-        <p:nvSpPr>
-          <p:cNvPr id="5" name="TextBox 4"/>
-          <p:cNvSpPr txBox="1"/>
-          <p:nvPr/>
-        </p:nvSpPr>
-        <p:spPr>
-          <a:xfrm>
-            <a:off x="203950" y="921658"/>
-            <a:ext cx="8091714" cy="738664"/>
-          </a:xfrm>
-          <a:prstGeom prst="rect">
-            <a:avLst/>
-          </a:prstGeom>
-          <a:noFill/>
-        </p:spPr>
-        <p:txBody>
-          <a:bodyPr wrap="square" rtlCol="0">
-            <a:spAutoFit/>
-          </a:bodyPr>
-          <a:lstStyle/>
-          <a:p>
-            <a:r>
-              <a:rPr lang="en-US" sz="1200" dirty="0" smtClean="0"/>
-              <a:t>S</a:t>
-            </a:r>
-            <a:r>
-              <a:rPr lang="en-US" dirty="0" smtClean="0"/>
-              <a:t>ome sample sentences that none of </a:t>
-            </a:r>
-            <a:r>
-              <a:rPr lang="en-US" dirty="0" err="1" smtClean="0"/>
-              <a:t>expr_emo</a:t>
-            </a:r>
-            <a:r>
-              <a:rPr lang="en-US" dirty="0" smtClean="0"/>
-              <a:t> and </a:t>
-            </a:r>
-            <a:r>
-              <a:rPr lang="en-US" dirty="0" err="1" smtClean="0"/>
-              <a:t>feels_emo</a:t>
-            </a:r>
-            <a:r>
-              <a:rPr lang="en-US" dirty="0" smtClean="0"/>
-              <a:t> could lead to true prediction to them. (</a:t>
-            </a:r>
-            <a:r>
-              <a:rPr lang="en-US" dirty="0" err="1" smtClean="0"/>
-              <a:t>Isear</a:t>
-            </a:r>
-            <a:r>
-              <a:rPr lang="en-US" dirty="0" smtClean="0"/>
-              <a:t> dataset) </a:t>
-            </a:r>
-            <a:endParaRPr lang="en-US" dirty="0"/>
-          </a:p>
-          <a:p>
-            <a:endParaRPr lang="en-US" dirty="0"/>
-          </a:p>
-        </p:txBody>
-      </p:sp>
-      <p:graphicFrame>
-        <p:nvGraphicFramePr>
-          <p:cNvPr id="6" name="Table 5"/>
-          <p:cNvGraphicFramePr>
-            <a:graphicFrameLocks noGrp="1"/>
-          </p:cNvGraphicFramePr>
-          <p:nvPr>
-            <p:extLst>
-              <p:ext uri="{D42A27DB-BD31-4B8C-83A1-F6EECF244321}">
-                <p14:modId xmlns:p14="http://schemas.microsoft.com/office/powerpoint/2010/main" val="212818833"/>
-              </p:ext>
-            </p:extLst>
-          </p:nvPr>
-        </p:nvGraphicFramePr>
-        <p:xfrm>
-          <a:off x="428547" y="1667579"/>
-          <a:ext cx="7642520" cy="1651000"/>
-        </p:xfrm>
-        <a:graphic>
-          <a:graphicData uri="http://schemas.openxmlformats.org/drawingml/2006/table">
-            <a:tbl>
-              <a:tblPr firstRow="1" bandRow="1">
-                <a:tableStyleId>{5C22544A-7EE6-4342-B048-85BDC9FD1C3A}</a:tableStyleId>
-              </a:tblPr>
-              <a:tblGrid>
-                <a:gridCol w="1910630">
-                  <a:extLst>
-                    <a:ext uri="{9D8B030D-6E8A-4147-A177-3AD203B41FA5}">
-                      <a16:colId xmlns:a16="http://schemas.microsoft.com/office/drawing/2014/main" val="1849213646"/>
-                    </a:ext>
-                  </a:extLst>
-                </a:gridCol>
-                <a:gridCol w="1910630">
-                  <a:extLst>
-                    <a:ext uri="{9D8B030D-6E8A-4147-A177-3AD203B41FA5}">
-                      <a16:colId xmlns:a16="http://schemas.microsoft.com/office/drawing/2014/main" val="792227240"/>
-                    </a:ext>
-                  </a:extLst>
-                </a:gridCol>
-                <a:gridCol w="1910630">
-                  <a:extLst>
-                    <a:ext uri="{9D8B030D-6E8A-4147-A177-3AD203B41FA5}">
-                      <a16:colId xmlns:a16="http://schemas.microsoft.com/office/drawing/2014/main" val="1167302544"/>
-                    </a:ext>
-                  </a:extLst>
-                </a:gridCol>
-                <a:gridCol w="1910630">
-                  <a:extLst>
-                    <a:ext uri="{9D8B030D-6E8A-4147-A177-3AD203B41FA5}">
-                      <a16:colId xmlns:a16="http://schemas.microsoft.com/office/drawing/2014/main" val="3806410438"/>
-                    </a:ext>
-                  </a:extLst>
-                </a:gridCol>
-              </a:tblGrid>
-              <a:tr h="370840">
-                <a:tc>
-                  <a:txBody>
-                    <a:bodyPr/>
-                    <a:lstStyle/>
-                    <a:p>
-                      <a:r>
-                        <a:rPr lang="en-US" sz="1200" dirty="0" smtClean="0"/>
-                        <a:t>True label</a:t>
-                      </a:r>
-                      <a:endParaRPr lang="en-US" sz="1200" dirty="0"/>
-                    </a:p>
-                  </a:txBody>
-                  <a:tcPr/>
-                </a:tc>
-                <a:tc>
-                  <a:txBody>
-                    <a:bodyPr/>
-                    <a:lstStyle/>
-                    <a:p>
-                      <a:r>
-                        <a:rPr lang="en-US" sz="1200" dirty="0" smtClean="0"/>
-                        <a:t>text</a:t>
-                      </a:r>
-                      <a:endParaRPr lang="en-US" sz="1200" dirty="0"/>
-                    </a:p>
-                  </a:txBody>
-                  <a:tcPr/>
-                </a:tc>
-                <a:tc>
-                  <a:txBody>
-                    <a:bodyPr/>
-                    <a:lstStyle/>
-                    <a:p>
-                      <a:r>
-                        <a:rPr lang="en-US" sz="1200" dirty="0" err="1" smtClean="0"/>
-                        <a:t>Expr_emo</a:t>
-                      </a:r>
-                      <a:endParaRPr lang="en-US" sz="1200" dirty="0"/>
-                    </a:p>
-                  </a:txBody>
-                  <a:tcPr/>
-                </a:tc>
-                <a:tc>
-                  <a:txBody>
-                    <a:bodyPr/>
-                    <a:lstStyle/>
-                    <a:p>
-                      <a:r>
-                        <a:rPr lang="en-US" sz="1200" dirty="0" err="1" smtClean="0"/>
-                        <a:t>Feels_emo</a:t>
-                      </a:r>
-                      <a:endParaRPr lang="en-US" sz="1200" dirty="0"/>
-                    </a:p>
-                  </a:txBody>
-                  <a:tcPr/>
-                </a:tc>
-                <a:extLst>
-                  <a:ext uri="{0D108BD9-81ED-4DB2-BD59-A6C34878D82A}">
-                    <a16:rowId xmlns:a16="http://schemas.microsoft.com/office/drawing/2014/main" val="2728941640"/>
-                  </a:ext>
-                </a:extLst>
-              </a:tr>
-              <a:tr h="370840">
-                <a:tc>
-                  <a:txBody>
-                    <a:bodyPr/>
-                    <a:lstStyle/>
-                    <a:p>
-                      <a:r>
-                        <a:rPr lang="en-US" sz="1200" dirty="0" smtClean="0"/>
-                        <a:t>guilt</a:t>
-                      </a:r>
-                      <a:endParaRPr lang="en-US" sz="1200" dirty="0"/>
-                    </a:p>
-                  </a:txBody>
-                  <a:tcPr/>
-                </a:tc>
-                <a:tc>
-                  <a:txBody>
-                    <a:bodyPr/>
-                    <a:lstStyle/>
-                    <a:p>
-                      <a:r>
-                        <a:rPr lang="en-US" sz="1200" dirty="0" smtClean="0"/>
-                        <a:t>When excuses are necessary and I get out of doing it myself. </a:t>
-                      </a:r>
-                      <a:endParaRPr lang="en-US" sz="1200" dirty="0"/>
-                    </a:p>
-                  </a:txBody>
-                  <a:tcPr/>
-                </a:tc>
-                <a:tc>
-                  <a:txBody>
-                    <a:bodyPr/>
-                    <a:lstStyle/>
-                    <a:p>
-                      <a:r>
-                        <a:rPr lang="en-US" sz="1200" dirty="0" smtClean="0"/>
-                        <a:t>fear</a:t>
-                      </a:r>
-                      <a:endParaRPr lang="en-US" sz="1200" dirty="0"/>
-                    </a:p>
-                  </a:txBody>
-                  <a:tcPr/>
-                </a:tc>
-                <a:tc>
-                  <a:txBody>
-                    <a:bodyPr/>
-                    <a:lstStyle/>
-                    <a:p>
-                      <a:r>
-                        <a:rPr lang="en-US" sz="1200" dirty="0" smtClean="0"/>
-                        <a:t>fear</a:t>
-                      </a:r>
-                      <a:endParaRPr lang="en-US" sz="1200" dirty="0"/>
-                    </a:p>
-                  </a:txBody>
-                  <a:tcPr/>
-                </a:tc>
-                <a:extLst>
-                  <a:ext uri="{0D108BD9-81ED-4DB2-BD59-A6C34878D82A}">
-                    <a16:rowId xmlns:a16="http://schemas.microsoft.com/office/drawing/2014/main" val="3557614549"/>
-                  </a:ext>
-                </a:extLst>
-              </a:tr>
-              <a:tr h="370840">
-                <a:tc>
-                  <a:txBody>
-                    <a:bodyPr/>
-                    <a:lstStyle/>
-                    <a:p>
-                      <a:r>
-                        <a:rPr lang="en-US" sz="1200" dirty="0" smtClean="0"/>
-                        <a:t>Anger</a:t>
-                      </a:r>
-                      <a:endParaRPr lang="en-US" sz="1200" dirty="0"/>
-                    </a:p>
-                  </a:txBody>
-                  <a:tcPr/>
-                </a:tc>
-                <a:tc>
-                  <a:txBody>
-                    <a:bodyPr/>
-                    <a:lstStyle/>
-                    <a:p>
-                      <a:r>
-                        <a:rPr lang="en-US" sz="1200" dirty="0" smtClean="0"/>
-                        <a:t>I reached the bus stop and realized that I had forgotten my bus pass. </a:t>
-                      </a:r>
-                      <a:endParaRPr lang="en-US" sz="1200" dirty="0"/>
-                    </a:p>
-                  </a:txBody>
-                  <a:tcPr/>
-                </a:tc>
-                <a:tc>
-                  <a:txBody>
-                    <a:bodyPr/>
-                    <a:lstStyle/>
-                    <a:p>
-                      <a:r>
-                        <a:rPr lang="en-US" sz="1200" dirty="0" smtClean="0"/>
-                        <a:t>sadness</a:t>
-                      </a:r>
-                      <a:endParaRPr lang="en-US" sz="1200" dirty="0"/>
-                    </a:p>
-                  </a:txBody>
-                  <a:tcPr/>
-                </a:tc>
-                <a:tc>
-                  <a:txBody>
-                    <a:bodyPr/>
-                    <a:lstStyle/>
-                    <a:p>
-                      <a:r>
-                        <a:rPr lang="en-US" sz="1200" dirty="0" smtClean="0"/>
-                        <a:t>sadness</a:t>
-                      </a:r>
-                      <a:endParaRPr lang="en-US" sz="1200" dirty="0"/>
-                    </a:p>
-                  </a:txBody>
-                  <a:tcPr/>
-                </a:tc>
-                <a:extLst>
-                  <a:ext uri="{0D108BD9-81ED-4DB2-BD59-A6C34878D82A}">
-                    <a16:rowId xmlns:a16="http://schemas.microsoft.com/office/drawing/2014/main" val="458329284"/>
-                  </a:ext>
-                </a:extLst>
-              </a:tr>
-            </a:tbl>
-          </a:graphicData>
-        </a:graphic>
-      </p:graphicFrame>
-      <p:sp>
-        <p:nvSpPr>
-          <p:cNvPr id="7" name="TextBox 6"/>
-          <p:cNvSpPr txBox="1"/>
-          <p:nvPr/>
-        </p:nvSpPr>
-        <p:spPr>
-          <a:xfrm>
-            <a:off x="442328" y="3682737"/>
-            <a:ext cx="6741886" cy="307777"/>
-          </a:xfrm>
-          <a:prstGeom prst="rect">
-            <a:avLst/>
-          </a:prstGeom>
-          <a:noFill/>
-        </p:spPr>
-        <p:txBody>
-          <a:bodyPr wrap="square" rtlCol="0">
-            <a:spAutoFit/>
-          </a:bodyPr>
-          <a:lstStyle/>
-          <a:p>
-            <a:r>
-              <a:rPr lang="en-US" dirty="0" smtClean="0"/>
-              <a:t>The predicted emotions can be reasonable, but are not the same as true label.</a:t>
-            </a:r>
-            <a:endParaRPr lang="en-US" dirty="0"/>
-          </a:p>
-        </p:txBody>
-      </p:sp>
-    </p:spTree>
-    <p:extLst>
-      <p:ext uri="{BB962C8B-B14F-4D97-AF65-F5344CB8AC3E}">
-        <p14:creationId xmlns:p14="http://schemas.microsoft.com/office/powerpoint/2010/main" val="172408099"/>
-      </p:ext>
-    </p:extLst>
-  </p:cSld>
-  <p:clrMapOvr>
-    <a:masterClrMapping/>
-  </p:clrMapOvr>
-</p:sld>
-</file>
-
-<file path=ppt/slides/slide12.xml><?xml version="1.0" encoding="utf-8"?>
-<p:sld xmlns:a="http://schemas.openxmlformats.org/drawingml/2006/main" xmlns:r="http://schemas.openxmlformats.org/officeDocument/2006/relationships" xmlns:p="http://schemas.openxmlformats.org/presentationml/2006/main">
-  <p:cSld>
-    <p:spTree>
-      <p:nvGrpSpPr>
-        <p:cNvPr id="1" name=""/>
-        <p:cNvGrpSpPr/>
-        <p:nvPr/>
-      </p:nvGrpSpPr>
-      <p:grpSpPr>
-        <a:xfrm>
-          <a:off x="0" y="0"/>
-          <a:ext cx="0" cy="0"/>
-          <a:chOff x="0" y="0"/>
-          <a:chExt cx="0" cy="0"/>
-        </a:xfrm>
-      </p:grpSpPr>
-      <p:sp>
-        <p:nvSpPr>
-          <p:cNvPr id="2" name="Title 1"/>
-          <p:cNvSpPr>
-            <a:spLocks noGrp="1"/>
-          </p:cNvSpPr>
-          <p:nvPr>
-            <p:ph type="title"/>
-          </p:nvPr>
-        </p:nvSpPr>
-        <p:spPr/>
-        <p:txBody>
-          <a:bodyPr/>
-          <a:lstStyle/>
-          <a:p>
-            <a:pPr algn="ctr">
-              <a:buNone/>
-            </a:pPr>
-            <a:r>
-              <a:rPr lang="en-US" b="1" dirty="0"/>
-              <a:t>Comparing the improved instances and not improved ones (Tec dataset)</a:t>
-            </a:r>
-            <a:endParaRPr lang="en-US" dirty="0"/>
-          </a:p>
-        </p:txBody>
-      </p:sp>
-      <p:sp>
-        <p:nvSpPr>
-          <p:cNvPr id="4" name="Slide Number Placeholder 3"/>
-          <p:cNvSpPr>
-            <a:spLocks noGrp="1"/>
-          </p:cNvSpPr>
-          <p:nvPr>
-            <p:ph type="sldNum" idx="12"/>
-          </p:nvPr>
-        </p:nvSpPr>
-        <p:spPr/>
-        <p:txBody>
-          <a:bodyPr/>
-          <a:lstStyle/>
-          <a:p>
-            <a:pPr marL="0" lvl="0" indent="0" algn="r" rtl="0">
-              <a:spcBef>
-                <a:spcPts val="0"/>
-              </a:spcBef>
-              <a:spcAft>
-                <a:spcPts val="0"/>
-              </a:spcAft>
-              <a:buNone/>
-            </a:pPr>
-            <a:fld id="{00000000-1234-1234-1234-123412341234}" type="slidenum">
-              <a:rPr lang="en-US" altLang="ja" smtClean="0"/>
-              <a:t>12</a:t>
-            </a:fld>
-            <a:endParaRPr lang="ja" altLang="en-US"/>
-          </a:p>
-        </p:txBody>
-      </p:sp>
-      <p:graphicFrame>
-        <p:nvGraphicFramePr>
-          <p:cNvPr id="5" name="Table 4"/>
-          <p:cNvGraphicFramePr>
-            <a:graphicFrameLocks noGrp="1"/>
-          </p:cNvGraphicFramePr>
-          <p:nvPr>
-            <p:extLst>
-              <p:ext uri="{D42A27DB-BD31-4B8C-83A1-F6EECF244321}">
-                <p14:modId xmlns:p14="http://schemas.microsoft.com/office/powerpoint/2010/main" val="912668849"/>
-              </p:ext>
-            </p:extLst>
-          </p:nvPr>
-        </p:nvGraphicFramePr>
-        <p:xfrm>
-          <a:off x="485679" y="1609741"/>
-          <a:ext cx="7373256" cy="2008914"/>
-        </p:xfrm>
-        <a:graphic>
-          <a:graphicData uri="http://schemas.openxmlformats.org/drawingml/2006/table">
-            <a:tbl>
-              <a:tblPr firstRow="1" bandRow="1">
-                <a:tableStyleId>{5C22544A-7EE6-4342-B048-85BDC9FD1C3A}</a:tableStyleId>
-              </a:tblPr>
-              <a:tblGrid>
-                <a:gridCol w="1843314">
-                  <a:extLst>
-                    <a:ext uri="{9D8B030D-6E8A-4147-A177-3AD203B41FA5}">
-                      <a16:colId xmlns:a16="http://schemas.microsoft.com/office/drawing/2014/main" val="1523457683"/>
-                    </a:ext>
-                  </a:extLst>
-                </a:gridCol>
-                <a:gridCol w="1843314">
-                  <a:extLst>
-                    <a:ext uri="{9D8B030D-6E8A-4147-A177-3AD203B41FA5}">
-                      <a16:colId xmlns:a16="http://schemas.microsoft.com/office/drawing/2014/main" val="2140988797"/>
-                    </a:ext>
-                  </a:extLst>
-                </a:gridCol>
-                <a:gridCol w="1843314">
-                  <a:extLst>
-                    <a:ext uri="{9D8B030D-6E8A-4147-A177-3AD203B41FA5}">
-                      <a16:colId xmlns:a16="http://schemas.microsoft.com/office/drawing/2014/main" val="3982915289"/>
-                    </a:ext>
-                  </a:extLst>
-                </a:gridCol>
-                <a:gridCol w="1843314">
-                  <a:extLst>
-                    <a:ext uri="{9D8B030D-6E8A-4147-A177-3AD203B41FA5}">
-                      <a16:colId xmlns:a16="http://schemas.microsoft.com/office/drawing/2014/main" val="3638373460"/>
-                    </a:ext>
-                  </a:extLst>
-                </a:gridCol>
-              </a:tblGrid>
-              <a:tr h="332514">
-                <a:tc>
-                  <a:txBody>
-                    <a:bodyPr/>
-                    <a:lstStyle/>
-                    <a:p>
-                      <a:r>
-                        <a:rPr lang="en-US" dirty="0" smtClean="0"/>
-                        <a:t>True label</a:t>
-                      </a:r>
-                      <a:endParaRPr lang="en-US" dirty="0"/>
-                    </a:p>
-                  </a:txBody>
-                  <a:tcPr/>
-                </a:tc>
-                <a:tc>
-                  <a:txBody>
-                    <a:bodyPr/>
-                    <a:lstStyle/>
-                    <a:p>
-                      <a:r>
-                        <a:rPr lang="en-US" dirty="0" smtClean="0"/>
-                        <a:t>text</a:t>
-                      </a:r>
-                      <a:endParaRPr lang="en-US" dirty="0"/>
-                    </a:p>
-                  </a:txBody>
-                  <a:tcPr/>
-                </a:tc>
-                <a:tc>
-                  <a:txBody>
-                    <a:bodyPr/>
-                    <a:lstStyle/>
-                    <a:p>
-                      <a:r>
-                        <a:rPr lang="en-US" dirty="0" smtClean="0"/>
-                        <a:t>Emotion prompt</a:t>
-                      </a:r>
-                      <a:endParaRPr lang="en-US" dirty="0"/>
-                    </a:p>
-                  </a:txBody>
-                  <a:tcPr/>
-                </a:tc>
-                <a:tc>
-                  <a:txBody>
-                    <a:bodyPr/>
-                    <a:lstStyle/>
-                    <a:p>
-                      <a:r>
-                        <a:rPr lang="en-US" dirty="0" smtClean="0"/>
-                        <a:t>Feels emo</a:t>
-                      </a:r>
-                      <a:endParaRPr lang="en-US" dirty="0"/>
-                    </a:p>
-                  </a:txBody>
-                  <a:tcPr/>
-                </a:tc>
-                <a:extLst>
-                  <a:ext uri="{0D108BD9-81ED-4DB2-BD59-A6C34878D82A}">
-                    <a16:rowId xmlns:a16="http://schemas.microsoft.com/office/drawing/2014/main" val="1689759424"/>
-                  </a:ext>
-                </a:extLst>
-              </a:tr>
-              <a:tr h="370840">
-                <a:tc>
-                  <a:txBody>
-                    <a:bodyPr/>
-                    <a:lstStyle/>
-                    <a:p>
-                      <a:r>
-                        <a:rPr lang="en-US" dirty="0" smtClean="0"/>
-                        <a:t>surprise</a:t>
-                      </a:r>
-                      <a:endParaRPr lang="en-US" dirty="0"/>
-                    </a:p>
-                  </a:txBody>
-                  <a:tcPr/>
-                </a:tc>
-                <a:tc>
-                  <a:txBody>
-                    <a:bodyPr/>
-                    <a:lstStyle/>
-                    <a:p>
-                      <a:r>
-                        <a:rPr lang="en-US" sz="1400" b="0" i="0" u="none" strike="noStrike" cap="none" dirty="0" smtClean="0">
-                          <a:solidFill>
-                            <a:schemeClr val="dk1"/>
-                          </a:solidFill>
-                          <a:effectLst/>
-                          <a:latin typeface="+mn-lt"/>
-                          <a:ea typeface="+mn-ea"/>
-                          <a:cs typeface="+mn-cs"/>
-                          <a:sym typeface="Arial"/>
-                        </a:rPr>
-                        <a:t>I love telling people I have a degree</a:t>
-                      </a:r>
-                      <a:endParaRPr lang="en-US" dirty="0"/>
-                    </a:p>
-                  </a:txBody>
-                  <a:tcPr/>
-                </a:tc>
-                <a:tc>
-                  <a:txBody>
-                    <a:bodyPr/>
-                    <a:lstStyle/>
-                    <a:p>
-                      <a:r>
-                        <a:rPr lang="en-US" dirty="0" smtClean="0"/>
-                        <a:t>joy</a:t>
-                      </a:r>
-                      <a:endParaRPr lang="en-US" dirty="0"/>
-                    </a:p>
-                  </a:txBody>
-                  <a:tcPr/>
-                </a:tc>
-                <a:tc>
-                  <a:txBody>
-                    <a:bodyPr/>
-                    <a:lstStyle/>
-                    <a:p>
-                      <a:r>
-                        <a:rPr lang="en-US" dirty="0" smtClean="0"/>
-                        <a:t>joy</a:t>
-                      </a:r>
-                      <a:endParaRPr lang="en-US" dirty="0"/>
-                    </a:p>
-                  </a:txBody>
-                  <a:tcPr/>
-                </a:tc>
-                <a:extLst>
-                  <a:ext uri="{0D108BD9-81ED-4DB2-BD59-A6C34878D82A}">
-                    <a16:rowId xmlns:a16="http://schemas.microsoft.com/office/drawing/2014/main" val="2953482035"/>
-                  </a:ext>
-                </a:extLst>
-              </a:tr>
-              <a:tr h="370840">
-                <a:tc>
-                  <a:txBody>
-                    <a:bodyPr/>
-                    <a:lstStyle/>
-                    <a:p>
-                      <a:r>
-                        <a:rPr lang="en-US" dirty="0" smtClean="0"/>
-                        <a:t>anger</a:t>
-                      </a:r>
-                      <a:endParaRPr lang="en-US" dirty="0"/>
-                    </a:p>
-                  </a:txBody>
-                  <a:tcPr/>
-                </a:tc>
-                <a:tc>
-                  <a:txBody>
-                    <a:bodyPr/>
-                    <a:lstStyle/>
-                    <a:p>
-                      <a:r>
-                        <a:rPr lang="en-US" sz="1400" b="0" i="0" u="none" strike="noStrike" cap="none" dirty="0" smtClean="0">
-                          <a:solidFill>
-                            <a:schemeClr val="dk1"/>
-                          </a:solidFill>
-                          <a:effectLst/>
-                          <a:latin typeface="+mn-lt"/>
-                          <a:ea typeface="+mn-ea"/>
-                          <a:cs typeface="+mn-cs"/>
-                          <a:sym typeface="Arial"/>
-                        </a:rPr>
-                        <a:t>I received my parcel trashed. It proves it was teared from backside and thing was removed. </a:t>
-                      </a:r>
-                      <a:endParaRPr lang="en-US" dirty="0"/>
-                    </a:p>
-                  </a:txBody>
-                  <a:tcPr/>
-                </a:tc>
-                <a:tc>
-                  <a:txBody>
-                    <a:bodyPr/>
-                    <a:lstStyle/>
-                    <a:p>
-                      <a:r>
-                        <a:rPr lang="en-US" dirty="0" smtClean="0"/>
-                        <a:t>disgust</a:t>
-                      </a:r>
-                      <a:endParaRPr lang="en-US" dirty="0"/>
-                    </a:p>
-                  </a:txBody>
-                  <a:tcPr/>
-                </a:tc>
-                <a:tc>
-                  <a:txBody>
-                    <a:bodyPr/>
-                    <a:lstStyle/>
-                    <a:p>
-                      <a:r>
-                        <a:rPr lang="en-US" dirty="0" smtClean="0"/>
-                        <a:t>disgust</a:t>
-                      </a:r>
-                      <a:endParaRPr lang="en-US" dirty="0"/>
-                    </a:p>
-                  </a:txBody>
-                  <a:tcPr/>
-                </a:tc>
-                <a:extLst>
-                  <a:ext uri="{0D108BD9-81ED-4DB2-BD59-A6C34878D82A}">
-                    <a16:rowId xmlns:a16="http://schemas.microsoft.com/office/drawing/2014/main" val="2608975174"/>
-                  </a:ext>
-                </a:extLst>
-              </a:tr>
-            </a:tbl>
-          </a:graphicData>
-        </a:graphic>
-      </p:graphicFrame>
-      <p:sp>
-        <p:nvSpPr>
-          <p:cNvPr id="6" name="TextBox 5"/>
-          <p:cNvSpPr txBox="1"/>
-          <p:nvPr/>
-        </p:nvSpPr>
-        <p:spPr>
-          <a:xfrm>
-            <a:off x="311700" y="3910284"/>
-            <a:ext cx="8455479" cy="307777"/>
-          </a:xfrm>
-          <a:prstGeom prst="rect">
-            <a:avLst/>
-          </a:prstGeom>
-          <a:noFill/>
-        </p:spPr>
-        <p:txBody>
-          <a:bodyPr wrap="square" rtlCol="0">
-            <a:spAutoFit/>
-          </a:bodyPr>
-          <a:lstStyle/>
-          <a:p>
-            <a:r>
-              <a:rPr lang="en-US" dirty="0" smtClean="0"/>
-              <a:t>The emotion predicted by emotion prompt and feels emo prompt can also be reasonable.</a:t>
-            </a:r>
-            <a:endParaRPr lang="en-US" dirty="0"/>
-          </a:p>
-        </p:txBody>
-      </p:sp>
-      <p:sp>
-        <p:nvSpPr>
-          <p:cNvPr id="7" name="TextBox 6"/>
-          <p:cNvSpPr txBox="1"/>
-          <p:nvPr/>
-        </p:nvSpPr>
-        <p:spPr>
-          <a:xfrm>
-            <a:off x="376821" y="711200"/>
-            <a:ext cx="7802729" cy="738664"/>
-          </a:xfrm>
-          <a:prstGeom prst="rect">
-            <a:avLst/>
-          </a:prstGeom>
-          <a:noFill/>
-        </p:spPr>
-        <p:txBody>
-          <a:bodyPr wrap="square" rtlCol="0">
-            <a:spAutoFit/>
-          </a:bodyPr>
-          <a:lstStyle/>
-          <a:p>
-            <a:r>
-              <a:rPr lang="en-US" sz="1200" dirty="0"/>
-              <a:t>S</a:t>
-            </a:r>
-            <a:r>
-              <a:rPr lang="en-US" dirty="0"/>
-              <a:t>ome sample sentences that none of </a:t>
-            </a:r>
-            <a:r>
-              <a:rPr lang="en-US" dirty="0" smtClean="0"/>
-              <a:t>emotion prompt </a:t>
-            </a:r>
-            <a:r>
-              <a:rPr lang="en-US" dirty="0"/>
-              <a:t>and </a:t>
-            </a:r>
-            <a:r>
-              <a:rPr lang="en-US" dirty="0" err="1"/>
-              <a:t>feels_emo</a:t>
-            </a:r>
-            <a:r>
-              <a:rPr lang="en-US" dirty="0"/>
-              <a:t> could lead to true prediction to them. </a:t>
-            </a:r>
-            <a:r>
-              <a:rPr lang="en-US" dirty="0" smtClean="0"/>
-              <a:t>(Tec dataset)</a:t>
-            </a:r>
-            <a:endParaRPr lang="en-US" dirty="0"/>
-          </a:p>
-          <a:p>
-            <a:endParaRPr lang="en-US" dirty="0"/>
-          </a:p>
-        </p:txBody>
-      </p:sp>
-    </p:spTree>
-    <p:extLst>
-      <p:ext uri="{BB962C8B-B14F-4D97-AF65-F5344CB8AC3E}">
-        <p14:creationId xmlns:p14="http://schemas.microsoft.com/office/powerpoint/2010/main" val="1251565364"/>
-      </p:ext>
-    </p:extLst>
-  </p:cSld>
-  <p:clrMapOvr>
-    <a:masterClrMapping/>
-  </p:clrMapOvr>
-</p:sld>
-</file>
-
-<file path=ppt/slides/slide13.xml><?xml version="1.0" encoding="utf-8"?>
-<p:sld xmlns:a="http://schemas.openxmlformats.org/drawingml/2006/main" xmlns:r="http://schemas.openxmlformats.org/officeDocument/2006/relationships" xmlns:p="http://schemas.openxmlformats.org/presentationml/2006/main">
-  <p:cSld>
-    <p:spTree>
-      <p:nvGrpSpPr>
-        <p:cNvPr id="1" name=""/>
-        <p:cNvGrpSpPr/>
-        <p:nvPr/>
-      </p:nvGrpSpPr>
-      <p:grpSpPr>
-        <a:xfrm>
-          <a:off x="0" y="0"/>
-          <a:ext cx="0" cy="0"/>
-          <a:chOff x="0" y="0"/>
-          <a:chExt cx="0" cy="0"/>
-        </a:xfrm>
-      </p:grpSpPr>
-      <p:sp>
-        <p:nvSpPr>
-          <p:cNvPr id="2" name="Title 1"/>
-          <p:cNvSpPr>
-            <a:spLocks noGrp="1"/>
-          </p:cNvSpPr>
-          <p:nvPr>
-            <p:ph type="title"/>
-          </p:nvPr>
-        </p:nvSpPr>
-        <p:spPr/>
-        <p:txBody>
-          <a:bodyPr/>
-          <a:lstStyle/>
-          <a:p>
-            <a:pPr algn="ctr">
-              <a:buNone/>
-            </a:pPr>
-            <a:r>
-              <a:rPr lang="en-US" sz="1600" b="1" dirty="0"/>
-              <a:t>Comparing the improved instances and not improved </a:t>
-            </a:r>
-            <a:r>
-              <a:rPr lang="en-US" sz="1600" b="1" dirty="0" smtClean="0"/>
-              <a:t>ones (</a:t>
-            </a:r>
-            <a:r>
-              <a:rPr lang="en-US" sz="1600" b="1" dirty="0" err="1" smtClean="0"/>
-              <a:t>Isear</a:t>
-            </a:r>
-            <a:r>
-              <a:rPr lang="en-US" sz="1600" b="1" dirty="0" smtClean="0"/>
-              <a:t> dataset)</a:t>
-            </a:r>
-            <a:endParaRPr lang="en-US" sz="1600" dirty="0"/>
-          </a:p>
-        </p:txBody>
-      </p:sp>
-      <p:sp>
-        <p:nvSpPr>
-          <p:cNvPr id="4" name="Slide Number Placeholder 3"/>
-          <p:cNvSpPr>
-            <a:spLocks noGrp="1"/>
-          </p:cNvSpPr>
-          <p:nvPr>
-            <p:ph type="sldNum" idx="12"/>
-          </p:nvPr>
-        </p:nvSpPr>
-        <p:spPr/>
-        <p:txBody>
-          <a:bodyPr/>
-          <a:lstStyle/>
-          <a:p>
-            <a:pPr marL="0" lvl="0" indent="0" algn="r" rtl="0">
-              <a:spcBef>
-                <a:spcPts val="0"/>
-              </a:spcBef>
-              <a:spcAft>
-                <a:spcPts val="0"/>
-              </a:spcAft>
-              <a:buNone/>
-            </a:pPr>
-            <a:fld id="{00000000-1234-1234-1234-123412341234}" type="slidenum">
-              <a:rPr lang="en-US" altLang="ja" smtClean="0"/>
-              <a:t>13</a:t>
             </a:fld>
             <a:endParaRPr lang="ja" altLang="en-US"/>
           </a:p>
@@ -7053,7 +5764,7 @@
 </p:sld>
 </file>
 
-<file path=ppt/slides/slide14.xml><?xml version="1.0" encoding="utf-8"?>
+<file path=ppt/slides/slide11.xml><?xml version="1.0" encoding="utf-8"?>
 <p:sld xmlns:a="http://schemas.openxmlformats.org/drawingml/2006/main" xmlns:r="http://schemas.openxmlformats.org/officeDocument/2006/relationships" xmlns:p="http://schemas.openxmlformats.org/presentationml/2006/main">
   <p:cSld>
     <p:spTree>
@@ -7122,7 +5833,7 @@
             </a:pPr>
             <a:fld id="{00000000-1234-1234-1234-123412341234}" type="slidenum">
               <a:rPr lang="en-US" altLang="ja" smtClean="0"/>
-              <a:t>14</a:t>
+              <a:t>11</a:t>
             </a:fld>
             <a:endParaRPr lang="ja" altLang="en-US"/>
           </a:p>
@@ -7137,7 +5848,7 @@
           <p:nvPr>
             <p:extLst>
               <p:ext uri="{D42A27DB-BD31-4B8C-83A1-F6EECF244321}">
-                <p14:modId xmlns:p14="http://schemas.microsoft.com/office/powerpoint/2010/main" val="1231879723"/>
+                <p14:modId xmlns:p14="http://schemas.microsoft.com/office/powerpoint/2010/main" val="2330843259"/>
               </p:ext>
             </p:extLst>
           </p:nvPr>
@@ -7245,7 +5956,7 @@
                   </a:ext>
                 </a:extLst>
               </a:tr>
-              <a:tr h="370840">
+              <a:tr h="911586">
                 <a:tc>
                   <a:txBody>
                     <a:bodyPr/>
@@ -7278,7 +5989,7 @@
                         </a:rPr>
                         <a:t>the moment when you get another follower and you cheer.</a:t>
                       </a:r>
-                      <a:endParaRPr lang="en-US" dirty="0"/>
+                      <a:endParaRPr lang="en-US" sz="1400" dirty="0"/>
                     </a:p>
                   </a:txBody>
                   <a:tcPr/>
@@ -7535,7 +6246,7 @@
 </p:sld>
 </file>
 
-<file path=ppt/slides/slide15.xml><?xml version="1.0" encoding="utf-8"?>
+<file path=ppt/slides/slide12.xml><?xml version="1.0" encoding="utf-8"?>
 <p:sld xmlns:a="http://schemas.openxmlformats.org/drawingml/2006/main" xmlns:r="http://schemas.openxmlformats.org/officeDocument/2006/relationships" xmlns:p="http://schemas.openxmlformats.org/presentationml/2006/main">
   <p:cSld>
     <p:spTree>
@@ -7604,7 +6315,7 @@
             </a:pPr>
             <a:fld id="{00000000-1234-1234-1234-123412341234}" type="slidenum">
               <a:rPr lang="en-US" altLang="ja" smtClean="0"/>
-              <a:t>15</a:t>
+              <a:t>12</a:t>
             </a:fld>
             <a:endParaRPr lang="ja" altLang="en-US"/>
           </a:p>
@@ -7619,7 +6330,7 @@
           <p:nvPr>
             <p:extLst>
               <p:ext uri="{D42A27DB-BD31-4B8C-83A1-F6EECF244321}">
-                <p14:modId xmlns:p14="http://schemas.microsoft.com/office/powerpoint/2010/main" val="2566135535"/>
+                <p14:modId xmlns:p14="http://schemas.microsoft.com/office/powerpoint/2010/main" val="1641409917"/>
               </p:ext>
             </p:extLst>
           </p:nvPr>
@@ -7777,7 +6488,11 @@
                     <a:p>
                       <a:r>
                         <a:rPr lang="en-US" dirty="0" smtClean="0"/>
-                        <a:t>Anger, annoyance, rage, outrage, fury, irritation</a:t>
+                        <a:t>anger</a:t>
+                      </a:r>
+                      <a:r>
+                        <a:rPr lang="en-US" dirty="0" smtClean="0"/>
+                        <a:t>, annoyance, rage, outrage, fury, irritation</a:t>
                       </a:r>
                       <a:endParaRPr lang="en-US" dirty="0"/>
                     </a:p>
@@ -7982,7 +6697,7 @@
 </p:sld>
 </file>
 
-<file path=ppt/slides/slide16.xml><?xml version="1.0" encoding="utf-8"?>
+<file path=ppt/slides/slide13.xml><?xml version="1.0" encoding="utf-8"?>
 <p:sld xmlns:a="http://schemas.openxmlformats.org/drawingml/2006/main" xmlns:r="http://schemas.openxmlformats.org/officeDocument/2006/relationships" xmlns:p="http://schemas.openxmlformats.org/presentationml/2006/main">
   <p:cSld>
     <p:spTree>
@@ -8051,7 +6766,7 @@
             </a:pPr>
             <a:fld id="{00000000-1234-1234-1234-123412341234}" type="slidenum">
               <a:rPr lang="en-US" altLang="ja" smtClean="0"/>
-              <a:t>16</a:t>
+              <a:t>13</a:t>
             </a:fld>
             <a:endParaRPr lang="ja" altLang="en-US"/>
           </a:p>
@@ -8205,7 +6920,7 @@
 </p:sld>
 </file>
 
-<file path=ppt/slides/slide17.xml><?xml version="1.0" encoding="utf-8"?>
+<file path=ppt/slides/slide14.xml><?xml version="1.0" encoding="utf-8"?>
 <p:sld xmlns:a="http://schemas.openxmlformats.org/drawingml/2006/main" xmlns:r="http://schemas.openxmlformats.org/officeDocument/2006/relationships" xmlns:p="http://schemas.openxmlformats.org/presentationml/2006/main">
   <p:cSld>
     <p:spTree>
@@ -8274,7 +6989,7 @@
             </a:pPr>
             <a:fld id="{00000000-1234-1234-1234-123412341234}" type="slidenum">
               <a:rPr lang="en-US" altLang="ja" smtClean="0"/>
-              <a:t>17</a:t>
+              <a:t>14</a:t>
             </a:fld>
             <a:endParaRPr lang="ja" altLang="en-US"/>
           </a:p>
@@ -8615,7 +7330,7 @@
 </p:sld>
 </file>
 
-<file path=ppt/slides/slide18.xml><?xml version="1.0" encoding="utf-8"?>
+<file path=ppt/slides/slide15.xml><?xml version="1.0" encoding="utf-8"?>
 <p:sld xmlns:a="http://schemas.openxmlformats.org/drawingml/2006/main" xmlns:r="http://schemas.openxmlformats.org/officeDocument/2006/relationships" xmlns:p="http://schemas.openxmlformats.org/presentationml/2006/main">
   <p:cSld>
     <p:spTree>
@@ -8696,7 +7411,7 @@
             </a:pPr>
             <a:fld id="{00000000-1234-1234-1234-123412341234}" type="slidenum">
               <a:rPr lang="en-US" altLang="ja" smtClean="0"/>
-              <a:t>18</a:t>
+              <a:t>15</a:t>
             </a:fld>
             <a:endParaRPr lang="ja" altLang="en-US"/>
           </a:p>
@@ -9420,7 +8135,7 @@
 </p:sld>
 </file>
 
-<file path=ppt/slides/slide19.xml><?xml version="1.0" encoding="utf-8"?>
+<file path=ppt/slides/slide16.xml><?xml version="1.0" encoding="utf-8"?>
 <p:sld xmlns:a="http://schemas.openxmlformats.org/drawingml/2006/main" xmlns:r="http://schemas.openxmlformats.org/officeDocument/2006/relationships" xmlns:p="http://schemas.openxmlformats.org/presentationml/2006/main">
   <p:cSld>
     <p:spTree>
@@ -9463,7 +8178,7 @@
             </a:pPr>
             <a:fld id="{00000000-1234-1234-1234-123412341234}" type="slidenum">
               <a:rPr lang="en-US" altLang="ja" smtClean="0"/>
-              <a:t>19</a:t>
+              <a:t>16</a:t>
             </a:fld>
             <a:endParaRPr lang="ja" altLang="en-US"/>
           </a:p>
@@ -9531,11 +8246,7 @@
           <a:p>
             <a:r>
               <a:rPr lang="en-US" dirty="0" smtClean="0"/>
-              <a:t>Using average of entailment probabilities of synonyms of the emotion could lead to a little improvements for all 4 prompts. </a:t>
-            </a:r>
-            <a:r>
-              <a:rPr lang="en-US" dirty="0" smtClean="0"/>
-              <a:t>(emo-s: 0.57 to emo-name: 0.54, expr-s: 0.62 to expr-emo:0.61, emotion-s:0.63 to emotion prompt: 0.61,  feels-s: 0.56 </a:t>
+              <a:t>Using average of entailment probabilities of synonyms of the emotion could lead to a little improvements for all 4 prompts. (emo-s: 0.57 to emo-name: 0.54, expr-s: 0.62 to expr-emo:0.61, emotion-s:0.63 to emotion prompt: 0.61,  feels-s: 0.56 </a:t>
             </a:r>
             <a:r>
               <a:rPr lang="en-US" smtClean="0"/>
@@ -9608,12 +8319,12 @@
 </p:sld>
 </file>
 
-<file path=ppt/slides/slide2.xml><?xml version="1.0" encoding="utf-8"?>
+<file path=ppt/slides/slide17.xml><?xml version="1.0" encoding="utf-8"?>
 <p:sld xmlns:a="http://schemas.openxmlformats.org/drawingml/2006/main" xmlns:r="http://schemas.openxmlformats.org/officeDocument/2006/relationships" xmlns:p="http://schemas.openxmlformats.org/presentationml/2006/main">
   <p:cSld>
     <p:spTree>
       <p:nvGrpSpPr>
-        <p:cNvPr id="1" name="Shape 50"/>
+        <p:cNvPr id="1" name=""/>
         <p:cNvGrpSpPr/>
         <p:nvPr/>
       </p:nvGrpSpPr>
@@ -9627,69 +8338,17 @@
       </p:grpSpPr>
       <p:sp>
         <p:nvSpPr>
-          <p:cNvPr id="51" name="Google Shape;51;p9"/>
-          <p:cNvSpPr txBox="1">
-            <a:spLocks noGrp="1"/>
-          </p:cNvSpPr>
-          <p:nvPr>
-            <p:ph type="title"/>
-          </p:nvPr>
-        </p:nvSpPr>
-        <p:spPr>
-          <a:xfrm>
-            <a:off x="311700" y="0"/>
-            <a:ext cx="8520600" cy="511200"/>
-          </a:xfrm>
-          <a:prstGeom prst="rect">
-            <a:avLst/>
-          </a:prstGeom>
-        </p:spPr>
-        <p:txBody>
-          <a:bodyPr spcFirstLastPara="1" wrap="square" lIns="91425" tIns="91425" rIns="91425" bIns="91425" anchor="ctr" anchorCtr="0">
-            <a:noAutofit/>
-          </a:bodyPr>
-          <a:lstStyle/>
-          <a:p>
-            <a:pPr marL="0" lvl="0" indent="0" algn="ctr" rtl="0">
-              <a:spcBef>
-                <a:spcPts val="0"/>
-              </a:spcBef>
-              <a:spcAft>
-                <a:spcPts val="0"/>
-              </a:spcAft>
-              <a:buNone/>
-            </a:pPr>
-            <a:r>
-              <a:rPr lang="en-US" sz="1600" b="1" dirty="0" smtClean="0"/>
-              <a:t>Datasets and models (Review) </a:t>
-            </a:r>
-            <a:endParaRPr sz="1600" b="1" dirty="0"/>
-          </a:p>
-        </p:txBody>
-      </p:sp>
-      <p:sp>
-        <p:nvSpPr>
-          <p:cNvPr id="53" name="Google Shape;53;p9"/>
-          <p:cNvSpPr txBox="1">
+          <p:cNvPr id="4" name="Slide Number Placeholder 3"/>
+          <p:cNvSpPr>
             <a:spLocks noGrp="1"/>
           </p:cNvSpPr>
           <p:nvPr>
             <p:ph type="sldNum" idx="12"/>
           </p:nvPr>
         </p:nvSpPr>
-        <p:spPr>
-          <a:xfrm>
-            <a:off x="8179550" y="4843650"/>
-            <a:ext cx="964500" cy="339600"/>
-          </a:xfrm>
-          <a:prstGeom prst="rect">
-            <a:avLst/>
-          </a:prstGeom>
-        </p:spPr>
+        <p:spPr/>
         <p:txBody>
-          <a:bodyPr spcFirstLastPara="1" wrap="square" lIns="91425" tIns="91425" rIns="91425" bIns="91425" anchor="t" anchorCtr="0">
-            <a:noAutofit/>
-          </a:bodyPr>
+          <a:bodyPr/>
           <a:lstStyle/>
           <a:p>
             <a:pPr marL="0" lvl="0" indent="0" algn="r" rtl="0">
@@ -9702,23 +8361,400 @@
               <a:buNone/>
             </a:pPr>
             <a:fld id="{00000000-1234-1234-1234-123412341234}" type="slidenum">
-              <a:rPr lang="en-US" altLang="ja"/>
-              <a:t>2</a:t>
+              <a:rPr lang="en-US" altLang="ja" smtClean="0"/>
+              <a:t>17</a:t>
             </a:fld>
-            <a:endParaRPr/>
+            <a:endParaRPr lang="ja" altLang="en-US"/>
           </a:p>
         </p:txBody>
       </p:sp>
+      <p:graphicFrame>
+        <p:nvGraphicFramePr>
+          <p:cNvPr id="8" name="Table 7"/>
+          <p:cNvGraphicFramePr>
+            <a:graphicFrameLocks noGrp="1"/>
+          </p:cNvGraphicFramePr>
+          <p:nvPr>
+            <p:extLst>
+              <p:ext uri="{D42A27DB-BD31-4B8C-83A1-F6EECF244321}">
+                <p14:modId xmlns:p14="http://schemas.microsoft.com/office/powerpoint/2010/main" val="2097066736"/>
+              </p:ext>
+            </p:extLst>
+          </p:nvPr>
+        </p:nvGraphicFramePr>
+        <p:xfrm>
+          <a:off x="358544" y="649601"/>
+          <a:ext cx="7625730" cy="3873011"/>
+        </p:xfrm>
+        <a:graphic>
+          <a:graphicData uri="http://schemas.openxmlformats.org/drawingml/2006/table">
+            <a:tbl>
+              <a:tblPr firstRow="1" bandRow="1">
+                <a:tableStyleId>{5C22544A-7EE6-4342-B048-85BDC9FD1C3A}</a:tableStyleId>
+              </a:tblPr>
+              <a:tblGrid>
+                <a:gridCol w="1340123">
+                  <a:extLst>
+                    <a:ext uri="{9D8B030D-6E8A-4147-A177-3AD203B41FA5}">
+                      <a16:colId xmlns:a16="http://schemas.microsoft.com/office/drawing/2014/main" val="989612644"/>
+                    </a:ext>
+                  </a:extLst>
+                </a:gridCol>
+                <a:gridCol w="1340123">
+                  <a:extLst>
+                    <a:ext uri="{9D8B030D-6E8A-4147-A177-3AD203B41FA5}">
+                      <a16:colId xmlns:a16="http://schemas.microsoft.com/office/drawing/2014/main" val="1377335708"/>
+                    </a:ext>
+                  </a:extLst>
+                </a:gridCol>
+                <a:gridCol w="1340123">
+                  <a:extLst>
+                    <a:ext uri="{9D8B030D-6E8A-4147-A177-3AD203B41FA5}">
+                      <a16:colId xmlns:a16="http://schemas.microsoft.com/office/drawing/2014/main" val="3441547732"/>
+                    </a:ext>
+                  </a:extLst>
+                </a:gridCol>
+                <a:gridCol w="3605361">
+                  <a:extLst>
+                    <a:ext uri="{9D8B030D-6E8A-4147-A177-3AD203B41FA5}">
+                      <a16:colId xmlns:a16="http://schemas.microsoft.com/office/drawing/2014/main" val="2587433081"/>
+                    </a:ext>
+                  </a:extLst>
+                </a:gridCol>
+              </a:tblGrid>
+              <a:tr h="997442">
+                <a:tc>
+                  <a:txBody>
+                    <a:bodyPr/>
+                    <a:lstStyle/>
+                    <a:p>
+                      <a:pPr algn="ctr"/>
+                      <a:r>
+                        <a:rPr lang="en-US" sz="1200" dirty="0" smtClean="0"/>
+                        <a:t>True label</a:t>
+                      </a:r>
+                      <a:endParaRPr lang="en-US" sz="1200" dirty="0"/>
+                    </a:p>
+                  </a:txBody>
+                  <a:tcPr/>
+                </a:tc>
+                <a:tc>
+                  <a:txBody>
+                    <a:bodyPr/>
+                    <a:lstStyle/>
+                    <a:p>
+                      <a:r>
+                        <a:rPr lang="en-US" sz="1200" dirty="0" smtClean="0"/>
+                        <a:t>text</a:t>
+                      </a:r>
+                      <a:endParaRPr lang="en-US" sz="1200" dirty="0"/>
+                    </a:p>
+                  </a:txBody>
+                  <a:tcPr/>
+                </a:tc>
+                <a:tc>
+                  <a:txBody>
+                    <a:bodyPr/>
+                    <a:lstStyle/>
+                    <a:p>
+                      <a:r>
+                        <a:rPr lang="en-US" sz="1200" dirty="0" smtClean="0"/>
+                        <a:t>Predicted</a:t>
+                      </a:r>
+                      <a:r>
+                        <a:rPr lang="en-US" sz="1200" baseline="0" dirty="0" smtClean="0"/>
+                        <a:t> emotion (</a:t>
+                      </a:r>
+                      <a:r>
+                        <a:rPr lang="en-US" sz="1200" dirty="0" smtClean="0"/>
+                        <a:t>using prompts of synonyms)</a:t>
+                      </a:r>
+                      <a:endParaRPr lang="en-US" sz="1200" dirty="0"/>
+                    </a:p>
+                  </a:txBody>
+                  <a:tcPr/>
+                </a:tc>
+                <a:tc>
+                  <a:txBody>
+                    <a:bodyPr/>
+                    <a:lstStyle/>
+                    <a:p>
+                      <a:r>
+                        <a:rPr lang="en-US" sz="1200" dirty="0" smtClean="0"/>
+                        <a:t>Predicted emotion (using prompts</a:t>
+                      </a:r>
+                    </a:p>
+                    <a:p>
+                      <a:r>
+                        <a:rPr lang="en-US" sz="1200" dirty="0" smtClean="0"/>
+                        <a:t> of emotion names)</a:t>
+                      </a:r>
+                      <a:endParaRPr lang="en-US" sz="1200" dirty="0"/>
+                    </a:p>
+                  </a:txBody>
+                  <a:tcPr/>
+                </a:tc>
+                <a:extLst>
+                  <a:ext uri="{0D108BD9-81ED-4DB2-BD59-A6C34878D82A}">
+                    <a16:rowId xmlns:a16="http://schemas.microsoft.com/office/drawing/2014/main" val="3957569299"/>
+                  </a:ext>
+                </a:extLst>
+              </a:tr>
+              <a:tr h="866200">
+                <a:tc>
+                  <a:txBody>
+                    <a:bodyPr/>
+                    <a:lstStyle/>
+                    <a:p>
+                      <a:r>
+                        <a:rPr lang="en-US" sz="1200" dirty="0" smtClean="0"/>
+                        <a:t>anger</a:t>
+                      </a:r>
+                      <a:endParaRPr lang="en-US" sz="1200" dirty="0"/>
+                    </a:p>
+                  </a:txBody>
+                  <a:tcPr/>
+                </a:tc>
+                <a:tc>
+                  <a:txBody>
+                    <a:bodyPr/>
+                    <a:lstStyle/>
+                    <a:p>
+                      <a:r>
+                        <a:rPr lang="en-US" sz="1200" dirty="0" smtClean="0"/>
+                        <a:t>When a car is overtaking another and I am forced to drive off the road.</a:t>
+                      </a:r>
+                      <a:endParaRPr lang="en-US" sz="1200" dirty="0"/>
+                    </a:p>
+                  </a:txBody>
+                  <a:tcPr/>
+                </a:tc>
+                <a:tc>
+                  <a:txBody>
+                    <a:bodyPr/>
+                    <a:lstStyle/>
+                    <a:p>
+                      <a:r>
+                        <a:rPr lang="en-US" sz="1200" dirty="0" smtClean="0"/>
+                        <a:t>anger (using </a:t>
+                      </a:r>
+                      <a:r>
+                        <a:rPr lang="en-US" sz="1200" dirty="0" err="1" smtClean="0"/>
+                        <a:t>emo_s</a:t>
+                      </a:r>
+                      <a:r>
+                        <a:rPr lang="en-US" sz="1200" dirty="0" smtClean="0"/>
+                        <a:t> prompt)</a:t>
+                      </a:r>
+                      <a:r>
+                        <a:rPr lang="en-US" sz="1200" baseline="0" dirty="0" smtClean="0"/>
+                        <a:t> </a:t>
+                      </a:r>
+                      <a:endParaRPr lang="en-US" sz="1200" dirty="0"/>
+                    </a:p>
+                  </a:txBody>
+                  <a:tcPr/>
+                </a:tc>
+                <a:tc>
+                  <a:txBody>
+                    <a:bodyPr/>
+                    <a:lstStyle/>
+                    <a:p>
+                      <a:r>
+                        <a:rPr lang="en-US" sz="1200" dirty="0" smtClean="0"/>
+                        <a:t>fear (using </a:t>
+                      </a:r>
+                      <a:r>
+                        <a:rPr lang="en-US" sz="1200" dirty="0" err="1" smtClean="0"/>
+                        <a:t>emo_name</a:t>
+                      </a:r>
+                      <a:r>
+                        <a:rPr lang="en-US" sz="1200" dirty="0" smtClean="0"/>
+                        <a:t> prompt)</a:t>
+                      </a:r>
+                      <a:endParaRPr lang="en-US" sz="1200" dirty="0"/>
+                    </a:p>
+                  </a:txBody>
+                  <a:tcPr/>
+                </a:tc>
+                <a:extLst>
+                  <a:ext uri="{0D108BD9-81ED-4DB2-BD59-A6C34878D82A}">
+                    <a16:rowId xmlns:a16="http://schemas.microsoft.com/office/drawing/2014/main" val="2598463829"/>
+                  </a:ext>
+                </a:extLst>
+              </a:tr>
+              <a:tr h="866200">
+                <a:tc>
+                  <a:txBody>
+                    <a:bodyPr/>
+                    <a:lstStyle/>
+                    <a:p>
+                      <a:r>
+                        <a:rPr lang="en-US" sz="1200" dirty="0" smtClean="0"/>
+                        <a:t>shame</a:t>
+                      </a:r>
+                      <a:endParaRPr lang="en-US" sz="1200" dirty="0"/>
+                    </a:p>
+                  </a:txBody>
+                  <a:tcPr/>
+                </a:tc>
+                <a:tc>
+                  <a:txBody>
+                    <a:bodyPr/>
+                    <a:lstStyle/>
+                    <a:p>
+                      <a:r>
+                        <a:rPr lang="en-US" sz="1200" dirty="0" smtClean="0"/>
+                        <a:t>I lied, to be precise I cancelled a meeting with a good friend. </a:t>
+                      </a:r>
+                      <a:endParaRPr lang="en-US" sz="1200" dirty="0"/>
+                    </a:p>
+                  </a:txBody>
+                  <a:tcPr/>
+                </a:tc>
+                <a:tc>
+                  <a:txBody>
+                    <a:bodyPr/>
+                    <a:lstStyle/>
+                    <a:p>
+                      <a:r>
+                        <a:rPr lang="en-US" sz="1200" dirty="0" smtClean="0"/>
+                        <a:t>shame (using </a:t>
+                      </a:r>
+                      <a:r>
+                        <a:rPr lang="en-US" sz="1200" dirty="0" err="1" smtClean="0"/>
+                        <a:t>expr_s</a:t>
+                      </a:r>
+                      <a:r>
+                        <a:rPr lang="en-US" sz="1200" dirty="0" smtClean="0"/>
+                        <a:t> prompt)</a:t>
+                      </a:r>
+                      <a:endParaRPr lang="en-US" sz="1200" dirty="0"/>
+                    </a:p>
+                  </a:txBody>
+                  <a:tcPr/>
+                </a:tc>
+                <a:tc>
+                  <a:txBody>
+                    <a:bodyPr/>
+                    <a:lstStyle/>
+                    <a:p>
+                      <a:r>
+                        <a:rPr lang="en-US" sz="1200" dirty="0" smtClean="0"/>
+                        <a:t>guilt ( using </a:t>
+                      </a:r>
+                      <a:r>
+                        <a:rPr lang="en-US" sz="1200" dirty="0" err="1" smtClean="0"/>
+                        <a:t>expr_emo</a:t>
+                      </a:r>
+                      <a:r>
+                        <a:rPr lang="en-US" sz="1200" baseline="0" dirty="0" smtClean="0"/>
+                        <a:t> prompt)</a:t>
+                      </a:r>
+                      <a:endParaRPr lang="en-US" sz="1200" dirty="0"/>
+                    </a:p>
+                  </a:txBody>
+                  <a:tcPr/>
+                </a:tc>
+                <a:extLst>
+                  <a:ext uri="{0D108BD9-81ED-4DB2-BD59-A6C34878D82A}">
+                    <a16:rowId xmlns:a16="http://schemas.microsoft.com/office/drawing/2014/main" val="494446239"/>
+                  </a:ext>
+                </a:extLst>
+              </a:tr>
+              <a:tr h="863889">
+                <a:tc>
+                  <a:txBody>
+                    <a:bodyPr/>
+                    <a:lstStyle/>
+                    <a:p>
+                      <a:r>
+                        <a:rPr lang="en-US" sz="1200" dirty="0" smtClean="0"/>
+                        <a:t>fear</a:t>
+                      </a:r>
+                      <a:endParaRPr lang="en-US" sz="1200" dirty="0"/>
+                    </a:p>
+                  </a:txBody>
+                  <a:tcPr/>
+                </a:tc>
+                <a:tc>
+                  <a:txBody>
+                    <a:bodyPr/>
+                    <a:lstStyle/>
+                    <a:p>
+                      <a:r>
+                        <a:rPr lang="en-US" sz="1200" dirty="0" smtClean="0"/>
+                        <a:t>In a cottage in a large forest, I was alone for a while in the dark. </a:t>
+                      </a:r>
+                      <a:endParaRPr lang="en-US" sz="1200" dirty="0"/>
+                    </a:p>
+                  </a:txBody>
+                  <a:tcPr/>
+                </a:tc>
+                <a:tc>
+                  <a:txBody>
+                    <a:bodyPr/>
+                    <a:lstStyle/>
+                    <a:p>
+                      <a:r>
+                        <a:rPr lang="en-US" sz="1200" dirty="0" smtClean="0"/>
+                        <a:t>f</a:t>
+                      </a:r>
+                      <a:r>
+                        <a:rPr lang="en-US" sz="1200" smtClean="0"/>
+                        <a:t>ear </a:t>
+                      </a:r>
+                      <a:r>
+                        <a:rPr lang="en-US" sz="1200" dirty="0" smtClean="0"/>
+                        <a:t>(using </a:t>
+                      </a:r>
+                      <a:r>
+                        <a:rPr lang="en-US" sz="1200" dirty="0" err="1" smtClean="0"/>
+                        <a:t>emotion_s</a:t>
+                      </a:r>
+                      <a:r>
+                        <a:rPr lang="en-US" sz="1200" baseline="0" dirty="0" smtClean="0"/>
+                        <a:t> prompt)</a:t>
+                      </a:r>
+                      <a:endParaRPr lang="en-US" sz="1200" dirty="0"/>
+                    </a:p>
+                  </a:txBody>
+                  <a:tcPr/>
+                </a:tc>
+                <a:tc>
+                  <a:txBody>
+                    <a:bodyPr/>
+                    <a:lstStyle/>
+                    <a:p>
+                      <a:r>
+                        <a:rPr lang="en-US" sz="1200" dirty="0" smtClean="0"/>
+                        <a:t>Sadness (using emotion prompt)</a:t>
+                      </a:r>
+                      <a:endParaRPr lang="en-US" sz="1200" dirty="0"/>
+                    </a:p>
+                  </a:txBody>
+                  <a:tcPr/>
+                </a:tc>
+                <a:extLst>
+                  <a:ext uri="{0D108BD9-81ED-4DB2-BD59-A6C34878D82A}">
+                    <a16:rowId xmlns:a16="http://schemas.microsoft.com/office/drawing/2014/main" val="1219283425"/>
+                  </a:ext>
+                </a:extLst>
+              </a:tr>
+            </a:tbl>
+          </a:graphicData>
+        </a:graphic>
+      </p:graphicFrame>
       <p:sp>
         <p:nvSpPr>
-          <p:cNvPr id="2" name="TextBox 1"/>
+          <p:cNvPr id="12" name="TextBox 11"/>
           <p:cNvSpPr txBox="1"/>
           <p:nvPr/>
         </p:nvSpPr>
         <p:spPr>
           <a:xfrm>
-            <a:off x="559550" y="886691"/>
-            <a:ext cx="7620000" cy="4401205"/>
+            <a:off x="261900" y="4274786"/>
+            <a:ext cx="8462778" cy="738664"/>
           </a:xfrm>
           <a:prstGeom prst="rect">
             <a:avLst/>
@@ -9731,247 +8767,68 @@
           </a:bodyPr>
           <a:lstStyle/>
           <a:p>
-            <a:pPr>
-              <a:lnSpc>
-                <a:spcPct val="150000"/>
-              </a:lnSpc>
-            </a:pPr>
+            <a:endParaRPr lang="en-US" dirty="0"/>
+          </a:p>
+          <a:p>
             <a:r>
               <a:rPr lang="en-US" dirty="0" smtClean="0"/>
-              <a:t>Datasets:  </a:t>
+              <a:t>It seems that using prompts of synonyms of emotions could lead to true prediction for some sentences that their emotions are ambiguous. </a:t>
             </a:r>
             <a:endParaRPr lang="en-US" dirty="0"/>
           </a:p>
-          <a:p>
-            <a:pPr marL="342900" indent="-342900">
-              <a:lnSpc>
-                <a:spcPct val="150000"/>
-              </a:lnSpc>
-              <a:buFont typeface="Arial" panose="020B0604020202020204" pitchFamily="34" charset="0"/>
-              <a:buChar char="•"/>
-            </a:pPr>
-            <a:r>
-              <a:rPr lang="en-US" dirty="0" err="1"/>
+        </p:txBody>
+      </p:sp>
+      <p:sp>
+        <p:nvSpPr>
+          <p:cNvPr id="14" name="TextBox 13"/>
+          <p:cNvSpPr txBox="1"/>
+          <p:nvPr/>
+        </p:nvSpPr>
+        <p:spPr>
+          <a:xfrm flipH="1">
+            <a:off x="938347" y="0"/>
+            <a:ext cx="7574282" cy="523220"/>
+          </a:xfrm>
+          <a:prstGeom prst="rect">
+            <a:avLst/>
+          </a:prstGeom>
+          <a:noFill/>
+        </p:spPr>
+        <p:txBody>
+          <a:bodyPr wrap="square" rtlCol="0">
+            <a:spAutoFit/>
+          </a:bodyPr>
+          <a:lstStyle/>
+          <a:p>
+            <a:r>
+              <a:rPr lang="en-US" b="1" dirty="0"/>
+              <a:t>Comparing the results of using synonyms with the results of using prompts of emotion names ( </a:t>
+            </a:r>
+            <a:r>
+              <a:rPr lang="en-US" b="1" dirty="0" err="1"/>
               <a:t>Isear</a:t>
             </a:r>
             <a:r>
-              <a:rPr lang="en-US" dirty="0"/>
-              <a:t> dataset: 7515 data  </a:t>
-            </a:r>
-            <a:r>
-              <a:rPr lang="en-US" dirty="0" smtClean="0"/>
-              <a:t>   Labels</a:t>
-            </a:r>
-            <a:r>
-              <a:rPr lang="en-US" dirty="0"/>
-              <a:t>: anger, disgust, fear, guilt, joy, sadness, shame </a:t>
-            </a:r>
-          </a:p>
-          <a:p>
-            <a:pPr marL="342900" indent="-342900">
-              <a:lnSpc>
-                <a:spcPct val="150000"/>
-              </a:lnSpc>
-              <a:buFont typeface="Arial" panose="020B0604020202020204" pitchFamily="34" charset="0"/>
-              <a:buChar char="•"/>
-            </a:pPr>
-            <a:r>
-              <a:rPr lang="en-US" dirty="0"/>
-              <a:t> Tec dataset: 21051 data    Labels: anger, disgust, fear, joy, sadness, surprise </a:t>
-            </a:r>
-            <a:endParaRPr lang="en-US" dirty="0" smtClean="0"/>
-          </a:p>
-          <a:p>
-            <a:pPr>
-              <a:lnSpc>
-                <a:spcPct val="150000"/>
-              </a:lnSpc>
-            </a:pPr>
-            <a:r>
-              <a:rPr lang="en-US" dirty="0" smtClean="0"/>
-              <a:t>  Preprocessing </a:t>
-            </a:r>
-            <a:r>
-              <a:rPr lang="en-US" dirty="0"/>
-              <a:t>datasets before doing </a:t>
-            </a:r>
-            <a:r>
-              <a:rPr lang="en-US" dirty="0" smtClean="0"/>
-              <a:t>classification</a:t>
-            </a:r>
-            <a:endParaRPr lang="en-US" dirty="0"/>
-          </a:p>
-          <a:p>
-            <a:endParaRPr lang="en-US" dirty="0" smtClean="0"/>
-          </a:p>
-          <a:p>
-            <a:pPr>
-              <a:lnSpc>
-                <a:spcPct val="150000"/>
-              </a:lnSpc>
-            </a:pPr>
-            <a:r>
-              <a:rPr lang="en-US" dirty="0" err="1"/>
-              <a:t>Pre_trained</a:t>
-            </a:r>
-            <a:r>
-              <a:rPr lang="en-US" dirty="0"/>
-              <a:t> NLP </a:t>
-            </a:r>
-            <a:r>
-              <a:rPr lang="en-US" dirty="0" smtClean="0"/>
-              <a:t>models (publicly available within hugging face python library):  </a:t>
-            </a:r>
-          </a:p>
-          <a:p>
-            <a:pPr marL="285750" indent="-285750">
-              <a:lnSpc>
-                <a:spcPct val="150000"/>
-              </a:lnSpc>
-              <a:buFont typeface="Arial" panose="020B0604020202020204" pitchFamily="34" charset="0"/>
-              <a:buChar char="•"/>
-            </a:pPr>
-            <a:r>
-              <a:rPr lang="en-US" dirty="0" err="1"/>
-              <a:t>Deberta</a:t>
-            </a:r>
-            <a:r>
-              <a:rPr lang="en-US" dirty="0"/>
-              <a:t>: </a:t>
-            </a:r>
-            <a:r>
-              <a:rPr lang="en-US" dirty="0" err="1" smtClean="0"/>
-              <a:t>microsoft</a:t>
-            </a:r>
-            <a:r>
-              <a:rPr lang="en-US" dirty="0" smtClean="0"/>
-              <a:t>/deberta-v2-xlarge-mnli</a:t>
-            </a:r>
-            <a:endParaRPr lang="en-US" dirty="0"/>
-          </a:p>
-          <a:p>
-            <a:pPr marL="342900" indent="-342900">
-              <a:lnSpc>
-                <a:spcPct val="150000"/>
-              </a:lnSpc>
-              <a:buFont typeface="Arial" panose="020B0604020202020204" pitchFamily="34" charset="0"/>
-              <a:buChar char="•"/>
-            </a:pPr>
-            <a:r>
-              <a:rPr lang="en-US" dirty="0"/>
-              <a:t>Roberta: </a:t>
-            </a:r>
-            <a:r>
-              <a:rPr lang="en-US" dirty="0" err="1"/>
-              <a:t>roberta</a:t>
-            </a:r>
-            <a:r>
-              <a:rPr lang="en-US" dirty="0"/>
-              <a:t>-large-</a:t>
-            </a:r>
-            <a:r>
-              <a:rPr lang="en-US" dirty="0" err="1"/>
-              <a:t>mnli</a:t>
-            </a:r>
-            <a:r>
-              <a:rPr lang="en-US" dirty="0"/>
-              <a:t>,</a:t>
-            </a:r>
-          </a:p>
-          <a:p>
-            <a:pPr marL="342900" indent="-342900">
-              <a:lnSpc>
-                <a:spcPct val="150000"/>
-              </a:lnSpc>
-              <a:buFont typeface="Arial" panose="020B0604020202020204" pitchFamily="34" charset="0"/>
-              <a:buChar char="•"/>
-            </a:pPr>
-            <a:r>
-              <a:rPr lang="en-US" dirty="0"/>
-              <a:t>Bart: </a:t>
-            </a:r>
-            <a:r>
-              <a:rPr lang="en-US" dirty="0" err="1"/>
-              <a:t>facebook</a:t>
-            </a:r>
-            <a:r>
-              <a:rPr lang="en-US" dirty="0"/>
-              <a:t>/</a:t>
-            </a:r>
-            <a:r>
-              <a:rPr lang="en-US" dirty="0" err="1"/>
-              <a:t>bart</a:t>
-            </a:r>
-            <a:r>
-              <a:rPr lang="en-US" dirty="0"/>
-              <a:t>-large-</a:t>
-            </a:r>
-            <a:r>
-              <a:rPr lang="en-US" dirty="0" err="1"/>
-              <a:t>mnli</a:t>
-            </a:r>
-            <a:r>
-              <a:rPr lang="en-US" dirty="0"/>
-              <a:t> </a:t>
-            </a:r>
-          </a:p>
-          <a:p>
-            <a:pPr>
-              <a:lnSpc>
-                <a:spcPct val="150000"/>
-              </a:lnSpc>
-            </a:pPr>
-            <a:endParaRPr lang="en-US" dirty="0" smtClean="0"/>
-          </a:p>
-          <a:p>
-            <a:pPr>
-              <a:lnSpc>
-                <a:spcPct val="150000"/>
-              </a:lnSpc>
-            </a:pPr>
-            <a:r>
-              <a:rPr lang="en-US" dirty="0" smtClean="0"/>
-              <a:t>Classification</a:t>
-            </a:r>
-            <a:r>
-              <a:rPr lang="en-US" dirty="0"/>
-              <a:t>: Based on checking the entailment probability between text and </a:t>
-            </a:r>
-            <a:r>
-              <a:rPr lang="en-US" dirty="0" smtClean="0"/>
-              <a:t>emotion (The emotion with highest entailment probability would be the predicted emotion)</a:t>
-            </a:r>
-            <a:endParaRPr lang="en-US" dirty="0"/>
-          </a:p>
-          <a:p>
-            <a:pPr>
-              <a:lnSpc>
-                <a:spcPct val="150000"/>
-              </a:lnSpc>
-            </a:pPr>
-            <a:endParaRPr lang="en-US" dirty="0"/>
-          </a:p>
-          <a:p>
-            <a:endParaRPr lang="en-US" dirty="0"/>
+              <a:rPr lang="en-US" b="1" dirty="0"/>
+              <a:t> dataset)</a:t>
+            </a:r>
           </a:p>
         </p:txBody>
       </p:sp>
     </p:spTree>
+    <p:extLst>
+      <p:ext uri="{BB962C8B-B14F-4D97-AF65-F5344CB8AC3E}">
+        <p14:creationId xmlns:p14="http://schemas.microsoft.com/office/powerpoint/2010/main" val="3449112687"/>
+      </p:ext>
+    </p:extLst>
   </p:cSld>
   <p:clrMapOvr>
     <a:masterClrMapping/>
   </p:clrMapOvr>
-  <p:timing>
-    <p:tnLst>
-      <p:par>
-        <p:cTn id="1" dur="indefinite" restart="never" nodeType="tmRoot"/>
-      </p:par>
-    </p:tnLst>
-  </p:timing>
 </p:sld>
 </file>
 
-<file path=ppt/slides/slide20.xml><?xml version="1.0" encoding="utf-8"?>
+<file path=ppt/slides/slide18.xml><?xml version="1.0" encoding="utf-8"?>
 <p:sld xmlns:a="http://schemas.openxmlformats.org/drawingml/2006/main" xmlns:r="http://schemas.openxmlformats.org/officeDocument/2006/relationships" xmlns:p="http://schemas.openxmlformats.org/presentationml/2006/main">
   <p:cSld>
     <p:spTree>
@@ -10044,7 +8901,7 @@
             </a:pPr>
             <a:fld id="{00000000-1234-1234-1234-123412341234}" type="slidenum">
               <a:rPr lang="en-US" altLang="ja" smtClean="0"/>
-              <a:t>20</a:t>
+              <a:t>18</a:t>
             </a:fld>
             <a:endParaRPr lang="ja" altLang="en-US"/>
           </a:p>
@@ -10784,12 +9641,12 @@
 </p:sld>
 </file>
 
-<file path=ppt/slides/slide3.xml><?xml version="1.0" encoding="utf-8"?>
+<file path=ppt/slides/slide2.xml><?xml version="1.0" encoding="utf-8"?>
 <p:sld xmlns:a="http://schemas.openxmlformats.org/drawingml/2006/main" xmlns:r="http://schemas.openxmlformats.org/officeDocument/2006/relationships" xmlns:p="http://schemas.openxmlformats.org/presentationml/2006/main">
   <p:cSld>
     <p:spTree>
       <p:nvGrpSpPr>
-        <p:cNvPr id="1" name="Shape 57"/>
+        <p:cNvPr id="1" name="Shape 50"/>
         <p:cNvGrpSpPr/>
         <p:nvPr/>
       </p:nvGrpSpPr>
@@ -10803,7 +9660,7 @@
       </p:grpSpPr>
       <p:sp>
         <p:nvSpPr>
-          <p:cNvPr id="58" name="Google Shape;58;p10"/>
+          <p:cNvPr id="51" name="Google Shape;51;p9"/>
           <p:cNvSpPr txBox="1">
             <a:spLocks noGrp="1"/>
           </p:cNvSpPr>
@@ -10813,8 +9670,8 @@
         </p:nvSpPr>
         <p:spPr>
           <a:xfrm>
-            <a:off x="311700" y="31300"/>
-            <a:ext cx="8520600" cy="479700"/>
+            <a:off x="311700" y="0"/>
+            <a:ext cx="8520600" cy="511200"/>
           </a:xfrm>
           <a:prstGeom prst="rect">
             <a:avLst/>
@@ -10826,36 +9683,26 @@
           </a:bodyPr>
           <a:lstStyle/>
           <a:p>
-            <a:pPr lvl="0" algn="ctr">
+            <a:pPr marL="0" lvl="0" indent="0" algn="ctr" rtl="0">
+              <a:spcBef>
+                <a:spcPts val="0"/>
+              </a:spcBef>
+              <a:spcAft>
+                <a:spcPts val="0"/>
+              </a:spcAft>
               <a:buNone/>
             </a:pPr>
             <a:r>
-              <a:rPr lang="en-US" b="1" dirty="0"/>
-              <a:t>Zero shot emotion classification using different templates (</a:t>
-            </a:r>
-            <a:r>
-              <a:rPr lang="en-US" b="1" dirty="0" err="1"/>
-              <a:t>Isear</a:t>
-            </a:r>
-            <a:r>
-              <a:rPr lang="en-US" b="1" dirty="0"/>
-              <a:t> dataset</a:t>
-            </a:r>
-            <a:r>
-              <a:rPr lang="en-US" b="1" dirty="0" smtClean="0"/>
-              <a:t>) </a:t>
-            </a:r>
-            <a:r>
-              <a:rPr lang="en-US" b="1" dirty="0"/>
-              <a:t>(Review) </a:t>
-            </a:r>
-            <a:endParaRPr dirty="0"/>
+              <a:rPr lang="en-US" sz="1600" b="1" dirty="0" smtClean="0"/>
+              <a:t>Datasets and models (Review) </a:t>
+            </a:r>
+            <a:endParaRPr sz="1600" b="1" dirty="0"/>
           </a:p>
         </p:txBody>
       </p:sp>
       <p:sp>
         <p:nvSpPr>
-          <p:cNvPr id="60" name="Google Shape;60;p10"/>
+          <p:cNvPr id="53" name="Google Shape;53;p9"/>
           <p:cNvSpPr txBox="1">
             <a:spLocks noGrp="1"/>
           </p:cNvSpPr>
@@ -10889,7 +9736,7 @@
             </a:pPr>
             <a:fld id="{00000000-1234-1234-1234-123412341234}" type="slidenum">
               <a:rPr lang="en-US" altLang="ja"/>
-              <a:t>3</a:t>
+              <a:t>2</a:t>
             </a:fld>
             <a:endParaRPr/>
           </a:p>
@@ -10897,65 +9744,358 @@
       </p:sp>
       <p:sp>
         <p:nvSpPr>
-          <p:cNvPr id="2" name="Rectangle 1"/>
-          <p:cNvSpPr/>
+          <p:cNvPr id="2" name="TextBox 1"/>
+          <p:cNvSpPr txBox="1"/>
           <p:nvPr/>
         </p:nvSpPr>
         <p:spPr>
           <a:xfrm>
-            <a:off x="890405" y="824607"/>
-            <a:ext cx="4679486" cy="307777"/>
+            <a:off x="559550" y="886691"/>
+            <a:ext cx="7620000" cy="4401205"/>
           </a:xfrm>
           <a:prstGeom prst="rect">
             <a:avLst/>
           </a:prstGeom>
+          <a:noFill/>
         </p:spPr>
         <p:txBody>
-          <a:bodyPr wrap="none">
+          <a:bodyPr wrap="square" rtlCol="0">
             <a:spAutoFit/>
           </a:bodyPr>
           <a:lstStyle/>
           <a:p>
+            <a:pPr>
+              <a:lnSpc>
+                <a:spcPct val="150000"/>
+              </a:lnSpc>
+            </a:pPr>
             <a:r>
               <a:rPr lang="en-US" dirty="0" smtClean="0"/>
-              <a:t> Emotion name (using only emotion </a:t>
-            </a:r>
-            <a:r>
-              <a:rPr lang="en-US" dirty="0"/>
-              <a:t>name</a:t>
-            </a:r>
-            <a:r>
-              <a:rPr lang="en-US" dirty="0" smtClean="0"/>
-              <a:t>), </a:t>
-            </a:r>
+              <a:t>Datasets:  </a:t>
+            </a:r>
+            <a:endParaRPr lang="en-US" dirty="0"/>
+          </a:p>
+          <a:p>
+            <a:pPr marL="342900" indent="-342900">
+              <a:lnSpc>
+                <a:spcPct val="150000"/>
+              </a:lnSpc>
+              <a:buFont typeface="Arial" panose="020B0604020202020204" pitchFamily="34" charset="0"/>
+              <a:buChar char="•"/>
+            </a:pPr>
             <a:r>
               <a:rPr lang="en-US" dirty="0" err="1"/>
               <a:t>Isear</a:t>
             </a:r>
             <a:r>
               <a:rPr lang="en-US" dirty="0"/>
-              <a:t> dataset</a:t>
-            </a:r>
+              <a:t> dataset: 7515 data  </a:t>
+            </a:r>
+            <a:r>
+              <a:rPr lang="en-US" dirty="0" smtClean="0"/>
+              <a:t>   Labels</a:t>
+            </a:r>
+            <a:r>
+              <a:rPr lang="en-US" dirty="0"/>
+              <a:t>: anger, disgust, fear, guilt, joy, sadness, shame </a:t>
+            </a:r>
+          </a:p>
+          <a:p>
+            <a:pPr marL="342900" indent="-342900">
+              <a:lnSpc>
+                <a:spcPct val="150000"/>
+              </a:lnSpc>
+              <a:buFont typeface="Arial" panose="020B0604020202020204" pitchFamily="34" charset="0"/>
+              <a:buChar char="•"/>
+            </a:pPr>
+            <a:r>
+              <a:rPr lang="en-US" dirty="0"/>
+              <a:t> Tec dataset: 21051 data    Labels: anger, disgust, fear, joy, sadness, surprise </a:t>
+            </a:r>
+            <a:endParaRPr lang="en-US" dirty="0" smtClean="0"/>
+          </a:p>
+          <a:p>
+            <a:pPr>
+              <a:lnSpc>
+                <a:spcPct val="150000"/>
+              </a:lnSpc>
+            </a:pPr>
+            <a:r>
+              <a:rPr lang="en-US" dirty="0" smtClean="0"/>
+              <a:t>  Preprocessing </a:t>
+            </a:r>
+            <a:r>
+              <a:rPr lang="en-US" dirty="0"/>
+              <a:t>datasets before doing </a:t>
+            </a:r>
+            <a:r>
+              <a:rPr lang="en-US" dirty="0" smtClean="0"/>
+              <a:t>classification</a:t>
+            </a:r>
+            <a:endParaRPr lang="en-US" dirty="0"/>
+          </a:p>
+          <a:p>
+            <a:endParaRPr lang="en-US" dirty="0" smtClean="0"/>
+          </a:p>
+          <a:p>
+            <a:pPr>
+              <a:lnSpc>
+                <a:spcPct val="150000"/>
+              </a:lnSpc>
+            </a:pPr>
+            <a:r>
+              <a:rPr lang="en-US" dirty="0" err="1"/>
+              <a:t>Pre_trained</a:t>
+            </a:r>
+            <a:r>
+              <a:rPr lang="en-US" dirty="0"/>
+              <a:t> NLP </a:t>
+            </a:r>
+            <a:r>
+              <a:rPr lang="en-US" dirty="0" smtClean="0"/>
+              <a:t>models (publicly available within hugging face python library):  </a:t>
+            </a:r>
+          </a:p>
+          <a:p>
+            <a:pPr marL="285750" indent="-285750">
+              <a:lnSpc>
+                <a:spcPct val="150000"/>
+              </a:lnSpc>
+              <a:buFont typeface="Arial" panose="020B0604020202020204" pitchFamily="34" charset="0"/>
+              <a:buChar char="•"/>
+            </a:pPr>
+            <a:r>
+              <a:rPr lang="en-US" dirty="0" err="1"/>
+              <a:t>Deberta</a:t>
+            </a:r>
+            <a:r>
+              <a:rPr lang="en-US" dirty="0"/>
+              <a:t>: </a:t>
+            </a:r>
+            <a:r>
+              <a:rPr lang="en-US" dirty="0" err="1" smtClean="0"/>
+              <a:t>microsoft</a:t>
+            </a:r>
+            <a:r>
+              <a:rPr lang="en-US" dirty="0" smtClean="0"/>
+              <a:t>/deberta-v2-xlarge-mnli</a:t>
+            </a:r>
+            <a:endParaRPr lang="en-US" dirty="0"/>
+          </a:p>
+          <a:p>
+            <a:pPr marL="342900" indent="-342900">
+              <a:lnSpc>
+                <a:spcPct val="150000"/>
+              </a:lnSpc>
+              <a:buFont typeface="Arial" panose="020B0604020202020204" pitchFamily="34" charset="0"/>
+              <a:buChar char="•"/>
+            </a:pPr>
+            <a:r>
+              <a:rPr lang="en-US" dirty="0"/>
+              <a:t>Roberta: </a:t>
+            </a:r>
+            <a:r>
+              <a:rPr lang="en-US" dirty="0" err="1"/>
+              <a:t>roberta</a:t>
+            </a:r>
+            <a:r>
+              <a:rPr lang="en-US" dirty="0"/>
+              <a:t>-large-</a:t>
+            </a:r>
+            <a:r>
+              <a:rPr lang="en-US" dirty="0" err="1"/>
+              <a:t>mnli</a:t>
+            </a:r>
+            <a:r>
+              <a:rPr lang="en-US" dirty="0"/>
+              <a:t>,</a:t>
+            </a:r>
+          </a:p>
+          <a:p>
+            <a:pPr marL="342900" indent="-342900">
+              <a:lnSpc>
+                <a:spcPct val="150000"/>
+              </a:lnSpc>
+              <a:buFont typeface="Arial" panose="020B0604020202020204" pitchFamily="34" charset="0"/>
+              <a:buChar char="•"/>
+            </a:pPr>
+            <a:r>
+              <a:rPr lang="en-US" dirty="0"/>
+              <a:t>Bart: </a:t>
+            </a:r>
+            <a:r>
+              <a:rPr lang="en-US" dirty="0" err="1"/>
+              <a:t>facebook</a:t>
+            </a:r>
+            <a:r>
+              <a:rPr lang="en-US" dirty="0"/>
+              <a:t>/</a:t>
+            </a:r>
+            <a:r>
+              <a:rPr lang="en-US" dirty="0" err="1"/>
+              <a:t>bart</a:t>
+            </a:r>
+            <a:r>
+              <a:rPr lang="en-US" dirty="0"/>
+              <a:t>-large-</a:t>
+            </a:r>
+            <a:r>
+              <a:rPr lang="en-US" dirty="0" err="1"/>
+              <a:t>mnli</a:t>
+            </a:r>
+            <a:r>
+              <a:rPr lang="en-US" dirty="0"/>
+              <a:t> </a:t>
+            </a:r>
+          </a:p>
+          <a:p>
+            <a:pPr>
+              <a:lnSpc>
+                <a:spcPct val="150000"/>
+              </a:lnSpc>
+            </a:pPr>
+            <a:endParaRPr lang="en-US" dirty="0" smtClean="0"/>
+          </a:p>
+          <a:p>
+            <a:pPr>
+              <a:lnSpc>
+                <a:spcPct val="150000"/>
+              </a:lnSpc>
+            </a:pPr>
+            <a:r>
+              <a:rPr lang="en-US" dirty="0" smtClean="0"/>
+              <a:t>Classification</a:t>
+            </a:r>
+            <a:r>
+              <a:rPr lang="en-US" dirty="0"/>
+              <a:t>: Based on checking the entailment probability between text and </a:t>
+            </a:r>
+            <a:r>
+              <a:rPr lang="en-US" dirty="0" smtClean="0"/>
+              <a:t>emotion (The emotion with highest entailment probability would be the predicted emotion)</a:t>
+            </a:r>
+            <a:endParaRPr lang="en-US" dirty="0"/>
+          </a:p>
+          <a:p>
+            <a:pPr>
+              <a:lnSpc>
+                <a:spcPct val="150000"/>
+              </a:lnSpc>
+            </a:pPr>
+            <a:endParaRPr lang="en-US" dirty="0"/>
+          </a:p>
+          <a:p>
+            <a:endParaRPr lang="en-US" dirty="0"/>
+          </a:p>
+        </p:txBody>
+      </p:sp>
+    </p:spTree>
+  </p:cSld>
+  <p:clrMapOvr>
+    <a:masterClrMapping/>
+  </p:clrMapOvr>
+  <p:timing>
+    <p:tnLst>
+      <p:par>
+        <p:cTn id="1" dur="indefinite" restart="never" nodeType="tmRoot"/>
+      </p:par>
+    </p:tnLst>
+  </p:timing>
+</p:sld>
+</file>
+
+<file path=ppt/slides/slide3.xml><?xml version="1.0" encoding="utf-8"?>
+<p:sld xmlns:a="http://schemas.openxmlformats.org/drawingml/2006/main" xmlns:r="http://schemas.openxmlformats.org/officeDocument/2006/relationships" xmlns:p="http://schemas.openxmlformats.org/presentationml/2006/main">
+  <p:cSld>
+    <p:spTree>
+      <p:nvGrpSpPr>
+        <p:cNvPr id="1" name=""/>
+        <p:cNvGrpSpPr/>
+        <p:nvPr/>
+      </p:nvGrpSpPr>
+      <p:grpSpPr>
+        <a:xfrm>
+          <a:off x="0" y="0"/>
+          <a:ext cx="0" cy="0"/>
+          <a:chOff x="0" y="0"/>
+          <a:chExt cx="0" cy="0"/>
+        </a:xfrm>
+      </p:grpSpPr>
+      <p:sp>
+        <p:nvSpPr>
+          <p:cNvPr id="2" name="Title 1"/>
+          <p:cNvSpPr>
+            <a:spLocks noGrp="1"/>
+          </p:cNvSpPr>
+          <p:nvPr>
+            <p:ph type="title"/>
+          </p:nvPr>
+        </p:nvSpPr>
+        <p:spPr/>
+        <p:txBody>
+          <a:bodyPr/>
+          <a:lstStyle/>
+          <a:p>
+            <a:pPr algn="ctr">
+              <a:buNone/>
+            </a:pPr>
+            <a:r>
+              <a:rPr lang="en-US" sz="1600" b="1" dirty="0" smtClean="0"/>
+              <a:t>Prompts of emotions (Review)</a:t>
+            </a:r>
+            <a:endParaRPr lang="en-US" sz="1600" b="1" dirty="0"/>
+          </a:p>
+        </p:txBody>
+      </p:sp>
+      <p:sp>
+        <p:nvSpPr>
+          <p:cNvPr id="4" name="Slide Number Placeholder 3"/>
+          <p:cNvSpPr>
+            <a:spLocks noGrp="1"/>
+          </p:cNvSpPr>
+          <p:nvPr>
+            <p:ph type="sldNum" idx="12"/>
+          </p:nvPr>
+        </p:nvSpPr>
+        <p:spPr/>
+        <p:txBody>
+          <a:bodyPr/>
+          <a:lstStyle/>
+          <a:p>
+            <a:pPr marL="0" lvl="0" indent="0" algn="r" rtl="0">
+              <a:spcBef>
+                <a:spcPts val="0"/>
+              </a:spcBef>
+              <a:spcAft>
+                <a:spcPts val="0"/>
+              </a:spcAft>
+              <a:buNone/>
+            </a:pPr>
+            <a:fld id="{00000000-1234-1234-1234-123412341234}" type="slidenum">
+              <a:rPr lang="en-US" altLang="ja" smtClean="0"/>
+              <a:t>3</a:t>
+            </a:fld>
+            <a:endParaRPr lang="ja" altLang="en-US"/>
           </a:p>
         </p:txBody>
       </p:sp>
       <p:graphicFrame>
         <p:nvGraphicFramePr>
-          <p:cNvPr id="6" name="Table 5"/>
+          <p:cNvPr id="5" name="Table 4"/>
           <p:cNvGraphicFramePr>
             <a:graphicFrameLocks noGrp="1"/>
           </p:cNvGraphicFramePr>
           <p:nvPr>
             <p:extLst>
               <p:ext uri="{D42A27DB-BD31-4B8C-83A1-F6EECF244321}">
-                <p14:modId xmlns:p14="http://schemas.microsoft.com/office/powerpoint/2010/main" val="1888843507"/>
+                <p14:modId xmlns:p14="http://schemas.microsoft.com/office/powerpoint/2010/main" val="338777689"/>
               </p:ext>
             </p:extLst>
           </p:nvPr>
         </p:nvGraphicFramePr>
         <p:xfrm>
-          <a:off x="954259" y="1313956"/>
-          <a:ext cx="6096000" cy="1259840"/>
+          <a:off x="929664" y="1730371"/>
+          <a:ext cx="6096000" cy="2296160"/>
         </p:xfrm>
         <a:graphic>
           <a:graphicData uri="http://schemas.openxmlformats.org/drawingml/2006/table">
@@ -10964,31 +10104,24 @@
                 <a:tableStyleId>{5C22544A-7EE6-4342-B048-85BDC9FD1C3A}</a:tableStyleId>
               </a:tblPr>
               <a:tblGrid>
-                <a:gridCol w="1524000">
+                <a:gridCol w="2032000">
                   <a:extLst>
                     <a:ext uri="{9D8B030D-6E8A-4147-A177-3AD203B41FA5}">
-                      <a16:colId xmlns:a16="http://schemas.microsoft.com/office/drawing/2014/main" val="686520990"/>
+                      <a16:colId xmlns:a16="http://schemas.microsoft.com/office/drawing/2014/main" val="2693104093"/>
                     </a:ext>
                   </a:extLst>
                 </a:gridCol>
-                <a:gridCol w="1524000">
+                <a:gridCol w="2032000">
                   <a:extLst>
                     <a:ext uri="{9D8B030D-6E8A-4147-A177-3AD203B41FA5}">
-                      <a16:colId xmlns:a16="http://schemas.microsoft.com/office/drawing/2014/main" val="3198480053"/>
+                      <a16:colId xmlns:a16="http://schemas.microsoft.com/office/drawing/2014/main" val="178236166"/>
                     </a:ext>
                   </a:extLst>
                 </a:gridCol>
-                <a:gridCol w="1524000">
+                <a:gridCol w="2032000">
                   <a:extLst>
                     <a:ext uri="{9D8B030D-6E8A-4147-A177-3AD203B41FA5}">
-                      <a16:colId xmlns:a16="http://schemas.microsoft.com/office/drawing/2014/main" val="2414982412"/>
-                    </a:ext>
-                  </a:extLst>
-                </a:gridCol>
-                <a:gridCol w="1524000">
-                  <a:extLst>
-                    <a:ext uri="{9D8B030D-6E8A-4147-A177-3AD203B41FA5}">
-                      <a16:colId xmlns:a16="http://schemas.microsoft.com/office/drawing/2014/main" val="633875311"/>
+                      <a16:colId xmlns:a16="http://schemas.microsoft.com/office/drawing/2014/main" val="2911923617"/>
                     </a:ext>
                   </a:extLst>
                 </a:gridCol>
@@ -10999,47 +10132,37 @@
                     <a:bodyPr/>
                     <a:lstStyle/>
                     <a:p>
-                      <a:endParaRPr lang="en-US" dirty="0"/>
-                    </a:p>
-                  </a:txBody>
-                  <a:tcPr/>
-                </a:tc>
-                <a:tc>
-                  <a:txBody>
-                    <a:bodyPr/>
-                    <a:lstStyle/>
-                    <a:p>
-                      <a:r>
-                        <a:rPr lang="en-US" dirty="0" err="1" smtClean="0"/>
-                        <a:t>Deberta</a:t>
-                      </a:r>
-                      <a:endParaRPr lang="en-US" dirty="0"/>
-                    </a:p>
-                  </a:txBody>
-                  <a:tcPr/>
-                </a:tc>
-                <a:tc>
-                  <a:txBody>
-                    <a:bodyPr/>
-                    <a:lstStyle/>
-                    <a:p>
-                      <a:r>
-                        <a:rPr lang="en-US" dirty="0" smtClean="0"/>
-                        <a:t>Bart</a:t>
-                      </a:r>
-                      <a:endParaRPr lang="en-US" dirty="0"/>
-                    </a:p>
-                  </a:txBody>
-                  <a:tcPr/>
-                </a:tc>
-                <a:tc>
-                  <a:txBody>
-                    <a:bodyPr/>
-                    <a:lstStyle/>
-                    <a:p>
-                      <a:r>
-                        <a:rPr lang="en-US" dirty="0" smtClean="0"/>
-                        <a:t>Roberta</a:t>
+                      <a:r>
+                        <a:rPr lang="en-US" dirty="0" smtClean="0"/>
+                        <a:t>ID</a:t>
+                      </a:r>
+                      <a:endParaRPr lang="en-US" dirty="0"/>
+                    </a:p>
+                  </a:txBody>
+                  <a:tcPr/>
+                </a:tc>
+                <a:tc>
+                  <a:txBody>
+                    <a:bodyPr/>
+                    <a:lstStyle/>
+                    <a:p>
+                      <a:r>
+                        <a:rPr lang="en-US" dirty="0" smtClean="0"/>
+                        <a:t>prompt</a:t>
+                      </a:r>
+                      <a:endParaRPr lang="en-US" dirty="0"/>
+                    </a:p>
+                  </a:txBody>
+                  <a:tcPr/>
+                </a:tc>
+                <a:tc>
+                  <a:txBody>
+                    <a:bodyPr/>
+                    <a:lstStyle/>
+                    <a:p>
+                      <a:r>
+                        <a:rPr lang="en-US" dirty="0" smtClean="0"/>
+                        <a:t>example</a:t>
                       </a:r>
                       <a:endParaRPr lang="en-US" dirty="0"/>
                     </a:p>
@@ -11048,7 +10171,7 @@
                 </a:tc>
                 <a:extLst>
                   <a:ext uri="{0D108BD9-81ED-4DB2-BD59-A6C34878D82A}">
-                    <a16:rowId xmlns:a16="http://schemas.microsoft.com/office/drawing/2014/main" val="2392536898"/>
+                    <a16:rowId xmlns:a16="http://schemas.microsoft.com/office/drawing/2014/main" val="2118735383"/>
                   </a:ext>
                 </a:extLst>
               </a:tr>
@@ -11060,49 +10183,35 @@
                     <a:p>
                       <a:r>
                         <a:rPr lang="en-US" dirty="0" smtClean="0"/>
-                        <a:t>Macro averaged F1</a:t>
-                      </a:r>
-                      <a:endParaRPr lang="en-US" dirty="0"/>
-                    </a:p>
-                  </a:txBody>
-                  <a:tcPr/>
-                </a:tc>
-                <a:tc>
-                  <a:txBody>
-                    <a:bodyPr/>
-                    <a:lstStyle/>
-                    <a:p>
-                      <a:r>
-                        <a:rPr lang="en-US" dirty="0" smtClean="0"/>
-                        <a:t>0.54</a:t>
-                      </a:r>
-                      <a:endParaRPr lang="en-US" dirty="0"/>
-                    </a:p>
-                  </a:txBody>
-                  <a:tcPr/>
-                </a:tc>
-                <a:tc>
-                  <a:txBody>
-                    <a:bodyPr/>
-                    <a:lstStyle/>
-                    <a:p>
-                      <a:r>
-                        <a:rPr lang="en-US" dirty="0" smtClean="0"/>
-                        <a:t>0.57</a:t>
-                      </a:r>
-                      <a:endParaRPr lang="en-US" dirty="0"/>
-                    </a:p>
-                  </a:txBody>
-                  <a:tcPr/>
-                </a:tc>
-                <a:tc>
-                  <a:txBody>
-                    <a:bodyPr/>
-                    <a:lstStyle/>
-                    <a:p>
-                      <a:r>
-                        <a:rPr lang="en-US" dirty="0" smtClean="0"/>
-                        <a:t>0.51</a:t>
+                        <a:t>emotion name </a:t>
+                      </a:r>
+                      <a:endParaRPr lang="en-US" dirty="0"/>
+                    </a:p>
+                  </a:txBody>
+                  <a:tcPr/>
+                </a:tc>
+                <a:tc>
+                  <a:txBody>
+                    <a:bodyPr/>
+                    <a:lstStyle/>
+                    <a:p>
+                      <a:r>
+                        <a:rPr lang="en-US" dirty="0" smtClean="0"/>
+                        <a:t>emotion name</a:t>
+                      </a:r>
+                      <a:endParaRPr lang="en-US" dirty="0"/>
+                    </a:p>
+                  </a:txBody>
+                  <a:tcPr/>
+                </a:tc>
+                <a:tc>
+                  <a:txBody>
+                    <a:bodyPr/>
+                    <a:lstStyle/>
+                    <a:p>
+                      <a:r>
+                        <a:rPr lang="en-US" dirty="0" smtClean="0"/>
+                        <a:t>disgust</a:t>
                       </a:r>
                       <a:endParaRPr lang="en-US" dirty="0"/>
                     </a:p>
@@ -11111,7 +10220,7 @@
                 </a:tc>
                 <a:extLst>
                   <a:ext uri="{0D108BD9-81ED-4DB2-BD59-A6C34878D82A}">
-                    <a16:rowId xmlns:a16="http://schemas.microsoft.com/office/drawing/2014/main" val="1203568020"/>
+                    <a16:rowId xmlns:a16="http://schemas.microsoft.com/office/drawing/2014/main" val="910660456"/>
                   </a:ext>
                 </a:extLst>
               </a:tr>
@@ -11123,50 +10232,57 @@
                     <a:p>
                       <a:r>
                         <a:rPr lang="en-US" dirty="0" smtClean="0"/>
-                        <a:t>accuracy</a:t>
-                      </a:r>
-                      <a:endParaRPr lang="en-US" dirty="0"/>
-                    </a:p>
-                  </a:txBody>
-                  <a:tcPr/>
-                </a:tc>
-                <a:tc>
-                  <a:txBody>
-                    <a:bodyPr/>
-                    <a:lstStyle/>
-                    <a:p>
-                      <a:r>
-                        <a:rPr lang="en-US" dirty="0" smtClean="0"/>
-                        <a:t>0.57</a:t>
-                      </a:r>
-                      <a:endParaRPr lang="en-US" dirty="0"/>
-                    </a:p>
-                  </a:txBody>
-                  <a:tcPr/>
-                </a:tc>
-                <a:tc>
-                  <a:txBody>
-                    <a:bodyPr/>
-                    <a:lstStyle/>
-                    <a:p>
-                      <a:r>
-                        <a:rPr lang="en-US" dirty="0" smtClean="0"/>
-                        <a:t>0.57</a:t>
-                      </a:r>
-                      <a:endParaRPr lang="en-US" dirty="0"/>
-                    </a:p>
-                  </a:txBody>
-                  <a:tcPr/>
-                </a:tc>
-                <a:tc>
-                  <a:txBody>
-                    <a:bodyPr/>
-                    <a:lstStyle/>
-                    <a:p>
-                      <a:r>
-                        <a:rPr lang="en-US" dirty="0" smtClean="0"/>
-                        <a:t>0.51</a:t>
-                      </a:r>
+                        <a:t>emotion prompt </a:t>
+                      </a:r>
+                      <a:endParaRPr lang="en-US" dirty="0"/>
+                    </a:p>
+                  </a:txBody>
+                  <a:tcPr/>
+                </a:tc>
+                <a:tc>
+                  <a:txBody>
+                    <a:bodyPr/>
+                    <a:lstStyle/>
+                    <a:p>
+                      <a:r>
+                        <a:rPr lang="en-US" dirty="0" smtClean="0"/>
+                        <a:t>“The emotion is”+ emotion</a:t>
+                      </a:r>
+                      <a:endParaRPr lang="en-US" dirty="0"/>
+                    </a:p>
+                  </a:txBody>
+                  <a:tcPr/>
+                </a:tc>
+                <a:tc>
+                  <a:txBody>
+                    <a:bodyPr/>
+                    <a:lstStyle/>
+                    <a:p>
+                      <a:pPr marL="0" marR="0" indent="0" algn="l" defTabSz="914400" rtl="0" eaLnBrk="1" fontAlgn="auto" latinLnBrk="0" hangingPunct="1">
+                        <a:lnSpc>
+                          <a:spcPct val="100000"/>
+                        </a:lnSpc>
+                        <a:spcBef>
+                          <a:spcPts val="0"/>
+                        </a:spcBef>
+                        <a:spcAft>
+                          <a:spcPts val="0"/>
+                        </a:spcAft>
+                        <a:buClr>
+                          <a:srgbClr val="000000"/>
+                        </a:buClr>
+                        <a:buSzTx/>
+                        <a:buFont typeface="Arial"/>
+                        <a:buNone/>
+                        <a:tabLst/>
+                        <a:defRPr/>
+                      </a:pPr>
+                      <a:r>
+                        <a:rPr lang="en-US" dirty="0" smtClean="0"/>
+                        <a:t>The emotion is disgust</a:t>
+                      </a:r>
+                    </a:p>
+                    <a:p>
                       <a:endParaRPr lang="en-US" dirty="0"/>
                     </a:p>
                   </a:txBody>
@@ -11174,7 +10290,105 @@
                 </a:tc>
                 <a:extLst>
                   <a:ext uri="{0D108BD9-81ED-4DB2-BD59-A6C34878D82A}">
-                    <a16:rowId xmlns:a16="http://schemas.microsoft.com/office/drawing/2014/main" val="1935783406"/>
+                    <a16:rowId xmlns:a16="http://schemas.microsoft.com/office/drawing/2014/main" val="2079108353"/>
+                  </a:ext>
+                </a:extLst>
+              </a:tr>
+              <a:tr h="370840">
+                <a:tc>
+                  <a:txBody>
+                    <a:bodyPr/>
+                    <a:lstStyle/>
+                    <a:p>
+                      <a:r>
+                        <a:rPr lang="en-US" dirty="0" smtClean="0"/>
+                        <a:t>expr emo </a:t>
+                      </a:r>
+                      <a:endParaRPr lang="en-US" dirty="0"/>
+                    </a:p>
+                  </a:txBody>
+                  <a:tcPr/>
+                </a:tc>
+                <a:tc>
+                  <a:txBody>
+                    <a:bodyPr/>
+                    <a:lstStyle/>
+                    <a:p>
+                      <a:r>
+                        <a:rPr lang="en-US" dirty="0" smtClean="0"/>
+                        <a:t>“This text expresses”+ emotion</a:t>
+                      </a:r>
+                      <a:endParaRPr lang="en-US" dirty="0"/>
+                    </a:p>
+                  </a:txBody>
+                  <a:tcPr/>
+                </a:tc>
+                <a:tc>
+                  <a:txBody>
+                    <a:bodyPr/>
+                    <a:lstStyle/>
+                    <a:p>
+                      <a:r>
+                        <a:rPr lang="en-US" dirty="0" smtClean="0"/>
+                        <a:t>This text expresses disgust</a:t>
+                      </a:r>
+                      <a:endParaRPr lang="en-US" dirty="0"/>
+                    </a:p>
+                  </a:txBody>
+                  <a:tcPr/>
+                </a:tc>
+                <a:extLst>
+                  <a:ext uri="{0D108BD9-81ED-4DB2-BD59-A6C34878D82A}">
+                    <a16:rowId xmlns:a16="http://schemas.microsoft.com/office/drawing/2014/main" val="355632541"/>
+                  </a:ext>
+                </a:extLst>
+              </a:tr>
+              <a:tr h="370840">
+                <a:tc>
+                  <a:txBody>
+                    <a:bodyPr/>
+                    <a:lstStyle/>
+                    <a:p>
+                      <a:r>
+                        <a:rPr lang="en-US" dirty="0" smtClean="0"/>
+                        <a:t>feels emo </a:t>
+                      </a:r>
+                      <a:endParaRPr lang="en-US" dirty="0"/>
+                    </a:p>
+                  </a:txBody>
+                  <a:tcPr/>
+                </a:tc>
+                <a:tc>
+                  <a:txBody>
+                    <a:bodyPr/>
+                    <a:lstStyle/>
+                    <a:p>
+                      <a:r>
+                        <a:rPr lang="en-US" dirty="0" smtClean="0"/>
+                        <a:t>“This person feels”+ emotion</a:t>
+                      </a:r>
+                      <a:endParaRPr lang="en-US" dirty="0"/>
+                    </a:p>
+                  </a:txBody>
+                  <a:tcPr/>
+                </a:tc>
+                <a:tc>
+                  <a:txBody>
+                    <a:bodyPr/>
+                    <a:lstStyle/>
+                    <a:p>
+                      <a:r>
+                        <a:rPr lang="en-US" dirty="0" smtClean="0"/>
+                        <a:t>This person feels disgusted</a:t>
+                      </a:r>
+                      <a:endParaRPr lang="en-US" dirty="0"/>
+                    </a:p>
+                  </a:txBody>
+                  <a:tcPr/>
+                </a:tc>
+                <a:extLst>
+                  <a:ext uri="{0D108BD9-81ED-4DB2-BD59-A6C34878D82A}">
+                    <a16:rowId xmlns:a16="http://schemas.microsoft.com/office/drawing/2014/main" val="3204594659"/>
                   </a:ext>
                 </a:extLst>
               </a:tr>
@@ -11184,285 +10398,42 @@
       </p:graphicFrame>
       <p:sp>
         <p:nvSpPr>
-          <p:cNvPr id="3" name="Rectangle 2"/>
-          <p:cNvSpPr/>
+          <p:cNvPr id="6" name="TextBox 5"/>
+          <p:cNvSpPr txBox="1"/>
           <p:nvPr/>
         </p:nvSpPr>
         <p:spPr>
           <a:xfrm>
-            <a:off x="771459" y="3013608"/>
-            <a:ext cx="5468164" cy="307777"/>
+            <a:off x="529414" y="841828"/>
+            <a:ext cx="7496986" cy="738664"/>
           </a:xfrm>
           <a:prstGeom prst="rect">
             <a:avLst/>
           </a:prstGeom>
+          <a:noFill/>
         </p:spPr>
         <p:txBody>
-          <a:bodyPr wrap="none">
+          <a:bodyPr wrap="square" rtlCol="0">
             <a:spAutoFit/>
           </a:bodyPr>
           <a:lstStyle/>
           <a:p>
             <a:r>
-              <a:rPr lang="en-US" dirty="0" smtClean="0"/>
-              <a:t> using Emotion prompt (“The emotion is”+ emotion), </a:t>
-            </a:r>
-            <a:r>
-              <a:rPr lang="en-US" dirty="0" err="1" smtClean="0"/>
-              <a:t>Isear</a:t>
-            </a:r>
-            <a:r>
-              <a:rPr lang="en-US" dirty="0" smtClean="0"/>
-              <a:t> dataset</a:t>
-            </a:r>
+              <a:rPr lang="en-US" dirty="0"/>
+              <a:t>It’s possible to add templates to the emotions and use different descriptions of emotions which are called prompts.</a:t>
+            </a:r>
+          </a:p>
+          <a:p>
             <a:endParaRPr lang="en-US" dirty="0"/>
           </a:p>
         </p:txBody>
       </p:sp>
-      <p:graphicFrame>
-        <p:nvGraphicFramePr>
-          <p:cNvPr id="8" name="Table 7"/>
-          <p:cNvGraphicFramePr>
-            <a:graphicFrameLocks noGrp="1"/>
-          </p:cNvGraphicFramePr>
-          <p:nvPr>
-            <p:extLst>
-              <p:ext uri="{D42A27DB-BD31-4B8C-83A1-F6EECF244321}">
-                <p14:modId xmlns:p14="http://schemas.microsoft.com/office/powerpoint/2010/main" val="2817784489"/>
-              </p:ext>
-            </p:extLst>
-          </p:nvPr>
-        </p:nvGraphicFramePr>
-        <p:xfrm>
-          <a:off x="954259" y="3376752"/>
-          <a:ext cx="6096000" cy="1259840"/>
-        </p:xfrm>
-        <a:graphic>
-          <a:graphicData uri="http://schemas.openxmlformats.org/drawingml/2006/table">
-            <a:tbl>
-              <a:tblPr firstRow="1" bandRow="1">
-                <a:tableStyleId>{5C22544A-7EE6-4342-B048-85BDC9FD1C3A}</a:tableStyleId>
-              </a:tblPr>
-              <a:tblGrid>
-                <a:gridCol w="1524000">
-                  <a:extLst>
-                    <a:ext uri="{9D8B030D-6E8A-4147-A177-3AD203B41FA5}">
-                      <a16:colId xmlns:a16="http://schemas.microsoft.com/office/drawing/2014/main" val="3896565440"/>
-                    </a:ext>
-                  </a:extLst>
-                </a:gridCol>
-                <a:gridCol w="1524000">
-                  <a:extLst>
-                    <a:ext uri="{9D8B030D-6E8A-4147-A177-3AD203B41FA5}">
-                      <a16:colId xmlns:a16="http://schemas.microsoft.com/office/drawing/2014/main" val="2951651691"/>
-                    </a:ext>
-                  </a:extLst>
-                </a:gridCol>
-                <a:gridCol w="1524000">
-                  <a:extLst>
-                    <a:ext uri="{9D8B030D-6E8A-4147-A177-3AD203B41FA5}">
-                      <a16:colId xmlns:a16="http://schemas.microsoft.com/office/drawing/2014/main" val="1662226205"/>
-                    </a:ext>
-                  </a:extLst>
-                </a:gridCol>
-                <a:gridCol w="1524000">
-                  <a:extLst>
-                    <a:ext uri="{9D8B030D-6E8A-4147-A177-3AD203B41FA5}">
-                      <a16:colId xmlns:a16="http://schemas.microsoft.com/office/drawing/2014/main" val="383604760"/>
-                    </a:ext>
-                  </a:extLst>
-                </a:gridCol>
-              </a:tblGrid>
-              <a:tr h="370840">
-                <a:tc>
-                  <a:txBody>
-                    <a:bodyPr/>
-                    <a:lstStyle/>
-                    <a:p>
-                      <a:endParaRPr lang="en-US" dirty="0"/>
-                    </a:p>
-                  </a:txBody>
-                  <a:tcPr/>
-                </a:tc>
-                <a:tc>
-                  <a:txBody>
-                    <a:bodyPr/>
-                    <a:lstStyle/>
-                    <a:p>
-                      <a:r>
-                        <a:rPr lang="en-US" dirty="0" err="1" smtClean="0"/>
-                        <a:t>Deberta</a:t>
-                      </a:r>
-                      <a:endParaRPr lang="en-US" dirty="0"/>
-                    </a:p>
-                  </a:txBody>
-                  <a:tcPr/>
-                </a:tc>
-                <a:tc>
-                  <a:txBody>
-                    <a:bodyPr/>
-                    <a:lstStyle/>
-                    <a:p>
-                      <a:r>
-                        <a:rPr lang="en-US" dirty="0" smtClean="0"/>
-                        <a:t>Bart</a:t>
-                      </a:r>
-                      <a:endParaRPr lang="en-US" dirty="0"/>
-                    </a:p>
-                  </a:txBody>
-                  <a:tcPr/>
-                </a:tc>
-                <a:tc>
-                  <a:txBody>
-                    <a:bodyPr/>
-                    <a:lstStyle/>
-                    <a:p>
-                      <a:r>
-                        <a:rPr lang="en-US" dirty="0" smtClean="0"/>
-                        <a:t>Roberta</a:t>
-                      </a:r>
-                      <a:endParaRPr lang="en-US" dirty="0"/>
-                    </a:p>
-                  </a:txBody>
-                  <a:tcPr/>
-                </a:tc>
-                <a:extLst>
-                  <a:ext uri="{0D108BD9-81ED-4DB2-BD59-A6C34878D82A}">
-                    <a16:rowId xmlns:a16="http://schemas.microsoft.com/office/drawing/2014/main" val="3765254507"/>
-                  </a:ext>
-                </a:extLst>
-              </a:tr>
-              <a:tr h="370840">
-                <a:tc>
-                  <a:txBody>
-                    <a:bodyPr/>
-                    <a:lstStyle/>
-                    <a:p>
-                      <a:r>
-                        <a:rPr lang="en-US" dirty="0" smtClean="0"/>
-                        <a:t>Macro averaged F1</a:t>
-                      </a:r>
-                      <a:endParaRPr lang="en-US" dirty="0"/>
-                    </a:p>
-                  </a:txBody>
-                  <a:tcPr/>
-                </a:tc>
-                <a:tc>
-                  <a:txBody>
-                    <a:bodyPr/>
-                    <a:lstStyle/>
-                    <a:p>
-                      <a:r>
-                        <a:rPr lang="en-US" dirty="0" smtClean="0"/>
-                        <a:t>0.61</a:t>
-                      </a:r>
-                      <a:endParaRPr lang="en-US" dirty="0"/>
-                    </a:p>
-                  </a:txBody>
-                  <a:tcPr/>
-                </a:tc>
-                <a:tc>
-                  <a:txBody>
-                    <a:bodyPr/>
-                    <a:lstStyle/>
-                    <a:p>
-                      <a:r>
-                        <a:rPr lang="en-US" dirty="0" smtClean="0"/>
-                        <a:t>0.57</a:t>
-                      </a:r>
-                      <a:endParaRPr lang="en-US" dirty="0"/>
-                    </a:p>
-                  </a:txBody>
-                  <a:tcPr/>
-                </a:tc>
-                <a:tc>
-                  <a:txBody>
-                    <a:bodyPr/>
-                    <a:lstStyle/>
-                    <a:p>
-                      <a:r>
-                        <a:rPr lang="en-US" dirty="0" smtClean="0"/>
-                        <a:t>0.5</a:t>
-                      </a:r>
-                      <a:endParaRPr lang="en-US" dirty="0"/>
-                    </a:p>
-                  </a:txBody>
-                  <a:tcPr/>
-                </a:tc>
-                <a:extLst>
-                  <a:ext uri="{0D108BD9-81ED-4DB2-BD59-A6C34878D82A}">
-                    <a16:rowId xmlns:a16="http://schemas.microsoft.com/office/drawing/2014/main" val="4233848859"/>
-                  </a:ext>
-                </a:extLst>
-              </a:tr>
-              <a:tr h="370840">
-                <a:tc>
-                  <a:txBody>
-                    <a:bodyPr/>
-                    <a:lstStyle/>
-                    <a:p>
-                      <a:r>
-                        <a:rPr lang="en-US" dirty="0" smtClean="0"/>
-                        <a:t>accuracy</a:t>
-                      </a:r>
-                      <a:endParaRPr lang="en-US" dirty="0"/>
-                    </a:p>
-                  </a:txBody>
-                  <a:tcPr/>
-                </a:tc>
-                <a:tc>
-                  <a:txBody>
-                    <a:bodyPr/>
-                    <a:lstStyle/>
-                    <a:p>
-                      <a:r>
-                        <a:rPr lang="en-US" dirty="0" smtClean="0"/>
-                        <a:t>0.62</a:t>
-                      </a:r>
-                      <a:endParaRPr lang="en-US" dirty="0"/>
-                    </a:p>
-                  </a:txBody>
-                  <a:tcPr/>
-                </a:tc>
-                <a:tc>
-                  <a:txBody>
-                    <a:bodyPr/>
-                    <a:lstStyle/>
-                    <a:p>
-                      <a:r>
-                        <a:rPr lang="en-US" dirty="0" smtClean="0"/>
-                        <a:t>0.57</a:t>
-                      </a:r>
-                      <a:endParaRPr lang="en-US" dirty="0"/>
-                    </a:p>
-                  </a:txBody>
-                  <a:tcPr/>
-                </a:tc>
-                <a:tc>
-                  <a:txBody>
-                    <a:bodyPr/>
-                    <a:lstStyle/>
-                    <a:p>
-                      <a:r>
-                        <a:rPr lang="en-US" dirty="0" smtClean="0"/>
-                        <a:t>0.5</a:t>
-                      </a:r>
-                      <a:endParaRPr lang="en-US" dirty="0"/>
-                    </a:p>
-                  </a:txBody>
-                  <a:tcPr/>
-                </a:tc>
-                <a:extLst>
-                  <a:ext uri="{0D108BD9-81ED-4DB2-BD59-A6C34878D82A}">
-                    <a16:rowId xmlns:a16="http://schemas.microsoft.com/office/drawing/2014/main" val="282445924"/>
-                  </a:ext>
-                </a:extLst>
-              </a:tr>
-            </a:tbl>
-          </a:graphicData>
-        </a:graphic>
-      </p:graphicFrame>
     </p:spTree>
+    <p:extLst>
+      <p:ext uri="{BB962C8B-B14F-4D97-AF65-F5344CB8AC3E}">
+        <p14:creationId xmlns:p14="http://schemas.microsoft.com/office/powerpoint/2010/main" val="2328904457"/>
+      </p:ext>
+    </p:extLst>
   </p:cSld>
   <p:clrMapOvr>
     <a:masterClrMapping/>
@@ -11502,34 +10473,25 @@
           <a:bodyPr/>
           <a:lstStyle/>
           <a:p>
-            <a:pPr>
+            <a:pPr algn="ctr">
               <a:buNone/>
             </a:pPr>
             <a:r>
-              <a:rPr lang="en-US" b="1" dirty="0" smtClean="0"/>
-              <a:t>              Zero </a:t>
-            </a:r>
-            <a:r>
-              <a:rPr lang="en-US" b="1" dirty="0"/>
-              <a:t>shot emotion classification using different templates (</a:t>
-            </a:r>
-            <a:r>
-              <a:rPr lang="en-US" b="1" dirty="0" err="1"/>
+              <a:rPr lang="en-US" sz="1600" b="1" dirty="0" smtClean="0"/>
+              <a:t>Comparing results (</a:t>
+            </a:r>
+            <a:r>
+              <a:rPr lang="en-US" sz="1600" b="1" dirty="0" err="1" smtClean="0"/>
               <a:t>Isear</a:t>
             </a:r>
             <a:r>
-              <a:rPr lang="en-US" b="1" dirty="0"/>
+              <a:rPr lang="en-US" sz="1600" b="1" dirty="0" smtClean="0"/>
               <a:t> dataset</a:t>
             </a:r>
             <a:r>
-              <a:rPr lang="en-US" b="1" dirty="0" smtClean="0"/>
-              <a:t>) </a:t>
-            </a:r>
-            <a:r>
-              <a:rPr lang="en-US" b="1" dirty="0"/>
-              <a:t>(Review) </a:t>
-            </a:r>
-            <a:endParaRPr lang="en-US" dirty="0"/>
+              <a:rPr lang="en-US" sz="1600" b="1" dirty="0"/>
+              <a:t>) (Review) </a:t>
+            </a:r>
           </a:p>
         </p:txBody>
       </p:sp>
@@ -11567,14 +10529,14 @@
       </p:sp>
       <p:sp>
         <p:nvSpPr>
-          <p:cNvPr id="5" name="TextBox 4"/>
+          <p:cNvPr id="6" name="TextBox 5"/>
           <p:cNvSpPr txBox="1"/>
           <p:nvPr/>
         </p:nvSpPr>
         <p:spPr>
           <a:xfrm>
-            <a:off x="467430" y="789758"/>
-            <a:ext cx="6446326" cy="738664"/>
+            <a:off x="489815" y="918454"/>
+            <a:ext cx="8001000" cy="3539430"/>
           </a:xfrm>
           <a:prstGeom prst="rect">
             <a:avLst/>
@@ -11588,578 +10550,142 @@
           <a:lstStyle/>
           <a:p>
             <a:r>
+              <a:rPr lang="en-US" dirty="0"/>
+              <a:t>The cases that using prompt could lead to improvement compared to using only emotion name</a:t>
+            </a:r>
+          </a:p>
+          <a:p>
+            <a:endParaRPr lang="en-US" dirty="0"/>
+          </a:p>
+          <a:p>
+            <a:pPr marL="285750" indent="-285750">
+              <a:lnSpc>
+                <a:spcPct val="150000"/>
+              </a:lnSpc>
+              <a:buFont typeface="Arial" panose="020B0604020202020204" pitchFamily="34" charset="0"/>
+              <a:buChar char="•"/>
+            </a:pPr>
+            <a:r>
+              <a:rPr lang="en-US" dirty="0"/>
+              <a:t>When using </a:t>
+            </a:r>
+            <a:r>
+              <a:rPr lang="en-US" dirty="0" err="1"/>
+              <a:t>Deberta</a:t>
+            </a:r>
+            <a:r>
+              <a:rPr lang="en-US" dirty="0"/>
+              <a:t> model: </a:t>
+            </a:r>
+          </a:p>
+          <a:p>
+            <a:pPr lvl="4">
+              <a:lnSpc>
+                <a:spcPct val="150000"/>
+              </a:lnSpc>
+            </a:pPr>
+            <a:r>
               <a:rPr lang="en-US" dirty="0" smtClean="0"/>
-              <a:t> using Expr emo (</a:t>
+              <a:t>        Emotion </a:t>
             </a:r>
             <a:r>
               <a:rPr lang="en-US" dirty="0"/>
-              <a:t>“This text expresses”+ </a:t>
+              <a:t>prompt: “The emotion is”+ </a:t>
             </a:r>
             <a:r>
               <a:rPr lang="en-US" dirty="0" smtClean="0"/>
-              <a:t>emotion), </a:t>
+              <a:t>emotion (Macro average F1: 0.61 compared to Macro average F1:0.54 ) </a:t>
+            </a:r>
+            <a:endParaRPr lang="en-US" dirty="0"/>
+          </a:p>
+          <a:p>
+            <a:pPr lvl="4">
+              <a:lnSpc>
+                <a:spcPct val="150000"/>
+              </a:lnSpc>
+            </a:pPr>
+            <a:r>
+              <a:rPr lang="en-US" dirty="0" smtClean="0"/>
+              <a:t>        </a:t>
             </a:r>
             <a:r>
               <a:rPr lang="en-US" dirty="0" err="1" smtClean="0"/>
-              <a:t>Isear</a:t>
+              <a:t>Expr_emo</a:t>
+            </a:r>
+            <a:r>
+              <a:rPr lang="en-US" dirty="0"/>
+              <a:t>: “This text expresses”+ </a:t>
             </a:r>
             <a:r>
               <a:rPr lang="en-US" dirty="0" smtClean="0"/>
-              <a:t> dataset</a:t>
+              <a:t>emotion (Macro </a:t>
+            </a:r>
+            <a:r>
+              <a:rPr lang="en-US" dirty="0"/>
+              <a:t>average F1:0.61  compared to Macro average </a:t>
+            </a:r>
+            <a:r>
+              <a:rPr lang="en-US" dirty="0" smtClean="0"/>
+              <a:t>F1:0.54)</a:t>
             </a:r>
             <a:endParaRPr lang="en-US" dirty="0"/>
           </a:p>
           <a:p>
+            <a:pPr marL="285750" indent="-285750">
+              <a:buFont typeface="Arial" panose="020B0604020202020204" pitchFamily="34" charset="0"/>
+              <a:buChar char="•"/>
+            </a:pPr>
             <a:endParaRPr lang="en-US" dirty="0"/>
+          </a:p>
+          <a:p>
+            <a:pPr marL="285750" indent="-285750">
+              <a:lnSpc>
+                <a:spcPct val="150000"/>
+              </a:lnSpc>
+              <a:buFont typeface="Arial" panose="020B0604020202020204" pitchFamily="34" charset="0"/>
+              <a:buChar char="•"/>
+            </a:pPr>
+            <a:r>
+              <a:rPr lang="en-US" dirty="0" smtClean="0"/>
+              <a:t>When using Bart model:</a:t>
+            </a:r>
+          </a:p>
+          <a:p>
+            <a:pPr lvl="3">
+              <a:lnSpc>
+                <a:spcPct val="150000"/>
+              </a:lnSpc>
+            </a:pPr>
+            <a:r>
+              <a:rPr lang="en-US" dirty="0" smtClean="0"/>
+              <a:t>        </a:t>
+            </a:r>
+            <a:r>
+              <a:rPr lang="en-US" dirty="0" err="1" smtClean="0"/>
+              <a:t>Expr_emo</a:t>
+            </a:r>
+            <a:r>
+              <a:rPr lang="en-US" dirty="0" smtClean="0"/>
+              <a:t>: “This text expresses”+ </a:t>
+            </a:r>
+            <a:r>
+              <a:rPr lang="en-US" dirty="0"/>
+              <a:t>emotion (Macro average </a:t>
+            </a:r>
+            <a:r>
+              <a:rPr lang="en-US" dirty="0" smtClean="0"/>
+              <a:t>F1:0.61 compared to Macro average:0.57)</a:t>
+            </a:r>
           </a:p>
           <a:p>
             <a:endParaRPr lang="en-US" dirty="0"/>
           </a:p>
         </p:txBody>
       </p:sp>
-      <p:graphicFrame>
-        <p:nvGraphicFramePr>
-          <p:cNvPr id="6" name="Table 5"/>
-          <p:cNvGraphicFramePr>
-            <a:graphicFrameLocks noGrp="1"/>
-          </p:cNvGraphicFramePr>
-          <p:nvPr>
-            <p:extLst>
-              <p:ext uri="{D42A27DB-BD31-4B8C-83A1-F6EECF244321}">
-                <p14:modId xmlns:p14="http://schemas.microsoft.com/office/powerpoint/2010/main" val="211176937"/>
-              </p:ext>
-            </p:extLst>
-          </p:nvPr>
-        </p:nvGraphicFramePr>
-        <p:xfrm>
-          <a:off x="586793" y="1312978"/>
-          <a:ext cx="6096000" cy="1259840"/>
-        </p:xfrm>
-        <a:graphic>
-          <a:graphicData uri="http://schemas.openxmlformats.org/drawingml/2006/table">
-            <a:tbl>
-              <a:tblPr firstRow="1" bandRow="1">
-                <a:tableStyleId>{5C22544A-7EE6-4342-B048-85BDC9FD1C3A}</a:tableStyleId>
-              </a:tblPr>
-              <a:tblGrid>
-                <a:gridCol w="1524000">
-                  <a:extLst>
-                    <a:ext uri="{9D8B030D-6E8A-4147-A177-3AD203B41FA5}">
-                      <a16:colId xmlns:a16="http://schemas.microsoft.com/office/drawing/2014/main" val="3411276346"/>
-                    </a:ext>
-                  </a:extLst>
-                </a:gridCol>
-                <a:gridCol w="1524000">
-                  <a:extLst>
-                    <a:ext uri="{9D8B030D-6E8A-4147-A177-3AD203B41FA5}">
-                      <a16:colId xmlns:a16="http://schemas.microsoft.com/office/drawing/2014/main" val="2708151693"/>
-                    </a:ext>
-                  </a:extLst>
-                </a:gridCol>
-                <a:gridCol w="1524000">
-                  <a:extLst>
-                    <a:ext uri="{9D8B030D-6E8A-4147-A177-3AD203B41FA5}">
-                      <a16:colId xmlns:a16="http://schemas.microsoft.com/office/drawing/2014/main" val="1509905444"/>
-                    </a:ext>
-                  </a:extLst>
-                </a:gridCol>
-                <a:gridCol w="1524000">
-                  <a:extLst>
-                    <a:ext uri="{9D8B030D-6E8A-4147-A177-3AD203B41FA5}">
-                      <a16:colId xmlns:a16="http://schemas.microsoft.com/office/drawing/2014/main" val="1395700581"/>
-                    </a:ext>
-                  </a:extLst>
-                </a:gridCol>
-              </a:tblGrid>
-              <a:tr h="370840">
-                <a:tc>
-                  <a:txBody>
-                    <a:bodyPr/>
-                    <a:lstStyle/>
-                    <a:p>
-                      <a:endParaRPr lang="en-US" dirty="0"/>
-                    </a:p>
-                  </a:txBody>
-                  <a:tcPr/>
-                </a:tc>
-                <a:tc>
-                  <a:txBody>
-                    <a:bodyPr/>
-                    <a:lstStyle/>
-                    <a:p>
-                      <a:r>
-                        <a:rPr lang="en-US" dirty="0" err="1" smtClean="0"/>
-                        <a:t>Deberta</a:t>
-                      </a:r>
-                      <a:endParaRPr lang="en-US" dirty="0"/>
-                    </a:p>
-                  </a:txBody>
-                  <a:tcPr/>
-                </a:tc>
-                <a:tc>
-                  <a:txBody>
-                    <a:bodyPr/>
-                    <a:lstStyle/>
-                    <a:p>
-                      <a:r>
-                        <a:rPr lang="en-US" dirty="0" smtClean="0"/>
-                        <a:t>Bart</a:t>
-                      </a:r>
-                      <a:endParaRPr lang="en-US" dirty="0"/>
-                    </a:p>
-                  </a:txBody>
-                  <a:tcPr/>
-                </a:tc>
-                <a:tc>
-                  <a:txBody>
-                    <a:bodyPr/>
-                    <a:lstStyle/>
-                    <a:p>
-                      <a:r>
-                        <a:rPr lang="en-US" dirty="0" smtClean="0"/>
-                        <a:t>Roberta</a:t>
-                      </a:r>
-                      <a:endParaRPr lang="en-US" dirty="0"/>
-                    </a:p>
-                  </a:txBody>
-                  <a:tcPr/>
-                </a:tc>
-                <a:extLst>
-                  <a:ext uri="{0D108BD9-81ED-4DB2-BD59-A6C34878D82A}">
-                    <a16:rowId xmlns:a16="http://schemas.microsoft.com/office/drawing/2014/main" val="4232560375"/>
-                  </a:ext>
-                </a:extLst>
-              </a:tr>
-              <a:tr h="370840">
-                <a:tc>
-                  <a:txBody>
-                    <a:bodyPr/>
-                    <a:lstStyle/>
-                    <a:p>
-                      <a:r>
-                        <a:rPr lang="en-US" dirty="0" smtClean="0"/>
-                        <a:t>Macro averaged F1</a:t>
-                      </a:r>
-                      <a:endParaRPr lang="en-US" dirty="0"/>
-                    </a:p>
-                  </a:txBody>
-                  <a:tcPr/>
-                </a:tc>
-                <a:tc>
-                  <a:txBody>
-                    <a:bodyPr/>
-                    <a:lstStyle/>
-                    <a:p>
-                      <a:r>
-                        <a:rPr lang="en-US" dirty="0" smtClean="0"/>
-                        <a:t>0.61</a:t>
-                      </a:r>
-                      <a:endParaRPr lang="en-US" dirty="0"/>
-                    </a:p>
-                  </a:txBody>
-                  <a:tcPr/>
-                </a:tc>
-                <a:tc>
-                  <a:txBody>
-                    <a:bodyPr/>
-                    <a:lstStyle/>
-                    <a:p>
-                      <a:r>
-                        <a:rPr lang="en-US" dirty="0" smtClean="0"/>
-                        <a:t>0.61</a:t>
-                      </a:r>
-                      <a:endParaRPr lang="en-US" dirty="0"/>
-                    </a:p>
-                  </a:txBody>
-                  <a:tcPr/>
-                </a:tc>
-                <a:tc>
-                  <a:txBody>
-                    <a:bodyPr/>
-                    <a:lstStyle/>
-                    <a:p>
-                      <a:r>
-                        <a:rPr lang="en-US" dirty="0" smtClean="0"/>
-                        <a:t>0.51</a:t>
-                      </a:r>
-                      <a:endParaRPr lang="en-US" dirty="0"/>
-                    </a:p>
-                  </a:txBody>
-                  <a:tcPr/>
-                </a:tc>
-                <a:extLst>
-                  <a:ext uri="{0D108BD9-81ED-4DB2-BD59-A6C34878D82A}">
-                    <a16:rowId xmlns:a16="http://schemas.microsoft.com/office/drawing/2014/main" val="2337868352"/>
-                  </a:ext>
-                </a:extLst>
-              </a:tr>
-              <a:tr h="370840">
-                <a:tc>
-                  <a:txBody>
-                    <a:bodyPr/>
-                    <a:lstStyle/>
-                    <a:p>
-                      <a:r>
-                        <a:rPr lang="en-US" dirty="0" smtClean="0"/>
-                        <a:t>accuracy</a:t>
-                      </a:r>
-                      <a:endParaRPr lang="en-US" dirty="0"/>
-                    </a:p>
-                  </a:txBody>
-                  <a:tcPr/>
-                </a:tc>
-                <a:tc>
-                  <a:txBody>
-                    <a:bodyPr/>
-                    <a:lstStyle/>
-                    <a:p>
-                      <a:r>
-                        <a:rPr lang="en-US" dirty="0" smtClean="0"/>
-                        <a:t>0.63</a:t>
-                      </a:r>
-                      <a:endParaRPr lang="en-US" dirty="0"/>
-                    </a:p>
-                  </a:txBody>
-                  <a:tcPr/>
-                </a:tc>
-                <a:tc>
-                  <a:txBody>
-                    <a:bodyPr/>
-                    <a:lstStyle/>
-                    <a:p>
-                      <a:r>
-                        <a:rPr lang="en-US" dirty="0" smtClean="0"/>
-                        <a:t>0.61</a:t>
-                      </a:r>
-                      <a:endParaRPr lang="en-US" dirty="0"/>
-                    </a:p>
-                  </a:txBody>
-                  <a:tcPr/>
-                </a:tc>
-                <a:tc>
-                  <a:txBody>
-                    <a:bodyPr/>
-                    <a:lstStyle/>
-                    <a:p>
-                      <a:r>
-                        <a:rPr lang="en-US" dirty="0" smtClean="0"/>
-                        <a:t>0.51</a:t>
-                      </a:r>
-                      <a:endParaRPr lang="en-US" dirty="0"/>
-                    </a:p>
-                  </a:txBody>
-                  <a:tcPr/>
-                </a:tc>
-                <a:extLst>
-                  <a:ext uri="{0D108BD9-81ED-4DB2-BD59-A6C34878D82A}">
-                    <a16:rowId xmlns:a16="http://schemas.microsoft.com/office/drawing/2014/main" val="209698127"/>
-                  </a:ext>
-                </a:extLst>
-              </a:tr>
-            </a:tbl>
-          </a:graphicData>
-        </a:graphic>
-      </p:graphicFrame>
-      <p:sp>
-        <p:nvSpPr>
-          <p:cNvPr id="7" name="Rectangle 6"/>
-          <p:cNvSpPr/>
-          <p:nvPr/>
-        </p:nvSpPr>
-        <p:spPr>
-          <a:xfrm>
-            <a:off x="406684" y="2886779"/>
-            <a:ext cx="5179623" cy="307777"/>
-          </a:xfrm>
-          <a:prstGeom prst="rect">
-            <a:avLst/>
-          </a:prstGeom>
-        </p:spPr>
-        <p:txBody>
-          <a:bodyPr wrap="none">
-            <a:spAutoFit/>
-          </a:bodyPr>
-          <a:lstStyle/>
-          <a:p>
-            <a:r>
-              <a:rPr lang="en-US" dirty="0" smtClean="0"/>
-              <a:t>using Feels </a:t>
-            </a:r>
-            <a:r>
-              <a:rPr lang="en-US" dirty="0"/>
-              <a:t>emo </a:t>
-            </a:r>
-            <a:r>
-              <a:rPr lang="en-US" dirty="0" smtClean="0"/>
-              <a:t>(“This </a:t>
-            </a:r>
-            <a:r>
-              <a:rPr lang="en-US" dirty="0"/>
-              <a:t>person </a:t>
-            </a:r>
-            <a:r>
-              <a:rPr lang="en-US" dirty="0" smtClean="0"/>
-              <a:t>feels”+ emotion), </a:t>
-            </a:r>
-            <a:r>
-              <a:rPr lang="en-US" dirty="0" err="1" smtClean="0"/>
-              <a:t>Isear</a:t>
-            </a:r>
-            <a:r>
-              <a:rPr lang="en-US" dirty="0" smtClean="0"/>
-              <a:t> dataset</a:t>
-            </a:r>
-            <a:endParaRPr lang="en-US" dirty="0"/>
-          </a:p>
-        </p:txBody>
-      </p:sp>
-      <p:graphicFrame>
-        <p:nvGraphicFramePr>
-          <p:cNvPr id="8" name="Table 7"/>
-          <p:cNvGraphicFramePr>
-            <a:graphicFrameLocks noGrp="1"/>
-          </p:cNvGraphicFramePr>
-          <p:nvPr>
-            <p:extLst>
-              <p:ext uri="{D42A27DB-BD31-4B8C-83A1-F6EECF244321}">
-                <p14:modId xmlns:p14="http://schemas.microsoft.com/office/powerpoint/2010/main" val="1719210102"/>
-              </p:ext>
-            </p:extLst>
-          </p:nvPr>
-        </p:nvGraphicFramePr>
-        <p:xfrm>
-          <a:off x="586793" y="3320716"/>
-          <a:ext cx="6096000" cy="1259840"/>
-        </p:xfrm>
-        <a:graphic>
-          <a:graphicData uri="http://schemas.openxmlformats.org/drawingml/2006/table">
-            <a:tbl>
-              <a:tblPr firstRow="1" bandRow="1">
-                <a:tableStyleId>{5C22544A-7EE6-4342-B048-85BDC9FD1C3A}</a:tableStyleId>
-              </a:tblPr>
-              <a:tblGrid>
-                <a:gridCol w="1524000">
-                  <a:extLst>
-                    <a:ext uri="{9D8B030D-6E8A-4147-A177-3AD203B41FA5}">
-                      <a16:colId xmlns:a16="http://schemas.microsoft.com/office/drawing/2014/main" val="168974700"/>
-                    </a:ext>
-                  </a:extLst>
-                </a:gridCol>
-                <a:gridCol w="1524000">
-                  <a:extLst>
-                    <a:ext uri="{9D8B030D-6E8A-4147-A177-3AD203B41FA5}">
-                      <a16:colId xmlns:a16="http://schemas.microsoft.com/office/drawing/2014/main" val="2537021408"/>
-                    </a:ext>
-                  </a:extLst>
-                </a:gridCol>
-                <a:gridCol w="1524000">
-                  <a:extLst>
-                    <a:ext uri="{9D8B030D-6E8A-4147-A177-3AD203B41FA5}">
-                      <a16:colId xmlns:a16="http://schemas.microsoft.com/office/drawing/2014/main" val="1400694498"/>
-                    </a:ext>
-                  </a:extLst>
-                </a:gridCol>
-                <a:gridCol w="1524000">
-                  <a:extLst>
-                    <a:ext uri="{9D8B030D-6E8A-4147-A177-3AD203B41FA5}">
-                      <a16:colId xmlns:a16="http://schemas.microsoft.com/office/drawing/2014/main" val="2523185355"/>
-                    </a:ext>
-                  </a:extLst>
-                </a:gridCol>
-              </a:tblGrid>
-              <a:tr h="370840">
-                <a:tc>
-                  <a:txBody>
-                    <a:bodyPr/>
-                    <a:lstStyle/>
-                    <a:p>
-                      <a:endParaRPr lang="en-US" dirty="0"/>
-                    </a:p>
-                  </a:txBody>
-                  <a:tcPr/>
-                </a:tc>
-                <a:tc>
-                  <a:txBody>
-                    <a:bodyPr/>
-                    <a:lstStyle/>
-                    <a:p>
-                      <a:r>
-                        <a:rPr lang="en-US" dirty="0" err="1" smtClean="0"/>
-                        <a:t>Deberta</a:t>
-                      </a:r>
-                      <a:endParaRPr lang="en-US" dirty="0"/>
-                    </a:p>
-                  </a:txBody>
-                  <a:tcPr/>
-                </a:tc>
-                <a:tc>
-                  <a:txBody>
-                    <a:bodyPr/>
-                    <a:lstStyle/>
-                    <a:p>
-                      <a:r>
-                        <a:rPr lang="en-US" dirty="0" smtClean="0"/>
-                        <a:t>Bart</a:t>
-                      </a:r>
-                      <a:endParaRPr lang="en-US" dirty="0"/>
-                    </a:p>
-                  </a:txBody>
-                  <a:tcPr/>
-                </a:tc>
-                <a:tc>
-                  <a:txBody>
-                    <a:bodyPr/>
-                    <a:lstStyle/>
-                    <a:p>
-                      <a:r>
-                        <a:rPr lang="en-US" dirty="0" smtClean="0"/>
-                        <a:t>Roberta</a:t>
-                      </a:r>
-                      <a:endParaRPr lang="en-US" dirty="0"/>
-                    </a:p>
-                  </a:txBody>
-                  <a:tcPr/>
-                </a:tc>
-                <a:extLst>
-                  <a:ext uri="{0D108BD9-81ED-4DB2-BD59-A6C34878D82A}">
-                    <a16:rowId xmlns:a16="http://schemas.microsoft.com/office/drawing/2014/main" val="4151019946"/>
-                  </a:ext>
-                </a:extLst>
-              </a:tr>
-              <a:tr h="370840">
-                <a:tc>
-                  <a:txBody>
-                    <a:bodyPr/>
-                    <a:lstStyle/>
-                    <a:p>
-                      <a:r>
-                        <a:rPr lang="en-US" dirty="0" smtClean="0"/>
-                        <a:t>Macro averaged F1</a:t>
-                      </a:r>
-                      <a:endParaRPr lang="en-US" dirty="0"/>
-                    </a:p>
-                  </a:txBody>
-                  <a:tcPr/>
-                </a:tc>
-                <a:tc>
-                  <a:txBody>
-                    <a:bodyPr/>
-                    <a:lstStyle/>
-                    <a:p>
-                      <a:r>
-                        <a:rPr lang="en-US" dirty="0" smtClean="0"/>
-                        <a:t>0.54</a:t>
-                      </a:r>
-                      <a:endParaRPr lang="en-US" dirty="0"/>
-                    </a:p>
-                  </a:txBody>
-                  <a:tcPr/>
-                </a:tc>
-                <a:tc>
-                  <a:txBody>
-                    <a:bodyPr/>
-                    <a:lstStyle/>
-                    <a:p>
-                      <a:r>
-                        <a:rPr lang="en-US" dirty="0" smtClean="0"/>
-                        <a:t>0.53</a:t>
-                      </a:r>
-                      <a:endParaRPr lang="en-US" dirty="0"/>
-                    </a:p>
-                  </a:txBody>
-                  <a:tcPr/>
-                </a:tc>
-                <a:tc>
-                  <a:txBody>
-                    <a:bodyPr/>
-                    <a:lstStyle/>
-                    <a:p>
-                      <a:r>
-                        <a:rPr lang="en-US" dirty="0" smtClean="0"/>
-                        <a:t>0.48</a:t>
-                      </a:r>
-                      <a:endParaRPr lang="en-US" dirty="0"/>
-                    </a:p>
-                  </a:txBody>
-                  <a:tcPr/>
-                </a:tc>
-                <a:extLst>
-                  <a:ext uri="{0D108BD9-81ED-4DB2-BD59-A6C34878D82A}">
-                    <a16:rowId xmlns:a16="http://schemas.microsoft.com/office/drawing/2014/main" val="2076366679"/>
-                  </a:ext>
-                </a:extLst>
-              </a:tr>
-              <a:tr h="370840">
-                <a:tc>
-                  <a:txBody>
-                    <a:bodyPr/>
-                    <a:lstStyle/>
-                    <a:p>
-                      <a:r>
-                        <a:rPr lang="en-US" dirty="0" smtClean="0"/>
-                        <a:t>accuracy</a:t>
-                      </a:r>
-                      <a:endParaRPr lang="en-US" dirty="0"/>
-                    </a:p>
-                  </a:txBody>
-                  <a:tcPr/>
-                </a:tc>
-                <a:tc>
-                  <a:txBody>
-                    <a:bodyPr/>
-                    <a:lstStyle/>
-                    <a:p>
-                      <a:r>
-                        <a:rPr lang="en-US" dirty="0" smtClean="0"/>
-                        <a:t>0.55</a:t>
-                      </a:r>
-                      <a:endParaRPr lang="en-US" dirty="0"/>
-                    </a:p>
-                  </a:txBody>
-                  <a:tcPr/>
-                </a:tc>
-                <a:tc>
-                  <a:txBody>
-                    <a:bodyPr/>
-                    <a:lstStyle/>
-                    <a:p>
-                      <a:r>
-                        <a:rPr lang="en-US" dirty="0" smtClean="0"/>
-                        <a:t>0.53</a:t>
-                      </a:r>
-                      <a:endParaRPr lang="en-US" dirty="0"/>
-                    </a:p>
-                  </a:txBody>
-                  <a:tcPr/>
-                </a:tc>
-                <a:tc>
-                  <a:txBody>
-                    <a:bodyPr/>
-                    <a:lstStyle/>
-                    <a:p>
-                      <a:r>
-                        <a:rPr lang="en-US" dirty="0" smtClean="0"/>
-                        <a:t>0.48</a:t>
-                      </a:r>
-                      <a:endParaRPr lang="en-US" dirty="0"/>
-                    </a:p>
-                  </a:txBody>
-                  <a:tcPr/>
-                </a:tc>
-                <a:extLst>
-                  <a:ext uri="{0D108BD9-81ED-4DB2-BD59-A6C34878D82A}">
-                    <a16:rowId xmlns:a16="http://schemas.microsoft.com/office/drawing/2014/main" val="2153124980"/>
-                  </a:ext>
-                </a:extLst>
-              </a:tr>
-            </a:tbl>
-          </a:graphicData>
-        </a:graphic>
-      </p:graphicFrame>
     </p:spTree>
     <p:extLst>
       <p:ext uri="{BB962C8B-B14F-4D97-AF65-F5344CB8AC3E}">
-        <p14:creationId xmlns:p14="http://schemas.microsoft.com/office/powerpoint/2010/main" val="421295611"/>
+        <p14:creationId xmlns:p14="http://schemas.microsoft.com/office/powerpoint/2010/main" val="2264408197"/>
       </p:ext>
     </p:extLst>
   </p:cSld>
@@ -12188,43 +10714,6 @@
       </p:grpSpPr>
       <p:sp>
         <p:nvSpPr>
-          <p:cNvPr id="2" name="Title 1"/>
-          <p:cNvSpPr>
-            <a:spLocks noGrp="1"/>
-          </p:cNvSpPr>
-          <p:nvPr>
-            <p:ph type="title"/>
-          </p:nvPr>
-        </p:nvSpPr>
-        <p:spPr/>
-        <p:txBody>
-          <a:bodyPr/>
-          <a:lstStyle/>
-          <a:p>
-            <a:pPr algn="ctr">
-              <a:buNone/>
-            </a:pPr>
-            <a:r>
-              <a:rPr lang="en-US" sz="1600" b="1" dirty="0" smtClean="0"/>
-              <a:t>Comparing results (</a:t>
-            </a:r>
-            <a:r>
-              <a:rPr lang="en-US" sz="1600" b="1" dirty="0" err="1" smtClean="0"/>
-              <a:t>Isear</a:t>
-            </a:r>
-            <a:r>
-              <a:rPr lang="en-US" sz="1600" b="1" dirty="0" smtClean="0"/>
-              <a:t> dataset</a:t>
-            </a:r>
-            <a:r>
-              <a:rPr lang="en-US" sz="1600" b="1" dirty="0"/>
-              <a:t>) (Review) </a:t>
-            </a:r>
-          </a:p>
-        </p:txBody>
-      </p:sp>
-      <p:sp>
-        <p:nvSpPr>
           <p:cNvPr id="4" name="Slide Number Placeholder 3"/>
           <p:cNvSpPr>
             <a:spLocks noGrp="1"/>
@@ -12263,8 +10752,8 @@
         </p:nvSpPr>
         <p:spPr>
           <a:xfrm>
-            <a:off x="415636" y="858981"/>
-            <a:ext cx="8001000" cy="2569934"/>
+            <a:off x="2047264" y="137886"/>
+            <a:ext cx="6132286" cy="338554"/>
           </a:xfrm>
           <a:prstGeom prst="rect">
             <a:avLst/>
@@ -12278,12 +10767,53 @@
           <a:lstStyle/>
           <a:p>
             <a:r>
+              <a:rPr lang="en-US" sz="1600" b="1" dirty="0"/>
+              <a:t>Comparing results of Tec dataset (review)</a:t>
+            </a:r>
+            <a:endParaRPr lang="en-US" sz="1600" dirty="0"/>
+          </a:p>
+        </p:txBody>
+      </p:sp>
+      <p:sp>
+        <p:nvSpPr>
+          <p:cNvPr id="7" name="TextBox 6"/>
+          <p:cNvSpPr txBox="1"/>
+          <p:nvPr/>
+        </p:nvSpPr>
+        <p:spPr>
+          <a:xfrm>
+            <a:off x="670910" y="994229"/>
+            <a:ext cx="7272407" cy="3216265"/>
+          </a:xfrm>
+          <a:prstGeom prst="rect">
+            <a:avLst/>
+          </a:prstGeom>
+          <a:noFill/>
+        </p:spPr>
+        <p:txBody>
+          <a:bodyPr wrap="square" rtlCol="0">
+            <a:spAutoFit/>
+          </a:bodyPr>
+          <a:lstStyle/>
+          <a:p>
+            <a:r>
               <a:rPr lang="en-US" dirty="0"/>
               <a:t>The cases that using prompt could lead to improvement compared to using only emotion name</a:t>
             </a:r>
           </a:p>
           <a:p>
             <a:endParaRPr lang="en-US" dirty="0"/>
+          </a:p>
+          <a:p>
+            <a:pPr>
+              <a:lnSpc>
+                <a:spcPct val="150000"/>
+              </a:lnSpc>
+            </a:pPr>
+            <a:r>
+              <a:rPr lang="en-US" dirty="0"/>
+              <a:t>Improvements:</a:t>
+            </a:r>
           </a:p>
           <a:p>
             <a:pPr marL="285750" indent="-285750">
@@ -12303,47 +10833,38 @@
             </a:r>
             <a:r>
               <a:rPr lang="en-US" dirty="0"/>
-              <a:t> model: </a:t>
-            </a:r>
-          </a:p>
-          <a:p>
-            <a:pPr lvl="4">
+              <a:t> model:</a:t>
+            </a:r>
+          </a:p>
+          <a:p>
+            <a:pPr>
               <a:lnSpc>
                 <a:spcPct val="150000"/>
               </a:lnSpc>
             </a:pPr>
             <a:r>
+              <a:rPr lang="en-US" dirty="0"/>
+              <a:t>        Emotion </a:t>
+            </a:r>
+            <a:r>
               <a:rPr lang="en-US" dirty="0" smtClean="0"/>
-              <a:t>        Emotion </a:t>
+              <a:t>prompt (Macro average F1:0.4 </a:t>
             </a:r>
             <a:r>
               <a:rPr lang="en-US" dirty="0"/>
-              <a:t>prompt: “The emotion is”+ emotion</a:t>
-            </a:r>
-          </a:p>
-          <a:p>
-            <a:pPr lvl="4">
+              <a:t>compared to Macro average </a:t>
+            </a:r>
+            <a:r>
+              <a:rPr lang="en-US" dirty="0" smtClean="0"/>
+              <a:t>F1: 0.37)</a:t>
+            </a:r>
+            <a:endParaRPr lang="en-US" dirty="0"/>
+          </a:p>
+          <a:p>
+            <a:pPr>
               <a:lnSpc>
                 <a:spcPct val="150000"/>
               </a:lnSpc>
-            </a:pPr>
-            <a:r>
-              <a:rPr lang="en-US" dirty="0" smtClean="0"/>
-              <a:t>        </a:t>
-            </a:r>
-            <a:r>
-              <a:rPr lang="en-US" dirty="0" err="1" smtClean="0"/>
-              <a:t>Expr_emo</a:t>
-            </a:r>
-            <a:r>
-              <a:rPr lang="en-US" dirty="0"/>
-              <a:t>: “This text expresses”+ emotion</a:t>
-            </a:r>
-          </a:p>
-          <a:p>
-            <a:pPr marL="285750" indent="-285750">
-              <a:buFont typeface="Arial" panose="020B0604020202020204" pitchFamily="34" charset="0"/>
-              <a:buChar char="•"/>
             </a:pPr>
             <a:endParaRPr lang="en-US" dirty="0"/>
           </a:p>
@@ -12356,28 +10877,33 @@
               <a:buChar char="•"/>
             </a:pPr>
             <a:r>
-              <a:rPr lang="en-US" dirty="0" smtClean="0"/>
-              <a:t>When using Bart model:</a:t>
-            </a:r>
-          </a:p>
-          <a:p>
-            <a:pPr lvl="3">
+              <a:rPr lang="en-US" dirty="0"/>
+              <a:t>When using Roberta model:</a:t>
+            </a:r>
+          </a:p>
+          <a:p>
+            <a:pPr>
               <a:lnSpc>
                 <a:spcPct val="150000"/>
               </a:lnSpc>
             </a:pPr>
             <a:r>
+              <a:rPr lang="en-US" dirty="0"/>
+              <a:t>       Emotion prompt (Macro average F1:0.4 compared to Macro average F1: </a:t>
+            </a:r>
+            <a:r>
               <a:rPr lang="en-US" dirty="0" smtClean="0"/>
-              <a:t>        </a:t>
-            </a:r>
-            <a:r>
-              <a:rPr lang="en-US" dirty="0" err="1" smtClean="0"/>
-              <a:t>Expr_emo</a:t>
-            </a:r>
-            <a:r>
-              <a:rPr lang="en-US" dirty="0" smtClean="0"/>
-              <a:t>: “This text expresses”+ emotion</a:t>
-            </a:r>
+              <a:t>0.34)</a:t>
+            </a:r>
+            <a:endParaRPr lang="en-US" dirty="0"/>
+          </a:p>
+          <a:p>
+            <a:pPr>
+              <a:lnSpc>
+                <a:spcPct val="150000"/>
+              </a:lnSpc>
+            </a:pPr>
+            <a:endParaRPr lang="en-US" dirty="0"/>
           </a:p>
           <a:p>
             <a:endParaRPr lang="en-US" dirty="0"/>
@@ -12387,7 +10913,7 @@
     </p:spTree>
     <p:extLst>
       <p:ext uri="{BB962C8B-B14F-4D97-AF65-F5344CB8AC3E}">
-        <p14:creationId xmlns:p14="http://schemas.microsoft.com/office/powerpoint/2010/main" val="2264408197"/>
+        <p14:creationId xmlns:p14="http://schemas.microsoft.com/office/powerpoint/2010/main" val="3114501572"/>
       </p:ext>
     </p:extLst>
   </p:cSld>
@@ -12433,22 +10959,18 @@
               <a:buNone/>
             </a:pPr>
             <a:r>
-              <a:rPr lang="en-US" b="1" dirty="0"/>
-              <a:t>Zero shot emotion classification using different templates </a:t>
-            </a:r>
-            <a:r>
-              <a:rPr lang="en-US" b="1" dirty="0" smtClean="0"/>
-              <a:t>(Tec </a:t>
-            </a:r>
-            <a:r>
-              <a:rPr lang="en-US" b="1" dirty="0"/>
-              <a:t>dataset</a:t>
-            </a:r>
-            <a:r>
-              <a:rPr lang="en-US" b="1" dirty="0" smtClean="0"/>
-              <a:t>) (Review)</a:t>
-            </a:r>
-            <a:endParaRPr lang="en-US" dirty="0"/>
+              <a:rPr lang="en-US" sz="1600" b="1" dirty="0" smtClean="0"/>
+              <a:t>Comparing the improved instances and not improved ones (</a:t>
+            </a:r>
+            <a:r>
+              <a:rPr lang="en-US" sz="1600" b="1" dirty="0" err="1" smtClean="0"/>
+              <a:t>Isear</a:t>
+            </a:r>
+            <a:r>
+              <a:rPr lang="en-US" sz="1600" b="1" dirty="0" smtClean="0"/>
+              <a:t> dataset)</a:t>
+            </a:r>
+            <a:endParaRPr lang="en-US" sz="1600" b="1" dirty="0"/>
           </a:p>
         </p:txBody>
       </p:sp>
@@ -12486,14 +11008,14 @@
       </p:sp>
       <p:sp>
         <p:nvSpPr>
-          <p:cNvPr id="5" name="TextBox 4"/>
+          <p:cNvPr id="6" name="TextBox 5"/>
           <p:cNvSpPr txBox="1"/>
           <p:nvPr/>
         </p:nvSpPr>
         <p:spPr>
           <a:xfrm>
-            <a:off x="1017400" y="923878"/>
-            <a:ext cx="4111083" cy="523220"/>
+            <a:off x="464100" y="911720"/>
+            <a:ext cx="7954186" cy="3539430"/>
           </a:xfrm>
           <a:prstGeom prst="rect">
             <a:avLst/>
@@ -12508,33 +11030,111 @@
           <a:p>
             <a:r>
               <a:rPr lang="en-US" dirty="0" smtClean="0"/>
-              <a:t>using emotion name, Tec dataset</a:t>
-            </a:r>
+              <a:t>Some sample sentences that using </a:t>
+            </a:r>
+            <a:r>
+              <a:rPr lang="en-US" dirty="0" err="1" smtClean="0"/>
+              <a:t>expr_emo</a:t>
+            </a:r>
+            <a:r>
+              <a:rPr lang="en-US" dirty="0" smtClean="0"/>
+              <a:t> could lead to improvement but </a:t>
+            </a:r>
+            <a:r>
+              <a:rPr lang="en-US" dirty="0" err="1" smtClean="0"/>
+              <a:t>feels_emo</a:t>
+            </a:r>
+            <a:r>
+              <a:rPr lang="en-US" dirty="0" smtClean="0"/>
+              <a:t> could not (</a:t>
+            </a:r>
+            <a:r>
+              <a:rPr lang="en-US" dirty="0" err="1" smtClean="0"/>
+              <a:t>Isear</a:t>
+            </a:r>
+            <a:r>
+              <a:rPr lang="en-US" dirty="0" smtClean="0"/>
+              <a:t> dataset) </a:t>
+            </a:r>
+          </a:p>
+          <a:p>
             <a:endParaRPr lang="en-US" dirty="0"/>
           </a:p>
           <a:p>
-            <a:pPr algn="ctr"/>
+            <a:endParaRPr lang="en-US" dirty="0" smtClean="0"/>
+          </a:p>
+          <a:p>
+            <a:endParaRPr lang="en-US" dirty="0"/>
+          </a:p>
+          <a:p>
+            <a:endParaRPr lang="en-US" dirty="0" smtClean="0"/>
+          </a:p>
+          <a:p>
+            <a:endParaRPr lang="en-US" dirty="0" smtClean="0"/>
+          </a:p>
+          <a:p>
+            <a:endParaRPr lang="en-US" dirty="0"/>
+          </a:p>
+          <a:p>
+            <a:endParaRPr lang="en-US" dirty="0" smtClean="0"/>
+          </a:p>
+          <a:p>
+            <a:endParaRPr lang="en-US" dirty="0"/>
+          </a:p>
+          <a:p>
+            <a:endParaRPr lang="en-US" dirty="0" smtClean="0"/>
+          </a:p>
+          <a:p>
+            <a:endParaRPr lang="en-US" dirty="0"/>
+          </a:p>
+          <a:p>
+            <a:endParaRPr lang="en-US" dirty="0" smtClean="0"/>
+          </a:p>
+          <a:p>
+            <a:endParaRPr lang="en-US" dirty="0" smtClean="0"/>
+          </a:p>
+          <a:p>
+            <a:r>
+              <a:rPr lang="en-US" dirty="0" smtClean="0"/>
+              <a:t>There are some specific tokens in the sentences that are related to the true emotions. (hurt related to anger, lie related to shame), but the predicted emotion by </a:t>
+            </a:r>
+            <a:r>
+              <a:rPr lang="en-US" dirty="0" err="1" smtClean="0"/>
+              <a:t>feels_emo</a:t>
+            </a:r>
+            <a:r>
+              <a:rPr lang="en-US" dirty="0" smtClean="0"/>
+              <a:t> </a:t>
+            </a:r>
+            <a:r>
+              <a:rPr lang="en-US" dirty="0" smtClean="0"/>
+              <a:t>can also </a:t>
+            </a:r>
+            <a:r>
+              <a:rPr lang="en-US" dirty="0" smtClean="0"/>
+              <a:t>be reasonable.</a:t>
+            </a:r>
             <a:endParaRPr lang="en-US" dirty="0"/>
           </a:p>
         </p:txBody>
       </p:sp>
       <p:graphicFrame>
         <p:nvGraphicFramePr>
-          <p:cNvPr id="6" name="Table 5"/>
+          <p:cNvPr id="3" name="Table 2"/>
           <p:cNvGraphicFramePr>
             <a:graphicFrameLocks noGrp="1"/>
           </p:cNvGraphicFramePr>
           <p:nvPr>
             <p:extLst>
               <p:ext uri="{D42A27DB-BD31-4B8C-83A1-F6EECF244321}">
-                <p14:modId xmlns:p14="http://schemas.microsoft.com/office/powerpoint/2010/main" val="914408801"/>
+                <p14:modId xmlns:p14="http://schemas.microsoft.com/office/powerpoint/2010/main" val="2501424077"/>
               </p:ext>
             </p:extLst>
           </p:nvPr>
         </p:nvGraphicFramePr>
         <p:xfrm>
-          <a:off x="1017400" y="1292147"/>
-          <a:ext cx="6096000" cy="1259840"/>
+          <a:off x="529592" y="1641375"/>
+          <a:ext cx="6467850" cy="2163544"/>
         </p:xfrm>
         <a:graphic>
           <a:graphicData uri="http://schemas.openxmlformats.org/drawingml/2006/table">
@@ -12543,82 +11143,111 @@
                 <a:tableStyleId>{5C22544A-7EE6-4342-B048-85BDC9FD1C3A}</a:tableStyleId>
               </a:tblPr>
               <a:tblGrid>
-                <a:gridCol w="1524000">
+                <a:gridCol w="1293570">
                   <a:extLst>
                     <a:ext uri="{9D8B030D-6E8A-4147-A177-3AD203B41FA5}">
-                      <a16:colId xmlns:a16="http://schemas.microsoft.com/office/drawing/2014/main" val="686520990"/>
+                      <a16:colId xmlns:a16="http://schemas.microsoft.com/office/drawing/2014/main" val="3449551872"/>
                     </a:ext>
                   </a:extLst>
                 </a:gridCol>
-                <a:gridCol w="1524000">
+                <a:gridCol w="1293570">
                   <a:extLst>
                     <a:ext uri="{9D8B030D-6E8A-4147-A177-3AD203B41FA5}">
-                      <a16:colId xmlns:a16="http://schemas.microsoft.com/office/drawing/2014/main" val="3198480053"/>
+                      <a16:colId xmlns:a16="http://schemas.microsoft.com/office/drawing/2014/main" val="4041118951"/>
                     </a:ext>
                   </a:extLst>
                 </a:gridCol>
-                <a:gridCol w="1524000">
+                <a:gridCol w="1293570">
                   <a:extLst>
                     <a:ext uri="{9D8B030D-6E8A-4147-A177-3AD203B41FA5}">
-                      <a16:colId xmlns:a16="http://schemas.microsoft.com/office/drawing/2014/main" val="2414982412"/>
+                      <a16:colId xmlns:a16="http://schemas.microsoft.com/office/drawing/2014/main" val="1053487978"/>
                     </a:ext>
                   </a:extLst>
                 </a:gridCol>
-                <a:gridCol w="1524000">
+                <a:gridCol w="1293570">
                   <a:extLst>
                     <a:ext uri="{9D8B030D-6E8A-4147-A177-3AD203B41FA5}">
-                      <a16:colId xmlns:a16="http://schemas.microsoft.com/office/drawing/2014/main" val="633875311"/>
+                      <a16:colId xmlns:a16="http://schemas.microsoft.com/office/drawing/2014/main" val="2926367296"/>
+                    </a:ext>
+                  </a:extLst>
+                </a:gridCol>
+                <a:gridCol w="1293570">
+                  <a:extLst>
+                    <a:ext uri="{9D8B030D-6E8A-4147-A177-3AD203B41FA5}">
+                      <a16:colId xmlns:a16="http://schemas.microsoft.com/office/drawing/2014/main" val="1380286263"/>
                     </a:ext>
                   </a:extLst>
                 </a:gridCol>
               </a:tblGrid>
-              <a:tr h="370840">
-                <a:tc>
-                  <a:txBody>
-                    <a:bodyPr/>
-                    <a:lstStyle/>
-                    <a:p>
-                      <a:endParaRPr lang="en-US" dirty="0"/>
-                    </a:p>
-                  </a:txBody>
-                  <a:tcPr/>
-                </a:tc>
-                <a:tc>
-                  <a:txBody>
-                    <a:bodyPr/>
-                    <a:lstStyle/>
-                    <a:p>
-                      <a:r>
-                        <a:rPr lang="en-US" dirty="0" err="1" smtClean="0"/>
-                        <a:t>Deberta</a:t>
-                      </a:r>
-                      <a:endParaRPr lang="en-US" dirty="0"/>
-                    </a:p>
-                  </a:txBody>
-                  <a:tcPr/>
-                </a:tc>
-                <a:tc>
-                  <a:txBody>
-                    <a:bodyPr/>
-                    <a:lstStyle/>
-                    <a:p>
-                      <a:r>
-                        <a:rPr lang="en-US" dirty="0" smtClean="0"/>
-                        <a:t>Bart</a:t>
-                      </a:r>
-                      <a:endParaRPr lang="en-US" dirty="0"/>
-                    </a:p>
-                  </a:txBody>
-                  <a:tcPr/>
-                </a:tc>
-                <a:tc>
-                  <a:txBody>
-                    <a:bodyPr/>
-                    <a:lstStyle/>
-                    <a:p>
-                      <a:r>
-                        <a:rPr lang="en-US" dirty="0" smtClean="0"/>
-                        <a:t>Roberta</a:t>
+              <a:tr h="205776">
+                <a:tc>
+                  <a:txBody>
+                    <a:bodyPr/>
+                    <a:lstStyle/>
+                    <a:p>
+                      <a:r>
+                        <a:rPr lang="en-US" dirty="0" smtClean="0"/>
+                        <a:t>True label</a:t>
+                      </a:r>
+                      <a:endParaRPr lang="en-US" dirty="0"/>
+                    </a:p>
+                  </a:txBody>
+                  <a:tcPr/>
+                </a:tc>
+                <a:tc>
+                  <a:txBody>
+                    <a:bodyPr/>
+                    <a:lstStyle/>
+                    <a:p>
+                      <a:r>
+                        <a:rPr lang="en-US" dirty="0" smtClean="0"/>
+                        <a:t>text</a:t>
+                      </a:r>
+                      <a:endParaRPr lang="en-US" dirty="0"/>
+                    </a:p>
+                  </a:txBody>
+                  <a:tcPr/>
+                </a:tc>
+                <a:tc>
+                  <a:txBody>
+                    <a:bodyPr/>
+                    <a:lstStyle/>
+                    <a:p>
+                      <a:r>
+                        <a:rPr lang="en-US" dirty="0" smtClean="0"/>
+                        <a:t>Emo name</a:t>
+                      </a:r>
+                      <a:endParaRPr lang="en-US" dirty="0"/>
+                    </a:p>
+                  </a:txBody>
+                  <a:tcPr/>
+                </a:tc>
+                <a:tc>
+                  <a:txBody>
+                    <a:bodyPr/>
+                    <a:lstStyle/>
+                    <a:p>
+                      <a:r>
+                        <a:rPr lang="en-US" dirty="0" smtClean="0"/>
+                        <a:t>Expr emo</a:t>
+                      </a:r>
+                      <a:endParaRPr lang="en-US" dirty="0"/>
+                    </a:p>
+                  </a:txBody>
+                  <a:tcPr/>
+                </a:tc>
+                <a:tc>
+                  <a:txBody>
+                    <a:bodyPr/>
+                    <a:lstStyle/>
+                    <a:p>
+                      <a:r>
+                        <a:rPr lang="en-US" dirty="0" smtClean="0"/>
+                        <a:t>Feels</a:t>
+                      </a:r>
+                      <a:r>
+                        <a:rPr lang="en-US" baseline="0" dirty="0" smtClean="0"/>
+                        <a:t> emo</a:t>
                       </a:r>
                       <a:endParaRPr lang="en-US" dirty="0"/>
                     </a:p>
@@ -12627,61 +11256,83 @@
                 </a:tc>
                 <a:extLst>
                   <a:ext uri="{0D108BD9-81ED-4DB2-BD59-A6C34878D82A}">
-                    <a16:rowId xmlns:a16="http://schemas.microsoft.com/office/drawing/2014/main" val="2392536898"/>
+                    <a16:rowId xmlns:a16="http://schemas.microsoft.com/office/drawing/2014/main" val="175380482"/>
                   </a:ext>
                 </a:extLst>
               </a:tr>
-              <a:tr h="370840">
-                <a:tc>
-                  <a:txBody>
-                    <a:bodyPr/>
-                    <a:lstStyle/>
-                    <a:p>
-                      <a:r>
-                        <a:rPr lang="en-US" dirty="0" smtClean="0"/>
-                        <a:t>Macro averaged F1</a:t>
-                      </a:r>
-                      <a:endParaRPr lang="en-US" dirty="0"/>
-                    </a:p>
-                  </a:txBody>
-                  <a:tcPr/>
-                </a:tc>
-                <a:tc>
-                  <a:txBody>
-                    <a:bodyPr/>
-                    <a:lstStyle/>
-                    <a:p>
-                      <a:r>
-                        <a:rPr lang="en-US" dirty="0" smtClean="0"/>
-                        <a:t>0.37</a:t>
-                      </a:r>
-                      <a:endParaRPr lang="en-US" dirty="0"/>
-                    </a:p>
-                  </a:txBody>
-                  <a:tcPr/>
-                </a:tc>
-                <a:tc>
-                  <a:txBody>
-                    <a:bodyPr/>
-                    <a:lstStyle/>
-                    <a:p>
-                      <a:r>
-                        <a:rPr lang="en-US" dirty="0" smtClean="0"/>
-                        <a:t>0.37</a:t>
-                      </a:r>
-                      <a:endParaRPr lang="en-US" dirty="0"/>
-                    </a:p>
-                  </a:txBody>
-                  <a:tcPr/>
-                </a:tc>
-                <a:tc>
-                  <a:txBody>
-                    <a:bodyPr/>
-                    <a:lstStyle/>
-                    <a:p>
-                      <a:r>
-                        <a:rPr lang="en-US" dirty="0" smtClean="0"/>
-                        <a:t>0.34</a:t>
+              <a:tr h="852904">
+                <a:tc>
+                  <a:txBody>
+                    <a:bodyPr/>
+                    <a:lstStyle/>
+                    <a:p>
+                      <a:r>
+                        <a:rPr lang="en-US" sz="1400" dirty="0" smtClean="0"/>
+                        <a:t>anger</a:t>
+                      </a:r>
+                      <a:endParaRPr lang="en-US" sz="1400" dirty="0"/>
+                    </a:p>
+                  </a:txBody>
+                  <a:tcPr/>
+                </a:tc>
+                <a:tc>
+                  <a:txBody>
+                    <a:bodyPr/>
+                    <a:lstStyle/>
+                    <a:p>
+                      <a:r>
+                        <a:rPr lang="en-US" sz="1200" dirty="0" smtClean="0"/>
+                        <a:t> When friends try to put </a:t>
+                      </a:r>
+                      <a:r>
+                        <a:rPr lang="en-US" sz="1200" dirty="0" smtClean="0"/>
+                        <a:t>me down or </a:t>
+                      </a:r>
+                      <a:r>
+                        <a:rPr lang="en-US" sz="1200" dirty="0" smtClean="0"/>
+                        <a:t>hurt me.</a:t>
+                      </a:r>
+                      <a:endParaRPr lang="en-US" sz="1200" dirty="0"/>
+                    </a:p>
+                  </a:txBody>
+                  <a:tcPr/>
+                </a:tc>
+                <a:tc>
+                  <a:txBody>
+                    <a:bodyPr/>
+                    <a:lstStyle/>
+                    <a:p>
+                      <a:r>
+                        <a:rPr lang="en-US" sz="1400" dirty="0" smtClean="0"/>
+                        <a:t>fear</a:t>
+                      </a:r>
+                      <a:endParaRPr lang="en-US" sz="1400" dirty="0"/>
+                    </a:p>
+                  </a:txBody>
+                  <a:tcPr/>
+                </a:tc>
+                <a:tc>
+                  <a:txBody>
+                    <a:bodyPr/>
+                    <a:lstStyle/>
+                    <a:p>
+                      <a:r>
+                        <a:rPr lang="en-US" dirty="0" smtClean="0"/>
+                        <a:t>anger</a:t>
+                      </a:r>
+                      <a:endParaRPr lang="en-US" dirty="0"/>
+                    </a:p>
+                  </a:txBody>
+                  <a:tcPr/>
+                </a:tc>
+                <a:tc>
+                  <a:txBody>
+                    <a:bodyPr/>
+                    <a:lstStyle/>
+                    <a:p>
+                      <a:r>
+                        <a:rPr lang="en-US" dirty="0" smtClean="0"/>
+                        <a:t>fear</a:t>
                       </a:r>
                       <a:endParaRPr lang="en-US" dirty="0"/>
                     </a:p>
@@ -12690,61 +11341,83 @@
                 </a:tc>
                 <a:extLst>
                   <a:ext uri="{0D108BD9-81ED-4DB2-BD59-A6C34878D82A}">
-                    <a16:rowId xmlns:a16="http://schemas.microsoft.com/office/drawing/2014/main" val="1203568020"/>
+                    <a16:rowId xmlns:a16="http://schemas.microsoft.com/office/drawing/2014/main" val="468217901"/>
                   </a:ext>
                 </a:extLst>
               </a:tr>
-              <a:tr h="370840">
-                <a:tc>
-                  <a:txBody>
-                    <a:bodyPr/>
-                    <a:lstStyle/>
-                    <a:p>
-                      <a:r>
-                        <a:rPr lang="en-US" dirty="0" smtClean="0"/>
-                        <a:t>accuracy</a:t>
-                      </a:r>
-                      <a:endParaRPr lang="en-US" dirty="0"/>
-                    </a:p>
-                  </a:txBody>
-                  <a:tcPr/>
-                </a:tc>
-                <a:tc>
-                  <a:txBody>
-                    <a:bodyPr/>
-                    <a:lstStyle/>
-                    <a:p>
-                      <a:r>
-                        <a:rPr lang="en-US" dirty="0" smtClean="0"/>
-                        <a:t>0.41</a:t>
-                      </a:r>
-                      <a:endParaRPr lang="en-US" dirty="0"/>
-                    </a:p>
-                  </a:txBody>
-                  <a:tcPr/>
-                </a:tc>
-                <a:tc>
-                  <a:txBody>
-                    <a:bodyPr/>
-                    <a:lstStyle/>
-                    <a:p>
-                      <a:r>
-                        <a:rPr lang="en-US" dirty="0" smtClean="0"/>
-                        <a:t>0.41</a:t>
-                      </a:r>
-                      <a:endParaRPr lang="en-US" dirty="0"/>
-                    </a:p>
-                  </a:txBody>
-                  <a:tcPr/>
-                </a:tc>
-                <a:tc>
-                  <a:txBody>
-                    <a:bodyPr/>
-                    <a:lstStyle/>
-                    <a:p>
-                      <a:r>
-                        <a:rPr lang="en-US" dirty="0" smtClean="0"/>
-                        <a:t>0.43</a:t>
+              <a:tr h="720230">
+                <a:tc>
+                  <a:txBody>
+                    <a:bodyPr/>
+                    <a:lstStyle/>
+                    <a:p>
+                      <a:r>
+                        <a:rPr lang="en-US" sz="1400" dirty="0" smtClean="0"/>
+                        <a:t>shame</a:t>
+                      </a:r>
+                      <a:endParaRPr lang="en-US" sz="1400" dirty="0"/>
+                    </a:p>
+                  </a:txBody>
+                  <a:tcPr/>
+                </a:tc>
+                <a:tc>
+                  <a:txBody>
+                    <a:bodyPr/>
+                    <a:lstStyle/>
+                    <a:p>
+                      <a:r>
+                        <a:rPr lang="en-US" sz="1200" dirty="0" smtClean="0"/>
+                        <a:t> Somebody who knows me very well </a:t>
+                      </a:r>
+                      <a:r>
+                        <a:rPr lang="en-US" sz="1200" dirty="0" smtClean="0"/>
+                        <a:t>discovered that I </a:t>
+                      </a:r>
+                      <a:r>
+                        <a:rPr lang="en-US" sz="1200" dirty="0" smtClean="0"/>
+                        <a:t>had told him a lie. </a:t>
+                      </a:r>
+                      <a:endParaRPr lang="en-US" sz="1200" dirty="0"/>
+                    </a:p>
+                  </a:txBody>
+                  <a:tcPr/>
+                </a:tc>
+                <a:tc>
+                  <a:txBody>
+                    <a:bodyPr/>
+                    <a:lstStyle/>
+                    <a:p>
+                      <a:r>
+                        <a:rPr lang="en-US" sz="1400" dirty="0" smtClean="0"/>
+                        <a:t>guilt</a:t>
+                      </a:r>
+                      <a:endParaRPr lang="en-US" sz="1400" dirty="0"/>
+                    </a:p>
+                  </a:txBody>
+                  <a:tcPr/>
+                </a:tc>
+                <a:tc>
+                  <a:txBody>
+                    <a:bodyPr/>
+                    <a:lstStyle/>
+                    <a:p>
+                      <a:r>
+                        <a:rPr lang="en-US" dirty="0" smtClean="0"/>
+                        <a:t>shame</a:t>
+                      </a:r>
+                      <a:endParaRPr lang="en-US" dirty="0"/>
+                    </a:p>
+                  </a:txBody>
+                  <a:tcPr/>
+                </a:tc>
+                <a:tc>
+                  <a:txBody>
+                    <a:bodyPr/>
+                    <a:lstStyle/>
+                    <a:p>
+                      <a:r>
+                        <a:rPr lang="en-US" dirty="0" smtClean="0"/>
+                        <a:t>sadness</a:t>
                       </a:r>
                       <a:endParaRPr lang="en-US" dirty="0"/>
                     </a:p>
@@ -12753,294 +11426,7 @@
                 </a:tc>
                 <a:extLst>
                   <a:ext uri="{0D108BD9-81ED-4DB2-BD59-A6C34878D82A}">
-                    <a16:rowId xmlns:a16="http://schemas.microsoft.com/office/drawing/2014/main" val="1935783406"/>
-                  </a:ext>
-                </a:extLst>
-              </a:tr>
-            </a:tbl>
-          </a:graphicData>
-        </a:graphic>
-      </p:graphicFrame>
-      <p:sp>
-        <p:nvSpPr>
-          <p:cNvPr id="7" name="Rectangle 6"/>
-          <p:cNvSpPr/>
-          <p:nvPr/>
-        </p:nvSpPr>
-        <p:spPr>
-          <a:xfrm>
-            <a:off x="914399" y="2920256"/>
-            <a:ext cx="5181227" cy="523220"/>
-          </a:xfrm>
-          <a:prstGeom prst="rect">
-            <a:avLst/>
-          </a:prstGeom>
-        </p:spPr>
-        <p:txBody>
-          <a:bodyPr wrap="none">
-            <a:spAutoFit/>
-          </a:bodyPr>
-          <a:lstStyle/>
-          <a:p>
-            <a:r>
-              <a:rPr lang="en-US" dirty="0" smtClean="0"/>
-              <a:t> </a:t>
-            </a:r>
-            <a:r>
-              <a:rPr lang="en-US" dirty="0"/>
-              <a:t>using Expr emo (“This text expresses”+ emotion), </a:t>
-            </a:r>
-            <a:r>
-              <a:rPr lang="en-US" dirty="0" smtClean="0"/>
-              <a:t> </a:t>
-            </a:r>
-            <a:r>
-              <a:rPr lang="en-US" dirty="0"/>
-              <a:t>Tec dataset</a:t>
-            </a:r>
-          </a:p>
-          <a:p>
-            <a:pPr algn="ctr"/>
-            <a:endParaRPr lang="en-US" dirty="0"/>
-          </a:p>
-        </p:txBody>
-      </p:sp>
-      <p:graphicFrame>
-        <p:nvGraphicFramePr>
-          <p:cNvPr id="8" name="Table 7"/>
-          <p:cNvGraphicFramePr>
-            <a:graphicFrameLocks noGrp="1"/>
-          </p:cNvGraphicFramePr>
-          <p:nvPr>
-            <p:extLst>
-              <p:ext uri="{D42A27DB-BD31-4B8C-83A1-F6EECF244321}">
-                <p14:modId xmlns:p14="http://schemas.microsoft.com/office/powerpoint/2010/main" val="3290173230"/>
-              </p:ext>
-            </p:extLst>
-          </p:nvPr>
-        </p:nvGraphicFramePr>
-        <p:xfrm>
-          <a:off x="1017400" y="3271434"/>
-          <a:ext cx="6096000" cy="1259840"/>
-        </p:xfrm>
-        <a:graphic>
-          <a:graphicData uri="http://schemas.openxmlformats.org/drawingml/2006/table">
-            <a:tbl>
-              <a:tblPr firstRow="1" bandRow="1">
-                <a:tableStyleId>{5C22544A-7EE6-4342-B048-85BDC9FD1C3A}</a:tableStyleId>
-              </a:tblPr>
-              <a:tblGrid>
-                <a:gridCol w="1524000">
-                  <a:extLst>
-                    <a:ext uri="{9D8B030D-6E8A-4147-A177-3AD203B41FA5}">
-                      <a16:colId xmlns:a16="http://schemas.microsoft.com/office/drawing/2014/main" val="686520990"/>
-                    </a:ext>
-                  </a:extLst>
-                </a:gridCol>
-                <a:gridCol w="1524000">
-                  <a:extLst>
-                    <a:ext uri="{9D8B030D-6E8A-4147-A177-3AD203B41FA5}">
-                      <a16:colId xmlns:a16="http://schemas.microsoft.com/office/drawing/2014/main" val="3198480053"/>
-                    </a:ext>
-                  </a:extLst>
-                </a:gridCol>
-                <a:gridCol w="1524000">
-                  <a:extLst>
-                    <a:ext uri="{9D8B030D-6E8A-4147-A177-3AD203B41FA5}">
-                      <a16:colId xmlns:a16="http://schemas.microsoft.com/office/drawing/2014/main" val="2414982412"/>
-                    </a:ext>
-                  </a:extLst>
-                </a:gridCol>
-                <a:gridCol w="1524000">
-                  <a:extLst>
-                    <a:ext uri="{9D8B030D-6E8A-4147-A177-3AD203B41FA5}">
-                      <a16:colId xmlns:a16="http://schemas.microsoft.com/office/drawing/2014/main" val="633875311"/>
-                    </a:ext>
-                  </a:extLst>
-                </a:gridCol>
-              </a:tblGrid>
-              <a:tr h="370840">
-                <a:tc>
-                  <a:txBody>
-                    <a:bodyPr/>
-                    <a:lstStyle/>
-                    <a:p>
-                      <a:endParaRPr lang="en-US" dirty="0"/>
-                    </a:p>
-                  </a:txBody>
-                  <a:tcPr/>
-                </a:tc>
-                <a:tc>
-                  <a:txBody>
-                    <a:bodyPr/>
-                    <a:lstStyle/>
-                    <a:p>
-                      <a:r>
-                        <a:rPr lang="en-US" dirty="0" err="1" smtClean="0"/>
-                        <a:t>Deberta</a:t>
-                      </a:r>
-                      <a:endParaRPr lang="en-US" dirty="0"/>
-                    </a:p>
-                  </a:txBody>
-                  <a:tcPr/>
-                </a:tc>
-                <a:tc>
-                  <a:txBody>
-                    <a:bodyPr/>
-                    <a:lstStyle/>
-                    <a:p>
-                      <a:r>
-                        <a:rPr lang="en-US" dirty="0" smtClean="0"/>
-                        <a:t>Bart</a:t>
-                      </a:r>
-                      <a:endParaRPr lang="en-US" dirty="0"/>
-                    </a:p>
-                  </a:txBody>
-                  <a:tcPr/>
-                </a:tc>
-                <a:tc>
-                  <a:txBody>
-                    <a:bodyPr/>
-                    <a:lstStyle/>
-                    <a:p>
-                      <a:r>
-                        <a:rPr lang="en-US" dirty="0" smtClean="0"/>
-                        <a:t>Roberta</a:t>
-                      </a:r>
-                      <a:endParaRPr lang="en-US" dirty="0"/>
-                    </a:p>
-                  </a:txBody>
-                  <a:tcPr/>
-                </a:tc>
-                <a:extLst>
-                  <a:ext uri="{0D108BD9-81ED-4DB2-BD59-A6C34878D82A}">
-                    <a16:rowId xmlns:a16="http://schemas.microsoft.com/office/drawing/2014/main" val="2392536898"/>
-                  </a:ext>
-                </a:extLst>
-              </a:tr>
-              <a:tr h="370840">
-                <a:tc>
-                  <a:txBody>
-                    <a:bodyPr/>
-                    <a:lstStyle/>
-                    <a:p>
-                      <a:r>
-                        <a:rPr lang="en-US" dirty="0" smtClean="0"/>
-                        <a:t>Macro averaged F1</a:t>
-                      </a:r>
-                      <a:endParaRPr lang="en-US" dirty="0"/>
-                    </a:p>
-                  </a:txBody>
-                  <a:tcPr/>
-                </a:tc>
-                <a:tc>
-                  <a:txBody>
-                    <a:bodyPr/>
-                    <a:lstStyle/>
-                    <a:p>
-                      <a:r>
-                        <a:rPr lang="en-US" dirty="0" smtClean="0"/>
-                        <a:t>0.37</a:t>
-                      </a:r>
-                      <a:endParaRPr lang="en-US" dirty="0"/>
-                    </a:p>
-                  </a:txBody>
-                  <a:tcPr/>
-                </a:tc>
-                <a:tc>
-                  <a:txBody>
-                    <a:bodyPr/>
-                    <a:lstStyle/>
-                    <a:p>
-                      <a:r>
-                        <a:rPr lang="en-US" dirty="0" smtClean="0"/>
-                        <a:t>0.36</a:t>
-                      </a:r>
-                      <a:endParaRPr lang="en-US" dirty="0"/>
-                    </a:p>
-                  </a:txBody>
-                  <a:tcPr/>
-                </a:tc>
-                <a:tc>
-                  <a:txBody>
-                    <a:bodyPr/>
-                    <a:lstStyle/>
-                    <a:p>
-                      <a:r>
-                        <a:rPr lang="en-US" dirty="0" smtClean="0"/>
-                        <a:t>0.34</a:t>
-                      </a:r>
-                      <a:endParaRPr lang="en-US" dirty="0"/>
-                    </a:p>
-                  </a:txBody>
-                  <a:tcPr/>
-                </a:tc>
-                <a:extLst>
-                  <a:ext uri="{0D108BD9-81ED-4DB2-BD59-A6C34878D82A}">
-                    <a16:rowId xmlns:a16="http://schemas.microsoft.com/office/drawing/2014/main" val="1203568020"/>
-                  </a:ext>
-                </a:extLst>
-              </a:tr>
-              <a:tr h="370840">
-                <a:tc>
-                  <a:txBody>
-                    <a:bodyPr/>
-                    <a:lstStyle/>
-                    <a:p>
-                      <a:r>
-                        <a:rPr lang="en-US" dirty="0" smtClean="0"/>
-                        <a:t>accuracy</a:t>
-                      </a:r>
-                      <a:endParaRPr lang="en-US" dirty="0"/>
-                    </a:p>
-                  </a:txBody>
-                  <a:tcPr/>
-                </a:tc>
-                <a:tc>
-                  <a:txBody>
-                    <a:bodyPr/>
-                    <a:lstStyle/>
-                    <a:p>
-                      <a:r>
-                        <a:rPr lang="en-US" dirty="0" smtClean="0"/>
-                        <a:t>0.4</a:t>
-                      </a:r>
-                      <a:endParaRPr lang="en-US" dirty="0"/>
-                    </a:p>
-                  </a:txBody>
-                  <a:tcPr/>
-                </a:tc>
-                <a:tc>
-                  <a:txBody>
-                    <a:bodyPr/>
-                    <a:lstStyle/>
-                    <a:p>
-                      <a:r>
-                        <a:rPr lang="en-US" dirty="0" smtClean="0"/>
-                        <a:t>0.4</a:t>
-                      </a:r>
-                      <a:endParaRPr lang="en-US" dirty="0"/>
-                    </a:p>
-                  </a:txBody>
-                  <a:tcPr/>
-                </a:tc>
-                <a:tc>
-                  <a:txBody>
-                    <a:bodyPr/>
-                    <a:lstStyle/>
-                    <a:p>
-                      <a:r>
-                        <a:rPr lang="en-US" dirty="0" smtClean="0"/>
-                        <a:t>0.37</a:t>
-                      </a:r>
-                      <a:endParaRPr lang="en-US" dirty="0"/>
-                    </a:p>
-                  </a:txBody>
-                  <a:tcPr/>
-                </a:tc>
-                <a:extLst>
-                  <a:ext uri="{0D108BD9-81ED-4DB2-BD59-A6C34878D82A}">
-                    <a16:rowId xmlns:a16="http://schemas.microsoft.com/office/drawing/2014/main" val="1935783406"/>
+                    <a16:rowId xmlns:a16="http://schemas.microsoft.com/office/drawing/2014/main" val="2546805726"/>
                   </a:ext>
                 </a:extLst>
               </a:tr>
@@ -13051,7 +11437,7 @@
     </p:spTree>
     <p:extLst>
       <p:ext uri="{BB962C8B-B14F-4D97-AF65-F5344CB8AC3E}">
-        <p14:creationId xmlns:p14="http://schemas.microsoft.com/office/powerpoint/2010/main" val="2604297612"/>
+        <p14:creationId xmlns:p14="http://schemas.microsoft.com/office/powerpoint/2010/main" val="321643588"/>
       </p:ext>
     </p:extLst>
   </p:cSld>
@@ -13098,11 +11484,11 @@
             </a:pPr>
             <a:r>
               <a:rPr lang="en-US" b="1" dirty="0"/>
-              <a:t>Zero shot emotion classification using different templates (Tec dataset</a:t>
+              <a:t>Comparing the improved instances and not improved </a:t>
             </a:r>
             <a:r>
               <a:rPr lang="en-US" b="1" dirty="0" smtClean="0"/>
-              <a:t>) (Review)</a:t>
+              <a:t>ones (Tec dataset)</a:t>
             </a:r>
             <a:endParaRPr lang="en-US" dirty="0"/>
           </a:p>
@@ -13140,16 +11526,359 @@
           </a:p>
         </p:txBody>
       </p:sp>
+      <p:graphicFrame>
+        <p:nvGraphicFramePr>
+          <p:cNvPr id="5" name="Table 4"/>
+          <p:cNvGraphicFramePr>
+            <a:graphicFrameLocks noGrp="1"/>
+          </p:cNvGraphicFramePr>
+          <p:nvPr>
+            <p:extLst>
+              <p:ext uri="{D42A27DB-BD31-4B8C-83A1-F6EECF244321}">
+                <p14:modId xmlns:p14="http://schemas.microsoft.com/office/powerpoint/2010/main" val="3235022128"/>
+              </p:ext>
+            </p:extLst>
+          </p:nvPr>
+        </p:nvGraphicFramePr>
+        <p:xfrm>
+          <a:off x="449586" y="1247810"/>
+          <a:ext cx="7373255" cy="2621280"/>
+        </p:xfrm>
+        <a:graphic>
+          <a:graphicData uri="http://schemas.openxmlformats.org/drawingml/2006/table">
+            <a:tbl>
+              <a:tblPr firstRow="1" bandRow="1">
+                <a:tableStyleId>{5C22544A-7EE6-4342-B048-85BDC9FD1C3A}</a:tableStyleId>
+              </a:tblPr>
+              <a:tblGrid>
+                <a:gridCol w="1474651">
+                  <a:extLst>
+                    <a:ext uri="{9D8B030D-6E8A-4147-A177-3AD203B41FA5}">
+                      <a16:colId xmlns:a16="http://schemas.microsoft.com/office/drawing/2014/main" val="647224531"/>
+                    </a:ext>
+                  </a:extLst>
+                </a:gridCol>
+                <a:gridCol w="1474651">
+                  <a:extLst>
+                    <a:ext uri="{9D8B030D-6E8A-4147-A177-3AD203B41FA5}">
+                      <a16:colId xmlns:a16="http://schemas.microsoft.com/office/drawing/2014/main" val="282368679"/>
+                    </a:ext>
+                  </a:extLst>
+                </a:gridCol>
+                <a:gridCol w="1474651">
+                  <a:extLst>
+                    <a:ext uri="{9D8B030D-6E8A-4147-A177-3AD203B41FA5}">
+                      <a16:colId xmlns:a16="http://schemas.microsoft.com/office/drawing/2014/main" val="3896516020"/>
+                    </a:ext>
+                  </a:extLst>
+                </a:gridCol>
+                <a:gridCol w="1474651">
+                  <a:extLst>
+                    <a:ext uri="{9D8B030D-6E8A-4147-A177-3AD203B41FA5}">
+                      <a16:colId xmlns:a16="http://schemas.microsoft.com/office/drawing/2014/main" val="2699550185"/>
+                    </a:ext>
+                  </a:extLst>
+                </a:gridCol>
+                <a:gridCol w="1474651">
+                  <a:extLst>
+                    <a:ext uri="{9D8B030D-6E8A-4147-A177-3AD203B41FA5}">
+                      <a16:colId xmlns:a16="http://schemas.microsoft.com/office/drawing/2014/main" val="4059900520"/>
+                    </a:ext>
+                  </a:extLst>
+                </a:gridCol>
+              </a:tblGrid>
+              <a:tr h="370840">
+                <a:tc>
+                  <a:txBody>
+                    <a:bodyPr/>
+                    <a:lstStyle/>
+                    <a:p>
+                      <a:r>
+                        <a:rPr lang="en-US" dirty="0" smtClean="0"/>
+                        <a:t>True label</a:t>
+                      </a:r>
+                      <a:endParaRPr lang="en-US" dirty="0"/>
+                    </a:p>
+                  </a:txBody>
+                  <a:tcPr/>
+                </a:tc>
+                <a:tc>
+                  <a:txBody>
+                    <a:bodyPr/>
+                    <a:lstStyle/>
+                    <a:p>
+                      <a:r>
+                        <a:rPr lang="en-US" dirty="0" smtClean="0"/>
+                        <a:t>text</a:t>
+                      </a:r>
+                      <a:endParaRPr lang="en-US" dirty="0"/>
+                    </a:p>
+                  </a:txBody>
+                  <a:tcPr/>
+                </a:tc>
+                <a:tc>
+                  <a:txBody>
+                    <a:bodyPr/>
+                    <a:lstStyle/>
+                    <a:p>
+                      <a:r>
+                        <a:rPr lang="en-US" dirty="0" smtClean="0"/>
+                        <a:t>Emo name</a:t>
+                      </a:r>
+                      <a:endParaRPr lang="en-US" dirty="0"/>
+                    </a:p>
+                  </a:txBody>
+                  <a:tcPr/>
+                </a:tc>
+                <a:tc>
+                  <a:txBody>
+                    <a:bodyPr/>
+                    <a:lstStyle/>
+                    <a:p>
+                      <a:r>
+                        <a:rPr lang="en-US" dirty="0" smtClean="0"/>
+                        <a:t>Emotion</a:t>
+                      </a:r>
+                      <a:r>
+                        <a:rPr lang="en-US" baseline="0" dirty="0" smtClean="0"/>
+                        <a:t> prompt</a:t>
+                      </a:r>
+                      <a:endParaRPr lang="en-US" dirty="0"/>
+                    </a:p>
+                  </a:txBody>
+                  <a:tcPr/>
+                </a:tc>
+                <a:tc>
+                  <a:txBody>
+                    <a:bodyPr/>
+                    <a:lstStyle/>
+                    <a:p>
+                      <a:r>
+                        <a:rPr lang="en-US" dirty="0" smtClean="0"/>
+                        <a:t>Feels emo</a:t>
+                      </a:r>
+                      <a:endParaRPr lang="en-US" dirty="0"/>
+                    </a:p>
+                  </a:txBody>
+                  <a:tcPr/>
+                </a:tc>
+                <a:extLst>
+                  <a:ext uri="{0D108BD9-81ED-4DB2-BD59-A6C34878D82A}">
+                    <a16:rowId xmlns:a16="http://schemas.microsoft.com/office/drawing/2014/main" val="2881809219"/>
+                  </a:ext>
+                </a:extLst>
+              </a:tr>
+              <a:tr h="370840">
+                <a:tc>
+                  <a:txBody>
+                    <a:bodyPr/>
+                    <a:lstStyle/>
+                    <a:p>
+                      <a:r>
+                        <a:rPr lang="en-US" dirty="0" smtClean="0"/>
+                        <a:t>anger</a:t>
+                      </a:r>
+                      <a:endParaRPr lang="en-US" dirty="0"/>
+                    </a:p>
+                  </a:txBody>
+                  <a:tcPr/>
+                </a:tc>
+                <a:tc>
+                  <a:txBody>
+                    <a:bodyPr/>
+                    <a:lstStyle/>
+                    <a:p>
+                      <a:r>
+                        <a:rPr lang="en-US" sz="1400" b="0" i="0" u="none" strike="noStrike" cap="none" dirty="0" smtClean="0">
+                          <a:solidFill>
+                            <a:schemeClr val="dk1"/>
+                          </a:solidFill>
+                          <a:effectLst/>
+                          <a:latin typeface="+mn-lt"/>
+                          <a:ea typeface="+mn-ea"/>
+                          <a:cs typeface="+mn-cs"/>
+                          <a:sym typeface="Arial"/>
+                        </a:rPr>
+                        <a:t> I </a:t>
+                      </a:r>
+                      <a:r>
+                        <a:rPr lang="en-US" sz="1400" b="0" i="0" u="none" strike="noStrike" cap="none" dirty="0" smtClean="0">
+                          <a:solidFill>
+                            <a:schemeClr val="dk1"/>
+                          </a:solidFill>
+                          <a:effectLst/>
+                          <a:latin typeface="+mn-lt"/>
+                          <a:ea typeface="+mn-ea"/>
+                          <a:cs typeface="+mn-cs"/>
+                          <a:sym typeface="Arial"/>
+                        </a:rPr>
+                        <a:t>broke my glasses in </a:t>
+                      </a:r>
+                      <a:r>
+                        <a:rPr lang="en-US" sz="1400" b="0" i="0" u="none" strike="noStrike" cap="none" dirty="0" smtClean="0">
+                          <a:solidFill>
+                            <a:schemeClr val="dk1"/>
+                          </a:solidFill>
+                          <a:effectLst/>
+                          <a:latin typeface="+mn-lt"/>
+                          <a:ea typeface="+mn-ea"/>
+                          <a:cs typeface="+mn-cs"/>
+                          <a:sym typeface="Arial"/>
+                        </a:rPr>
+                        <a:t>half</a:t>
+                      </a:r>
+                      <a:endParaRPr lang="en-US" dirty="0"/>
+                    </a:p>
+                  </a:txBody>
+                  <a:tcPr/>
+                </a:tc>
+                <a:tc>
+                  <a:txBody>
+                    <a:bodyPr/>
+                    <a:lstStyle/>
+                    <a:p>
+                      <a:r>
+                        <a:rPr lang="en-US" dirty="0" smtClean="0"/>
+                        <a:t>sadness</a:t>
+                      </a:r>
+                      <a:endParaRPr lang="en-US" dirty="0"/>
+                    </a:p>
+                  </a:txBody>
+                  <a:tcPr/>
+                </a:tc>
+                <a:tc>
+                  <a:txBody>
+                    <a:bodyPr/>
+                    <a:lstStyle/>
+                    <a:p>
+                      <a:r>
+                        <a:rPr lang="en-US" dirty="0" smtClean="0"/>
+                        <a:t>anger</a:t>
+                      </a:r>
+                      <a:endParaRPr lang="en-US" dirty="0"/>
+                    </a:p>
+                  </a:txBody>
+                  <a:tcPr/>
+                </a:tc>
+                <a:tc>
+                  <a:txBody>
+                    <a:bodyPr/>
+                    <a:lstStyle/>
+                    <a:p>
+                      <a:r>
+                        <a:rPr lang="en-US" dirty="0" smtClean="0"/>
+                        <a:t>sadness</a:t>
+                      </a:r>
+                      <a:endParaRPr lang="en-US" dirty="0"/>
+                    </a:p>
+                  </a:txBody>
+                  <a:tcPr/>
+                </a:tc>
+                <a:extLst>
+                  <a:ext uri="{0D108BD9-81ED-4DB2-BD59-A6C34878D82A}">
+                    <a16:rowId xmlns:a16="http://schemas.microsoft.com/office/drawing/2014/main" val="625682721"/>
+                  </a:ext>
+                </a:extLst>
+              </a:tr>
+              <a:tr h="370840">
+                <a:tc>
+                  <a:txBody>
+                    <a:bodyPr/>
+                    <a:lstStyle/>
+                    <a:p>
+                      <a:r>
+                        <a:rPr lang="en-US" dirty="0" smtClean="0"/>
+                        <a:t>anger</a:t>
+                      </a:r>
+                      <a:endParaRPr lang="en-US" dirty="0"/>
+                    </a:p>
+                  </a:txBody>
+                  <a:tcPr/>
+                </a:tc>
+                <a:tc>
+                  <a:txBody>
+                    <a:bodyPr/>
+                    <a:lstStyle/>
+                    <a:p>
+                      <a:r>
+                        <a:rPr lang="en-US" dirty="0" smtClean="0"/>
+                        <a:t>It's </a:t>
+                      </a:r>
+                      <a:r>
+                        <a:rPr lang="en-US" dirty="0" smtClean="0"/>
+                        <a:t>really frustrating when </a:t>
+                      </a:r>
+                      <a:r>
+                        <a:rPr lang="en-US" dirty="0" smtClean="0"/>
+                        <a:t>your professors don't email back or show up for their office hours. </a:t>
+                      </a:r>
+                      <a:endParaRPr lang="en-US" dirty="0"/>
+                    </a:p>
+                  </a:txBody>
+                  <a:tcPr/>
+                </a:tc>
+                <a:tc>
+                  <a:txBody>
+                    <a:bodyPr/>
+                    <a:lstStyle/>
+                    <a:p>
+                      <a:r>
+                        <a:rPr lang="en-US" dirty="0" smtClean="0"/>
+                        <a:t>disgust</a:t>
+                      </a:r>
+                      <a:endParaRPr lang="en-US" dirty="0"/>
+                    </a:p>
+                  </a:txBody>
+                  <a:tcPr/>
+                </a:tc>
+                <a:tc>
+                  <a:txBody>
+                    <a:bodyPr/>
+                    <a:lstStyle/>
+                    <a:p>
+                      <a:r>
+                        <a:rPr lang="en-US" dirty="0" smtClean="0"/>
+                        <a:t>anger</a:t>
+                      </a:r>
+                      <a:endParaRPr lang="en-US" dirty="0"/>
+                    </a:p>
+                  </a:txBody>
+                  <a:tcPr/>
+                </a:tc>
+                <a:tc>
+                  <a:txBody>
+                    <a:bodyPr/>
+                    <a:lstStyle/>
+                    <a:p>
+                      <a:r>
+                        <a:rPr lang="en-US" dirty="0" smtClean="0"/>
+                        <a:t>fear</a:t>
+                      </a:r>
+                      <a:endParaRPr lang="en-US" dirty="0"/>
+                    </a:p>
+                  </a:txBody>
+                  <a:tcPr/>
+                </a:tc>
+                <a:extLst>
+                  <a:ext uri="{0D108BD9-81ED-4DB2-BD59-A6C34878D82A}">
+                    <a16:rowId xmlns:a16="http://schemas.microsoft.com/office/drawing/2014/main" val="2293196266"/>
+                  </a:ext>
+                </a:extLst>
+              </a:tr>
+            </a:tbl>
+          </a:graphicData>
+        </a:graphic>
+      </p:graphicFrame>
       <p:sp>
         <p:nvSpPr>
-          <p:cNvPr id="5" name="TextBox 4"/>
+          <p:cNvPr id="7" name="TextBox 6"/>
           <p:cNvSpPr txBox="1"/>
           <p:nvPr/>
         </p:nvSpPr>
         <p:spPr>
           <a:xfrm>
-            <a:off x="624637" y="737879"/>
-            <a:ext cx="6779772" cy="738664"/>
+            <a:off x="558441" y="3864400"/>
+            <a:ext cx="8040914" cy="738664"/>
           </a:xfrm>
           <a:prstGeom prst="rect">
             <a:avLst/>
@@ -13162,319 +11891,86 @@
           </a:bodyPr>
           <a:lstStyle/>
           <a:p>
+            <a:endParaRPr lang="en-US" dirty="0" smtClean="0"/>
+          </a:p>
+          <a:p>
             <a:r>
               <a:rPr lang="en-US" dirty="0" smtClean="0"/>
-              <a:t> using emotion prompt </a:t>
+              <a:t>There </a:t>
+            </a:r>
+            <a:r>
+              <a:rPr lang="en-US" dirty="0" smtClean="0"/>
+              <a:t>are some tokens related to the emotions in the sentences (broke related to anger, frustrating related to </a:t>
             </a:r>
             <a:r>
               <a:rPr lang="en-US" dirty="0"/>
-              <a:t>(“</a:t>
+              <a:t>anger), but the predicted emotion by </a:t>
+            </a:r>
+            <a:r>
+              <a:rPr lang="en-US" dirty="0" err="1"/>
+              <a:t>feels_emo</a:t>
+            </a:r>
+            <a:r>
+              <a:rPr lang="en-US" dirty="0"/>
+              <a:t> can be </a:t>
             </a:r>
             <a:r>
               <a:rPr lang="en-US" dirty="0" smtClean="0"/>
-              <a:t>The emotion is ”+ </a:t>
-            </a:r>
-            <a:r>
-              <a:rPr lang="en-US" dirty="0"/>
-              <a:t>emotion),  Tec dataset</a:t>
-            </a:r>
-          </a:p>
-          <a:p>
-            <a:pPr algn="ctr"/>
-            <a:endParaRPr lang="en-US" dirty="0"/>
-          </a:p>
-          <a:p>
+              <a:t>reasonable. </a:t>
+            </a:r>
             <a:endParaRPr lang="en-US" dirty="0"/>
           </a:p>
         </p:txBody>
       </p:sp>
-      <p:graphicFrame>
-        <p:nvGraphicFramePr>
-          <p:cNvPr id="6" name="Table 5"/>
-          <p:cNvGraphicFramePr>
-            <a:graphicFrameLocks noGrp="1"/>
-          </p:cNvGraphicFramePr>
-          <p:nvPr>
-            <p:extLst>
-              <p:ext uri="{D42A27DB-BD31-4B8C-83A1-F6EECF244321}">
-                <p14:modId xmlns:p14="http://schemas.microsoft.com/office/powerpoint/2010/main" val="1838285883"/>
-              </p:ext>
-            </p:extLst>
-          </p:nvPr>
-        </p:nvGraphicFramePr>
-        <p:xfrm>
-          <a:off x="910251" y="1250587"/>
-          <a:ext cx="6096000" cy="1259840"/>
-        </p:xfrm>
-        <a:graphic>
-          <a:graphicData uri="http://schemas.openxmlformats.org/drawingml/2006/table">
-            <a:tbl>
-              <a:tblPr firstRow="1" bandRow="1">
-                <a:tableStyleId>{5C22544A-7EE6-4342-B048-85BDC9FD1C3A}</a:tableStyleId>
-              </a:tblPr>
-              <a:tblGrid>
-                <a:gridCol w="1524000">
-                  <a:extLst>
-                    <a:ext uri="{9D8B030D-6E8A-4147-A177-3AD203B41FA5}">
-                      <a16:colId xmlns:a16="http://schemas.microsoft.com/office/drawing/2014/main" val="686520990"/>
-                    </a:ext>
-                  </a:extLst>
-                </a:gridCol>
-                <a:gridCol w="1524000">
-                  <a:extLst>
-                    <a:ext uri="{9D8B030D-6E8A-4147-A177-3AD203B41FA5}">
-                      <a16:colId xmlns:a16="http://schemas.microsoft.com/office/drawing/2014/main" val="3198480053"/>
-                    </a:ext>
-                  </a:extLst>
-                </a:gridCol>
-                <a:gridCol w="1524000">
-                  <a:extLst>
-                    <a:ext uri="{9D8B030D-6E8A-4147-A177-3AD203B41FA5}">
-                      <a16:colId xmlns:a16="http://schemas.microsoft.com/office/drawing/2014/main" val="2414982412"/>
-                    </a:ext>
-                  </a:extLst>
-                </a:gridCol>
-                <a:gridCol w="1524000">
-                  <a:extLst>
-                    <a:ext uri="{9D8B030D-6E8A-4147-A177-3AD203B41FA5}">
-                      <a16:colId xmlns:a16="http://schemas.microsoft.com/office/drawing/2014/main" val="633875311"/>
-                    </a:ext>
-                  </a:extLst>
-                </a:gridCol>
-              </a:tblGrid>
-              <a:tr h="370840">
-                <a:tc>
-                  <a:txBody>
-                    <a:bodyPr/>
-                    <a:lstStyle/>
-                    <a:p>
-                      <a:endParaRPr lang="en-US" dirty="0"/>
-                    </a:p>
-                  </a:txBody>
-                  <a:tcPr/>
-                </a:tc>
-                <a:tc>
-                  <a:txBody>
-                    <a:bodyPr/>
-                    <a:lstStyle/>
-                    <a:p>
-                      <a:r>
-                        <a:rPr lang="en-US" dirty="0" err="1" smtClean="0"/>
-                        <a:t>Deberta</a:t>
-                      </a:r>
-                      <a:endParaRPr lang="en-US" dirty="0"/>
-                    </a:p>
-                  </a:txBody>
-                  <a:tcPr/>
-                </a:tc>
-                <a:tc>
-                  <a:txBody>
-                    <a:bodyPr/>
-                    <a:lstStyle/>
-                    <a:p>
-                      <a:r>
-                        <a:rPr lang="en-US" dirty="0" smtClean="0"/>
-                        <a:t>Bart</a:t>
-                      </a:r>
-                      <a:endParaRPr lang="en-US" dirty="0"/>
-                    </a:p>
-                  </a:txBody>
-                  <a:tcPr/>
-                </a:tc>
-                <a:tc>
-                  <a:txBody>
-                    <a:bodyPr/>
-                    <a:lstStyle/>
-                    <a:p>
-                      <a:r>
-                        <a:rPr lang="en-US" dirty="0" smtClean="0"/>
-                        <a:t>Roberta</a:t>
-                      </a:r>
-                      <a:endParaRPr lang="en-US" dirty="0"/>
-                    </a:p>
-                  </a:txBody>
-                  <a:tcPr/>
-                </a:tc>
-                <a:extLst>
-                  <a:ext uri="{0D108BD9-81ED-4DB2-BD59-A6C34878D82A}">
-                    <a16:rowId xmlns:a16="http://schemas.microsoft.com/office/drawing/2014/main" val="2392536898"/>
-                  </a:ext>
-                </a:extLst>
-              </a:tr>
-              <a:tr h="370840">
-                <a:tc>
-                  <a:txBody>
-                    <a:bodyPr/>
-                    <a:lstStyle/>
-                    <a:p>
-                      <a:r>
-                        <a:rPr lang="en-US" dirty="0" smtClean="0"/>
-                        <a:t>Macro averaged F1</a:t>
-                      </a:r>
-                      <a:endParaRPr lang="en-US" dirty="0"/>
-                    </a:p>
-                  </a:txBody>
-                  <a:tcPr/>
-                </a:tc>
-                <a:tc>
-                  <a:txBody>
-                    <a:bodyPr/>
-                    <a:lstStyle/>
-                    <a:p>
-                      <a:r>
-                        <a:rPr lang="en-US" dirty="0" smtClean="0"/>
-                        <a:t>0.4</a:t>
-                      </a:r>
-                      <a:endParaRPr lang="en-US" dirty="0"/>
-                    </a:p>
-                  </a:txBody>
-                  <a:tcPr/>
-                </a:tc>
-                <a:tc>
-                  <a:txBody>
-                    <a:bodyPr/>
-                    <a:lstStyle/>
-                    <a:p>
-                      <a:r>
-                        <a:rPr lang="en-US" dirty="0" smtClean="0"/>
-                        <a:t>0.37</a:t>
-                      </a:r>
-                      <a:endParaRPr lang="en-US" dirty="0"/>
-                    </a:p>
-                  </a:txBody>
-                  <a:tcPr/>
-                </a:tc>
-                <a:tc>
-                  <a:txBody>
-                    <a:bodyPr/>
-                    <a:lstStyle/>
-                    <a:p>
-                      <a:r>
-                        <a:rPr lang="en-US" dirty="0" smtClean="0"/>
-                        <a:t>0.4</a:t>
-                      </a:r>
-                      <a:endParaRPr lang="en-US" dirty="0"/>
-                    </a:p>
-                  </a:txBody>
-                  <a:tcPr/>
-                </a:tc>
-                <a:extLst>
-                  <a:ext uri="{0D108BD9-81ED-4DB2-BD59-A6C34878D82A}">
-                    <a16:rowId xmlns:a16="http://schemas.microsoft.com/office/drawing/2014/main" val="1203568020"/>
-                  </a:ext>
-                </a:extLst>
-              </a:tr>
-              <a:tr h="370840">
-                <a:tc>
-                  <a:txBody>
-                    <a:bodyPr/>
-                    <a:lstStyle/>
-                    <a:p>
-                      <a:r>
-                        <a:rPr lang="en-US" dirty="0" smtClean="0"/>
-                        <a:t>accuracy</a:t>
-                      </a:r>
-                      <a:endParaRPr lang="en-US" dirty="0"/>
-                    </a:p>
-                  </a:txBody>
-                  <a:tcPr/>
-                </a:tc>
-                <a:tc>
-                  <a:txBody>
-                    <a:bodyPr/>
-                    <a:lstStyle/>
-                    <a:p>
-                      <a:r>
-                        <a:rPr lang="en-US" dirty="0" smtClean="0"/>
-                        <a:t>0.42</a:t>
-                      </a:r>
-                      <a:endParaRPr lang="en-US" dirty="0"/>
-                    </a:p>
-                  </a:txBody>
-                  <a:tcPr/>
-                </a:tc>
-                <a:tc>
-                  <a:txBody>
-                    <a:bodyPr/>
-                    <a:lstStyle/>
-                    <a:p>
-                      <a:r>
-                        <a:rPr lang="en-US" dirty="0" smtClean="0"/>
-                        <a:t>0.4</a:t>
-                      </a:r>
-                      <a:endParaRPr lang="en-US" dirty="0"/>
-                    </a:p>
-                  </a:txBody>
-                  <a:tcPr/>
-                </a:tc>
-                <a:tc>
-                  <a:txBody>
-                    <a:bodyPr/>
-                    <a:lstStyle/>
-                    <a:p>
-                      <a:r>
-                        <a:rPr lang="en-US" dirty="0" smtClean="0"/>
-                        <a:t>0.42</a:t>
-                      </a:r>
-                      <a:endParaRPr lang="en-US" dirty="0"/>
-                    </a:p>
-                  </a:txBody>
-                  <a:tcPr/>
-                </a:tc>
-                <a:extLst>
-                  <a:ext uri="{0D108BD9-81ED-4DB2-BD59-A6C34878D82A}">
-                    <a16:rowId xmlns:a16="http://schemas.microsoft.com/office/drawing/2014/main" val="1935783406"/>
-                  </a:ext>
-                </a:extLst>
-              </a:tr>
-            </a:tbl>
-          </a:graphicData>
-        </a:graphic>
-      </p:graphicFrame>
       <p:sp>
         <p:nvSpPr>
-          <p:cNvPr id="7" name="Rectangle 6"/>
-          <p:cNvSpPr/>
+          <p:cNvPr id="8" name="TextBox 7"/>
+          <p:cNvSpPr txBox="1"/>
           <p:nvPr/>
         </p:nvSpPr>
         <p:spPr>
           <a:xfrm>
-            <a:off x="910251" y="2797179"/>
-            <a:ext cx="5875326" cy="523220"/>
+            <a:off x="558441" y="659397"/>
+            <a:ext cx="7910643" cy="738664"/>
           </a:xfrm>
           <a:prstGeom prst="rect">
             <a:avLst/>
           </a:prstGeom>
+          <a:noFill/>
         </p:spPr>
         <p:txBody>
-          <a:bodyPr wrap="none">
+          <a:bodyPr wrap="square" rtlCol="0">
             <a:spAutoFit/>
           </a:bodyPr>
           <a:lstStyle/>
           <a:p>
             <a:r>
+              <a:rPr lang="en-US" dirty="0"/>
+              <a:t>Some sample sentences that using </a:t>
+            </a:r>
+            <a:r>
               <a:rPr lang="en-US" dirty="0" smtClean="0"/>
-              <a:t> </a:t>
+              <a:t>emotion </a:t>
             </a:r>
             <a:r>
               <a:rPr lang="en-US" dirty="0"/>
-              <a:t>using </a:t>
+              <a:t>prompt could lead to improvement but </a:t>
+            </a:r>
+            <a:r>
+              <a:rPr lang="en-US" dirty="0" err="1"/>
+              <a:t>feels_emo</a:t>
+            </a:r>
+            <a:r>
+              <a:rPr lang="en-US" dirty="0"/>
+              <a:t> could not </a:t>
             </a:r>
             <a:r>
               <a:rPr lang="en-US" dirty="0" smtClean="0"/>
-              <a:t>feels emo </a:t>
+              <a:t>(Tec </a:t>
             </a:r>
             <a:r>
               <a:rPr lang="en-US" dirty="0"/>
-              <a:t>prompt (“</a:t>
-            </a:r>
-            <a:r>
-              <a:rPr lang="en-US" dirty="0" smtClean="0"/>
-              <a:t>This person feels </a:t>
-            </a:r>
-            <a:r>
-              <a:rPr lang="en-US" dirty="0"/>
-              <a:t>”+ emotion),  Tec dataset</a:t>
+              <a:t>dataset) </a:t>
             </a:r>
           </a:p>
           <a:p>
@@ -13482,253 +11978,10 @@
           </a:p>
         </p:txBody>
       </p:sp>
-      <p:graphicFrame>
-        <p:nvGraphicFramePr>
-          <p:cNvPr id="8" name="Table 7"/>
-          <p:cNvGraphicFramePr>
-            <a:graphicFrameLocks noGrp="1"/>
-          </p:cNvGraphicFramePr>
-          <p:nvPr>
-            <p:extLst>
-              <p:ext uri="{D42A27DB-BD31-4B8C-83A1-F6EECF244321}">
-                <p14:modId xmlns:p14="http://schemas.microsoft.com/office/powerpoint/2010/main" val="2700781702"/>
-              </p:ext>
-            </p:extLst>
-          </p:nvPr>
-        </p:nvGraphicFramePr>
-        <p:xfrm>
-          <a:off x="910251" y="3320399"/>
-          <a:ext cx="6096000" cy="1259840"/>
-        </p:xfrm>
-        <a:graphic>
-          <a:graphicData uri="http://schemas.openxmlformats.org/drawingml/2006/table">
-            <a:tbl>
-              <a:tblPr firstRow="1" bandRow="1">
-                <a:tableStyleId>{5C22544A-7EE6-4342-B048-85BDC9FD1C3A}</a:tableStyleId>
-              </a:tblPr>
-              <a:tblGrid>
-                <a:gridCol w="1524000">
-                  <a:extLst>
-                    <a:ext uri="{9D8B030D-6E8A-4147-A177-3AD203B41FA5}">
-                      <a16:colId xmlns:a16="http://schemas.microsoft.com/office/drawing/2014/main" val="686520990"/>
-                    </a:ext>
-                  </a:extLst>
-                </a:gridCol>
-                <a:gridCol w="1524000">
-                  <a:extLst>
-                    <a:ext uri="{9D8B030D-6E8A-4147-A177-3AD203B41FA5}">
-                      <a16:colId xmlns:a16="http://schemas.microsoft.com/office/drawing/2014/main" val="3198480053"/>
-                    </a:ext>
-                  </a:extLst>
-                </a:gridCol>
-                <a:gridCol w="1524000">
-                  <a:extLst>
-                    <a:ext uri="{9D8B030D-6E8A-4147-A177-3AD203B41FA5}">
-                      <a16:colId xmlns:a16="http://schemas.microsoft.com/office/drawing/2014/main" val="2414982412"/>
-                    </a:ext>
-                  </a:extLst>
-                </a:gridCol>
-                <a:gridCol w="1524000">
-                  <a:extLst>
-                    <a:ext uri="{9D8B030D-6E8A-4147-A177-3AD203B41FA5}">
-                      <a16:colId xmlns:a16="http://schemas.microsoft.com/office/drawing/2014/main" val="633875311"/>
-                    </a:ext>
-                  </a:extLst>
-                </a:gridCol>
-              </a:tblGrid>
-              <a:tr h="370840">
-                <a:tc>
-                  <a:txBody>
-                    <a:bodyPr/>
-                    <a:lstStyle/>
-                    <a:p>
-                      <a:endParaRPr lang="en-US" dirty="0"/>
-                    </a:p>
-                  </a:txBody>
-                  <a:tcPr/>
-                </a:tc>
-                <a:tc>
-                  <a:txBody>
-                    <a:bodyPr/>
-                    <a:lstStyle/>
-                    <a:p>
-                      <a:r>
-                        <a:rPr lang="en-US" dirty="0" err="1" smtClean="0"/>
-                        <a:t>Deberta</a:t>
-                      </a:r>
-                      <a:endParaRPr lang="en-US" dirty="0"/>
-                    </a:p>
-                  </a:txBody>
-                  <a:tcPr/>
-                </a:tc>
-                <a:tc>
-                  <a:txBody>
-                    <a:bodyPr/>
-                    <a:lstStyle/>
-                    <a:p>
-                      <a:r>
-                        <a:rPr lang="en-US" dirty="0" smtClean="0"/>
-                        <a:t>Bart</a:t>
-                      </a:r>
-                      <a:endParaRPr lang="en-US" dirty="0"/>
-                    </a:p>
-                  </a:txBody>
-                  <a:tcPr/>
-                </a:tc>
-                <a:tc>
-                  <a:txBody>
-                    <a:bodyPr/>
-                    <a:lstStyle/>
-                    <a:p>
-                      <a:r>
-                        <a:rPr lang="en-US" dirty="0" smtClean="0"/>
-                        <a:t>Roberta</a:t>
-                      </a:r>
-                      <a:endParaRPr lang="en-US" dirty="0"/>
-                    </a:p>
-                  </a:txBody>
-                  <a:tcPr/>
-                </a:tc>
-                <a:extLst>
-                  <a:ext uri="{0D108BD9-81ED-4DB2-BD59-A6C34878D82A}">
-                    <a16:rowId xmlns:a16="http://schemas.microsoft.com/office/drawing/2014/main" val="2392536898"/>
-                  </a:ext>
-                </a:extLst>
-              </a:tr>
-              <a:tr h="370840">
-                <a:tc>
-                  <a:txBody>
-                    <a:bodyPr/>
-                    <a:lstStyle/>
-                    <a:p>
-                      <a:r>
-                        <a:rPr lang="en-US" dirty="0" smtClean="0"/>
-                        <a:t>Macro averaged F1</a:t>
-                      </a:r>
-                      <a:endParaRPr lang="en-US" dirty="0"/>
-                    </a:p>
-                  </a:txBody>
-                  <a:tcPr/>
-                </a:tc>
-                <a:tc>
-                  <a:txBody>
-                    <a:bodyPr/>
-                    <a:lstStyle/>
-                    <a:p>
-                      <a:r>
-                        <a:rPr lang="en-US" dirty="0" smtClean="0"/>
-                        <a:t>0.38</a:t>
-                      </a:r>
-                      <a:endParaRPr lang="en-US" dirty="0"/>
-                    </a:p>
-                  </a:txBody>
-                  <a:tcPr/>
-                </a:tc>
-                <a:tc>
-                  <a:txBody>
-                    <a:bodyPr/>
-                    <a:lstStyle/>
-                    <a:p>
-                      <a:r>
-                        <a:rPr lang="en-US" dirty="0" smtClean="0"/>
-                        <a:t>0.36</a:t>
-                      </a:r>
-                      <a:endParaRPr lang="en-US" dirty="0"/>
-                    </a:p>
-                  </a:txBody>
-                  <a:tcPr/>
-                </a:tc>
-                <a:tc>
-                  <a:txBody>
-                    <a:bodyPr/>
-                    <a:lstStyle/>
-                    <a:p>
-                      <a:r>
-                        <a:rPr lang="en-US" dirty="0" smtClean="0"/>
-                        <a:t>0.35</a:t>
-                      </a:r>
-                      <a:endParaRPr lang="en-US" dirty="0"/>
-                    </a:p>
-                  </a:txBody>
-                  <a:tcPr/>
-                </a:tc>
-                <a:extLst>
-                  <a:ext uri="{0D108BD9-81ED-4DB2-BD59-A6C34878D82A}">
-                    <a16:rowId xmlns:a16="http://schemas.microsoft.com/office/drawing/2014/main" val="1203568020"/>
-                  </a:ext>
-                </a:extLst>
-              </a:tr>
-              <a:tr h="370840">
-                <a:tc>
-                  <a:txBody>
-                    <a:bodyPr/>
-                    <a:lstStyle/>
-                    <a:p>
-                      <a:r>
-                        <a:rPr lang="en-US" dirty="0" smtClean="0"/>
-                        <a:t>accuracy</a:t>
-                      </a:r>
-                      <a:endParaRPr lang="en-US" dirty="0"/>
-                    </a:p>
-                  </a:txBody>
-                  <a:tcPr/>
-                </a:tc>
-                <a:tc>
-                  <a:txBody>
-                    <a:bodyPr/>
-                    <a:lstStyle/>
-                    <a:p>
-                      <a:r>
-                        <a:rPr lang="en-US" dirty="0" smtClean="0"/>
-                        <a:t>0.4</a:t>
-                      </a:r>
-                      <a:endParaRPr lang="en-US" dirty="0"/>
-                    </a:p>
-                  </a:txBody>
-                  <a:tcPr/>
-                </a:tc>
-                <a:tc>
-                  <a:txBody>
-                    <a:bodyPr/>
-                    <a:lstStyle/>
-                    <a:p>
-                      <a:r>
-                        <a:rPr lang="en-US" dirty="0" smtClean="0"/>
-                        <a:t>0.38</a:t>
-                      </a:r>
-                      <a:endParaRPr lang="en-US" dirty="0"/>
-                    </a:p>
-                  </a:txBody>
-                  <a:tcPr/>
-                </a:tc>
-                <a:tc>
-                  <a:txBody>
-                    <a:bodyPr/>
-                    <a:lstStyle/>
-                    <a:p>
-                      <a:r>
-                        <a:rPr lang="en-US" dirty="0" smtClean="0"/>
-                        <a:t>0.38</a:t>
-                      </a:r>
-                      <a:endParaRPr lang="en-US" dirty="0"/>
-                    </a:p>
-                  </a:txBody>
-                  <a:tcPr/>
-                </a:tc>
-                <a:extLst>
-                  <a:ext uri="{0D108BD9-81ED-4DB2-BD59-A6C34878D82A}">
-                    <a16:rowId xmlns:a16="http://schemas.microsoft.com/office/drawing/2014/main" val="1935783406"/>
-                  </a:ext>
-                </a:extLst>
-              </a:tr>
-            </a:tbl>
-          </a:graphicData>
-        </a:graphic>
-      </p:graphicFrame>
     </p:spTree>
     <p:extLst>
       <p:ext uri="{BB962C8B-B14F-4D97-AF65-F5344CB8AC3E}">
-        <p14:creationId xmlns:p14="http://schemas.microsoft.com/office/powerpoint/2010/main" val="4268468047"/>
+        <p14:creationId xmlns:p14="http://schemas.microsoft.com/office/powerpoint/2010/main" val="376621692"/>
       </p:ext>
     </p:extLst>
   </p:cSld>
@@ -13757,6 +12010,44 @@
       </p:grpSpPr>
       <p:sp>
         <p:nvSpPr>
+          <p:cNvPr id="2" name="Title 1"/>
+          <p:cNvSpPr>
+            <a:spLocks noGrp="1"/>
+          </p:cNvSpPr>
+          <p:nvPr>
+            <p:ph type="title"/>
+          </p:nvPr>
+        </p:nvSpPr>
+        <p:spPr/>
+        <p:txBody>
+          <a:bodyPr/>
+          <a:lstStyle/>
+          <a:p>
+            <a:pPr algn="ctr">
+              <a:buNone/>
+            </a:pPr>
+            <a:r>
+              <a:rPr lang="en-US" sz="1600" b="1" dirty="0"/>
+              <a:t>Comparing the improved instances and not improved </a:t>
+            </a:r>
+            <a:r>
+              <a:rPr lang="en-US" sz="1600" b="1" dirty="0" smtClean="0"/>
+              <a:t>ones (</a:t>
+            </a:r>
+            <a:r>
+              <a:rPr lang="en-US" sz="1600" b="1" dirty="0" err="1" smtClean="0"/>
+              <a:t>Isear</a:t>
+            </a:r>
+            <a:r>
+              <a:rPr lang="en-US" sz="1600" b="1" dirty="0" smtClean="0"/>
+              <a:t> dataset)</a:t>
+            </a:r>
+            <a:endParaRPr lang="en-US" sz="1600" dirty="0"/>
+          </a:p>
+        </p:txBody>
+      </p:sp>
+      <p:sp>
+        <p:nvSpPr>
           <p:cNvPr id="4" name="Slide Number Placeholder 3"/>
           <p:cNvSpPr>
             <a:spLocks noGrp="1"/>
@@ -13789,14 +12080,14 @@
       </p:sp>
       <p:sp>
         <p:nvSpPr>
-          <p:cNvPr id="6" name="TextBox 5"/>
+          <p:cNvPr id="5" name="TextBox 4"/>
           <p:cNvSpPr txBox="1"/>
           <p:nvPr/>
         </p:nvSpPr>
         <p:spPr>
           <a:xfrm>
-            <a:off x="2047264" y="137886"/>
-            <a:ext cx="6132286" cy="338554"/>
+            <a:off x="203950" y="921658"/>
+            <a:ext cx="8091714" cy="738664"/>
           </a:xfrm>
           <a:prstGeom prst="rect">
             <a:avLst/>
@@ -13810,13 +12101,291 @@
           <a:lstStyle/>
           <a:p>
             <a:r>
-              <a:rPr lang="en-US" sz="1600" b="1" dirty="0"/>
-              <a:t>Comparing results of Tec dataset (review)</a:t>
-            </a:r>
-            <a:endParaRPr lang="en-US" sz="1600" dirty="0"/>
+              <a:rPr lang="en-US" sz="1200" dirty="0" smtClean="0"/>
+              <a:t>S</a:t>
+            </a:r>
+            <a:r>
+              <a:rPr lang="en-US" dirty="0" smtClean="0"/>
+              <a:t>ome sample sentences that none of </a:t>
+            </a:r>
+            <a:r>
+              <a:rPr lang="en-US" dirty="0" err="1" smtClean="0"/>
+              <a:t>expr_emo</a:t>
+            </a:r>
+            <a:r>
+              <a:rPr lang="en-US" dirty="0" smtClean="0"/>
+              <a:t> and </a:t>
+            </a:r>
+            <a:r>
+              <a:rPr lang="en-US" dirty="0" err="1" smtClean="0"/>
+              <a:t>feels_emo</a:t>
+            </a:r>
+            <a:r>
+              <a:rPr lang="en-US" dirty="0" smtClean="0"/>
+              <a:t> could lead to true prediction to them. (</a:t>
+            </a:r>
+            <a:r>
+              <a:rPr lang="en-US" dirty="0" err="1" smtClean="0"/>
+              <a:t>Isear</a:t>
+            </a:r>
+            <a:r>
+              <a:rPr lang="en-US" dirty="0" smtClean="0"/>
+              <a:t> dataset) </a:t>
+            </a:r>
+            <a:endParaRPr lang="en-US" dirty="0"/>
+          </a:p>
+          <a:p>
+            <a:endParaRPr lang="en-US" dirty="0"/>
           </a:p>
         </p:txBody>
       </p:sp>
+      <p:graphicFrame>
+        <p:nvGraphicFramePr>
+          <p:cNvPr id="6" name="Table 5"/>
+          <p:cNvGraphicFramePr>
+            <a:graphicFrameLocks noGrp="1"/>
+          </p:cNvGraphicFramePr>
+          <p:nvPr>
+            <p:extLst>
+              <p:ext uri="{D42A27DB-BD31-4B8C-83A1-F6EECF244321}">
+                <p14:modId xmlns:p14="http://schemas.microsoft.com/office/powerpoint/2010/main" val="2839416470"/>
+              </p:ext>
+            </p:extLst>
+          </p:nvPr>
+        </p:nvGraphicFramePr>
+        <p:xfrm>
+          <a:off x="428547" y="1667579"/>
+          <a:ext cx="7642520" cy="1651000"/>
+        </p:xfrm>
+        <a:graphic>
+          <a:graphicData uri="http://schemas.openxmlformats.org/drawingml/2006/table">
+            <a:tbl>
+              <a:tblPr firstRow="1" bandRow="1">
+                <a:tableStyleId>{5C22544A-7EE6-4342-B048-85BDC9FD1C3A}</a:tableStyleId>
+              </a:tblPr>
+              <a:tblGrid>
+                <a:gridCol w="1910630">
+                  <a:extLst>
+                    <a:ext uri="{9D8B030D-6E8A-4147-A177-3AD203B41FA5}">
+                      <a16:colId xmlns:a16="http://schemas.microsoft.com/office/drawing/2014/main" val="1849213646"/>
+                    </a:ext>
+                  </a:extLst>
+                </a:gridCol>
+                <a:gridCol w="1910630">
+                  <a:extLst>
+                    <a:ext uri="{9D8B030D-6E8A-4147-A177-3AD203B41FA5}">
+                      <a16:colId xmlns:a16="http://schemas.microsoft.com/office/drawing/2014/main" val="792227240"/>
+                    </a:ext>
+                  </a:extLst>
+                </a:gridCol>
+                <a:gridCol w="1910630">
+                  <a:extLst>
+                    <a:ext uri="{9D8B030D-6E8A-4147-A177-3AD203B41FA5}">
+                      <a16:colId xmlns:a16="http://schemas.microsoft.com/office/drawing/2014/main" val="1167302544"/>
+                    </a:ext>
+                  </a:extLst>
+                </a:gridCol>
+                <a:gridCol w="1910630">
+                  <a:extLst>
+                    <a:ext uri="{9D8B030D-6E8A-4147-A177-3AD203B41FA5}">
+                      <a16:colId xmlns:a16="http://schemas.microsoft.com/office/drawing/2014/main" val="3806410438"/>
+                    </a:ext>
+                  </a:extLst>
+                </a:gridCol>
+              </a:tblGrid>
+              <a:tr h="370840">
+                <a:tc>
+                  <a:txBody>
+                    <a:bodyPr/>
+                    <a:lstStyle/>
+                    <a:p>
+                      <a:r>
+                        <a:rPr lang="en-US" sz="1200" dirty="0" smtClean="0"/>
+                        <a:t>True label</a:t>
+                      </a:r>
+                      <a:endParaRPr lang="en-US" sz="1200" dirty="0"/>
+                    </a:p>
+                  </a:txBody>
+                  <a:tcPr/>
+                </a:tc>
+                <a:tc>
+                  <a:txBody>
+                    <a:bodyPr/>
+                    <a:lstStyle/>
+                    <a:p>
+                      <a:r>
+                        <a:rPr lang="en-US" sz="1200" dirty="0" smtClean="0"/>
+                        <a:t>text</a:t>
+                      </a:r>
+                      <a:endParaRPr lang="en-US" sz="1200" dirty="0"/>
+                    </a:p>
+                  </a:txBody>
+                  <a:tcPr/>
+                </a:tc>
+                <a:tc>
+                  <a:txBody>
+                    <a:bodyPr/>
+                    <a:lstStyle/>
+                    <a:p>
+                      <a:r>
+                        <a:rPr lang="en-US" sz="1200" dirty="0" err="1" smtClean="0"/>
+                        <a:t>Expr_emo</a:t>
+                      </a:r>
+                      <a:endParaRPr lang="en-US" sz="1200" dirty="0"/>
+                    </a:p>
+                  </a:txBody>
+                  <a:tcPr/>
+                </a:tc>
+                <a:tc>
+                  <a:txBody>
+                    <a:bodyPr/>
+                    <a:lstStyle/>
+                    <a:p>
+                      <a:r>
+                        <a:rPr lang="en-US" sz="1200" dirty="0" err="1" smtClean="0"/>
+                        <a:t>Feels_emo</a:t>
+                      </a:r>
+                      <a:endParaRPr lang="en-US" sz="1200" dirty="0"/>
+                    </a:p>
+                  </a:txBody>
+                  <a:tcPr/>
+                </a:tc>
+                <a:extLst>
+                  <a:ext uri="{0D108BD9-81ED-4DB2-BD59-A6C34878D82A}">
+                    <a16:rowId xmlns:a16="http://schemas.microsoft.com/office/drawing/2014/main" val="2728941640"/>
+                  </a:ext>
+                </a:extLst>
+              </a:tr>
+              <a:tr h="370840">
+                <a:tc>
+                  <a:txBody>
+                    <a:bodyPr/>
+                    <a:lstStyle/>
+                    <a:p>
+                      <a:r>
+                        <a:rPr lang="en-US" sz="1200" dirty="0" smtClean="0"/>
+                        <a:t>guilt</a:t>
+                      </a:r>
+                      <a:endParaRPr lang="en-US" sz="1200" dirty="0"/>
+                    </a:p>
+                  </a:txBody>
+                  <a:tcPr/>
+                </a:tc>
+                <a:tc>
+                  <a:txBody>
+                    <a:bodyPr/>
+                    <a:lstStyle/>
+                    <a:p>
+                      <a:r>
+                        <a:rPr lang="en-US" sz="1200" dirty="0" smtClean="0"/>
+                        <a:t>When excuses are necessary and I get out of doing it myself. </a:t>
+                      </a:r>
+                      <a:endParaRPr lang="en-US" sz="1200" dirty="0"/>
+                    </a:p>
+                  </a:txBody>
+                  <a:tcPr/>
+                </a:tc>
+                <a:tc>
+                  <a:txBody>
+                    <a:bodyPr/>
+                    <a:lstStyle/>
+                    <a:p>
+                      <a:r>
+                        <a:rPr lang="en-US" sz="1200" dirty="0" smtClean="0"/>
+                        <a:t>fear</a:t>
+                      </a:r>
+                      <a:endParaRPr lang="en-US" sz="1200" dirty="0"/>
+                    </a:p>
+                  </a:txBody>
+                  <a:tcPr/>
+                </a:tc>
+                <a:tc>
+                  <a:txBody>
+                    <a:bodyPr/>
+                    <a:lstStyle/>
+                    <a:p>
+                      <a:r>
+                        <a:rPr lang="en-US" sz="1200" dirty="0" smtClean="0"/>
+                        <a:t>fear</a:t>
+                      </a:r>
+                      <a:endParaRPr lang="en-US" sz="1200" dirty="0"/>
+                    </a:p>
+                  </a:txBody>
+                  <a:tcPr/>
+                </a:tc>
+                <a:extLst>
+                  <a:ext uri="{0D108BD9-81ED-4DB2-BD59-A6C34878D82A}">
+                    <a16:rowId xmlns:a16="http://schemas.microsoft.com/office/drawing/2014/main" val="3557614549"/>
+                  </a:ext>
+                </a:extLst>
+              </a:tr>
+              <a:tr h="370840">
+                <a:tc>
+                  <a:txBody>
+                    <a:bodyPr/>
+                    <a:lstStyle/>
+                    <a:p>
+                      <a:r>
+                        <a:rPr lang="en-US" sz="1200" dirty="0" smtClean="0"/>
+                        <a:t>anger</a:t>
+                      </a:r>
+                      <a:endParaRPr lang="en-US" sz="1200" dirty="0"/>
+                    </a:p>
+                  </a:txBody>
+                  <a:tcPr/>
+                </a:tc>
+                <a:tc>
+                  <a:txBody>
+                    <a:bodyPr/>
+                    <a:lstStyle/>
+                    <a:p>
+                      <a:r>
+                        <a:rPr lang="en-US" sz="1200" dirty="0" smtClean="0"/>
+                        <a:t>I reached the bus stop and realized that I had forgotten my bus pass. </a:t>
+                      </a:r>
+                      <a:endParaRPr lang="en-US" sz="1200" dirty="0"/>
+                    </a:p>
+                  </a:txBody>
+                  <a:tcPr/>
+                </a:tc>
+                <a:tc>
+                  <a:txBody>
+                    <a:bodyPr/>
+                    <a:lstStyle/>
+                    <a:p>
+                      <a:r>
+                        <a:rPr lang="en-US" sz="1200" dirty="0" smtClean="0"/>
+                        <a:t>sadness</a:t>
+                      </a:r>
+                      <a:endParaRPr lang="en-US" sz="1200" dirty="0"/>
+                    </a:p>
+                  </a:txBody>
+                  <a:tcPr/>
+                </a:tc>
+                <a:tc>
+                  <a:txBody>
+                    <a:bodyPr/>
+                    <a:lstStyle/>
+                    <a:p>
+                      <a:r>
+                        <a:rPr lang="en-US" sz="1200" dirty="0" smtClean="0"/>
+                        <a:t>sadness</a:t>
+                      </a:r>
+                      <a:endParaRPr lang="en-US" sz="1200" dirty="0"/>
+                    </a:p>
+                  </a:txBody>
+                  <a:tcPr/>
+                </a:tc>
+                <a:extLst>
+                  <a:ext uri="{0D108BD9-81ED-4DB2-BD59-A6C34878D82A}">
+                    <a16:rowId xmlns:a16="http://schemas.microsoft.com/office/drawing/2014/main" val="458329284"/>
+                  </a:ext>
+                </a:extLst>
+              </a:tr>
+            </a:tbl>
+          </a:graphicData>
+        </a:graphic>
+      </p:graphicFrame>
       <p:sp>
         <p:nvSpPr>
           <p:cNvPr id="7" name="TextBox 6"/>
@@ -13825,8 +12394,8 @@
         </p:nvSpPr>
         <p:spPr>
           <a:xfrm>
-            <a:off x="670910" y="994229"/>
-            <a:ext cx="7272407" cy="2893100"/>
+            <a:off x="442328" y="3682737"/>
+            <a:ext cx="6741886" cy="307777"/>
           </a:xfrm>
           <a:prstGeom prst="rect">
             <a:avLst/>
@@ -13840,89 +12409,9 @@
           <a:lstStyle/>
           <a:p>
             <a:r>
-              <a:rPr lang="en-US" dirty="0"/>
-              <a:t>The cases that using prompt could lead to improvement compared to using only emotion name</a:t>
-            </a:r>
-          </a:p>
-          <a:p>
-            <a:endParaRPr lang="en-US" dirty="0"/>
-          </a:p>
-          <a:p>
-            <a:pPr>
-              <a:lnSpc>
-                <a:spcPct val="150000"/>
-              </a:lnSpc>
-            </a:pPr>
-            <a:r>
-              <a:rPr lang="en-US" dirty="0"/>
-              <a:t>Improvements:</a:t>
-            </a:r>
-          </a:p>
-          <a:p>
-            <a:pPr marL="285750" indent="-285750">
-              <a:lnSpc>
-                <a:spcPct val="150000"/>
-              </a:lnSpc>
-              <a:buFont typeface="Arial" panose="020B0604020202020204" pitchFamily="34" charset="0"/>
-              <a:buChar char="•"/>
-            </a:pPr>
-            <a:r>
-              <a:rPr lang="en-US" dirty="0"/>
-              <a:t>When using </a:t>
-            </a:r>
-            <a:r>
-              <a:rPr lang="en-US" dirty="0" err="1"/>
-              <a:t>Deberta</a:t>
-            </a:r>
-            <a:r>
-              <a:rPr lang="en-US" dirty="0"/>
-              <a:t> model:</a:t>
-            </a:r>
-          </a:p>
-          <a:p>
-            <a:pPr>
-              <a:lnSpc>
-                <a:spcPct val="150000"/>
-              </a:lnSpc>
-            </a:pPr>
-            <a:r>
-              <a:rPr lang="en-US" dirty="0"/>
-              <a:t>        Emotion prompt</a:t>
-            </a:r>
-          </a:p>
-          <a:p>
-            <a:pPr>
-              <a:lnSpc>
-                <a:spcPct val="150000"/>
-              </a:lnSpc>
-            </a:pPr>
-            <a:endParaRPr lang="en-US" dirty="0"/>
-          </a:p>
-          <a:p>
-            <a:pPr marL="285750" indent="-285750">
-              <a:lnSpc>
-                <a:spcPct val="150000"/>
-              </a:lnSpc>
-              <a:buFont typeface="Arial" panose="020B0604020202020204" pitchFamily="34" charset="0"/>
-              <a:buChar char="•"/>
-            </a:pPr>
-            <a:r>
-              <a:rPr lang="en-US" dirty="0"/>
-              <a:t>When using Roberta model:</a:t>
-            </a:r>
-          </a:p>
-          <a:p>
-            <a:pPr>
-              <a:lnSpc>
-                <a:spcPct val="150000"/>
-              </a:lnSpc>
-            </a:pPr>
-            <a:r>
-              <a:rPr lang="en-US" dirty="0"/>
-              <a:t>       Emotion prompt</a:t>
-            </a:r>
-          </a:p>
-          <a:p>
+              <a:rPr lang="en-US" dirty="0" smtClean="0"/>
+              <a:t>The predicted emotions can be reasonable, but are not the same as true label.</a:t>
+            </a:r>
             <a:endParaRPr lang="en-US" dirty="0"/>
           </a:p>
         </p:txBody>
@@ -13930,7 +12419,7 @@
     </p:spTree>
     <p:extLst>
       <p:ext uri="{BB962C8B-B14F-4D97-AF65-F5344CB8AC3E}">
-        <p14:creationId xmlns:p14="http://schemas.microsoft.com/office/powerpoint/2010/main" val="3114501572"/>
+        <p14:creationId xmlns:p14="http://schemas.microsoft.com/office/powerpoint/2010/main" val="172408099"/>
       </p:ext>
     </p:extLst>
   </p:cSld>
@@ -13976,18 +12465,10 @@
               <a:buNone/>
             </a:pPr>
             <a:r>
-              <a:rPr lang="en-US" sz="1600" b="1" dirty="0" smtClean="0"/>
-              <a:t>Comparing the improved instances and not improved ones (</a:t>
-            </a:r>
-            <a:r>
-              <a:rPr lang="en-US" sz="1600" b="1" dirty="0" err="1" smtClean="0"/>
-              <a:t>Isear</a:t>
-            </a:r>
-            <a:r>
-              <a:rPr lang="en-US" sz="1600" b="1" dirty="0" smtClean="0"/>
-              <a:t> dataset)</a:t>
-            </a:r>
-            <a:endParaRPr lang="en-US" sz="1600" b="1" dirty="0"/>
+              <a:rPr lang="en-US" b="1" dirty="0"/>
+              <a:t>Comparing the improved instances and not improved ones (Tec dataset)</a:t>
+            </a:r>
+            <a:endParaRPr lang="en-US" dirty="0"/>
           </a:p>
         </p:txBody>
       </p:sp>
@@ -14023,6 +12504,271 @@
           </a:p>
         </p:txBody>
       </p:sp>
+      <p:graphicFrame>
+        <p:nvGraphicFramePr>
+          <p:cNvPr id="5" name="Table 4"/>
+          <p:cNvGraphicFramePr>
+            <a:graphicFrameLocks noGrp="1"/>
+          </p:cNvGraphicFramePr>
+          <p:nvPr>
+            <p:extLst>
+              <p:ext uri="{D42A27DB-BD31-4B8C-83A1-F6EECF244321}">
+                <p14:modId xmlns:p14="http://schemas.microsoft.com/office/powerpoint/2010/main" val="912668849"/>
+              </p:ext>
+            </p:extLst>
+          </p:nvPr>
+        </p:nvGraphicFramePr>
+        <p:xfrm>
+          <a:off x="485679" y="1609741"/>
+          <a:ext cx="7373256" cy="2008914"/>
+        </p:xfrm>
+        <a:graphic>
+          <a:graphicData uri="http://schemas.openxmlformats.org/drawingml/2006/table">
+            <a:tbl>
+              <a:tblPr firstRow="1" bandRow="1">
+                <a:tableStyleId>{5C22544A-7EE6-4342-B048-85BDC9FD1C3A}</a:tableStyleId>
+              </a:tblPr>
+              <a:tblGrid>
+                <a:gridCol w="1843314">
+                  <a:extLst>
+                    <a:ext uri="{9D8B030D-6E8A-4147-A177-3AD203B41FA5}">
+                      <a16:colId xmlns:a16="http://schemas.microsoft.com/office/drawing/2014/main" val="1523457683"/>
+                    </a:ext>
+                  </a:extLst>
+                </a:gridCol>
+                <a:gridCol w="1843314">
+                  <a:extLst>
+                    <a:ext uri="{9D8B030D-6E8A-4147-A177-3AD203B41FA5}">
+                      <a16:colId xmlns:a16="http://schemas.microsoft.com/office/drawing/2014/main" val="2140988797"/>
+                    </a:ext>
+                  </a:extLst>
+                </a:gridCol>
+                <a:gridCol w="1843314">
+                  <a:extLst>
+                    <a:ext uri="{9D8B030D-6E8A-4147-A177-3AD203B41FA5}">
+                      <a16:colId xmlns:a16="http://schemas.microsoft.com/office/drawing/2014/main" val="3982915289"/>
+                    </a:ext>
+                  </a:extLst>
+                </a:gridCol>
+                <a:gridCol w="1843314">
+                  <a:extLst>
+                    <a:ext uri="{9D8B030D-6E8A-4147-A177-3AD203B41FA5}">
+                      <a16:colId xmlns:a16="http://schemas.microsoft.com/office/drawing/2014/main" val="3638373460"/>
+                    </a:ext>
+                  </a:extLst>
+                </a:gridCol>
+              </a:tblGrid>
+              <a:tr h="332514">
+                <a:tc>
+                  <a:txBody>
+                    <a:bodyPr/>
+                    <a:lstStyle/>
+                    <a:p>
+                      <a:r>
+                        <a:rPr lang="en-US" dirty="0" smtClean="0"/>
+                        <a:t>True label</a:t>
+                      </a:r>
+                      <a:endParaRPr lang="en-US" dirty="0"/>
+                    </a:p>
+                  </a:txBody>
+                  <a:tcPr/>
+                </a:tc>
+                <a:tc>
+                  <a:txBody>
+                    <a:bodyPr/>
+                    <a:lstStyle/>
+                    <a:p>
+                      <a:r>
+                        <a:rPr lang="en-US" dirty="0" smtClean="0"/>
+                        <a:t>text</a:t>
+                      </a:r>
+                      <a:endParaRPr lang="en-US" dirty="0"/>
+                    </a:p>
+                  </a:txBody>
+                  <a:tcPr/>
+                </a:tc>
+                <a:tc>
+                  <a:txBody>
+                    <a:bodyPr/>
+                    <a:lstStyle/>
+                    <a:p>
+                      <a:r>
+                        <a:rPr lang="en-US" dirty="0" smtClean="0"/>
+                        <a:t>Emotion prompt</a:t>
+                      </a:r>
+                      <a:endParaRPr lang="en-US" dirty="0"/>
+                    </a:p>
+                  </a:txBody>
+                  <a:tcPr/>
+                </a:tc>
+                <a:tc>
+                  <a:txBody>
+                    <a:bodyPr/>
+                    <a:lstStyle/>
+                    <a:p>
+                      <a:r>
+                        <a:rPr lang="en-US" dirty="0" smtClean="0"/>
+                        <a:t>Feels emo</a:t>
+                      </a:r>
+                      <a:endParaRPr lang="en-US" dirty="0"/>
+                    </a:p>
+                  </a:txBody>
+                  <a:tcPr/>
+                </a:tc>
+                <a:extLst>
+                  <a:ext uri="{0D108BD9-81ED-4DB2-BD59-A6C34878D82A}">
+                    <a16:rowId xmlns:a16="http://schemas.microsoft.com/office/drawing/2014/main" val="1689759424"/>
+                  </a:ext>
+                </a:extLst>
+              </a:tr>
+              <a:tr h="370840">
+                <a:tc>
+                  <a:txBody>
+                    <a:bodyPr/>
+                    <a:lstStyle/>
+                    <a:p>
+                      <a:r>
+                        <a:rPr lang="en-US" dirty="0" smtClean="0"/>
+                        <a:t>surprise</a:t>
+                      </a:r>
+                      <a:endParaRPr lang="en-US" dirty="0"/>
+                    </a:p>
+                  </a:txBody>
+                  <a:tcPr/>
+                </a:tc>
+                <a:tc>
+                  <a:txBody>
+                    <a:bodyPr/>
+                    <a:lstStyle/>
+                    <a:p>
+                      <a:r>
+                        <a:rPr lang="en-US" sz="1400" b="0" i="0" u="none" strike="noStrike" cap="none" dirty="0" smtClean="0">
+                          <a:solidFill>
+                            <a:schemeClr val="dk1"/>
+                          </a:solidFill>
+                          <a:effectLst/>
+                          <a:latin typeface="+mn-lt"/>
+                          <a:ea typeface="+mn-ea"/>
+                          <a:cs typeface="+mn-cs"/>
+                          <a:sym typeface="Arial"/>
+                        </a:rPr>
+                        <a:t>I love telling people I have a degree</a:t>
+                      </a:r>
+                      <a:endParaRPr lang="en-US" dirty="0"/>
+                    </a:p>
+                  </a:txBody>
+                  <a:tcPr/>
+                </a:tc>
+                <a:tc>
+                  <a:txBody>
+                    <a:bodyPr/>
+                    <a:lstStyle/>
+                    <a:p>
+                      <a:r>
+                        <a:rPr lang="en-US" dirty="0" smtClean="0"/>
+                        <a:t>joy</a:t>
+                      </a:r>
+                      <a:endParaRPr lang="en-US" dirty="0"/>
+                    </a:p>
+                  </a:txBody>
+                  <a:tcPr/>
+                </a:tc>
+                <a:tc>
+                  <a:txBody>
+                    <a:bodyPr/>
+                    <a:lstStyle/>
+                    <a:p>
+                      <a:r>
+                        <a:rPr lang="en-US" dirty="0" smtClean="0"/>
+                        <a:t>joy</a:t>
+                      </a:r>
+                      <a:endParaRPr lang="en-US" dirty="0"/>
+                    </a:p>
+                  </a:txBody>
+                  <a:tcPr/>
+                </a:tc>
+                <a:extLst>
+                  <a:ext uri="{0D108BD9-81ED-4DB2-BD59-A6C34878D82A}">
+                    <a16:rowId xmlns:a16="http://schemas.microsoft.com/office/drawing/2014/main" val="2953482035"/>
+                  </a:ext>
+                </a:extLst>
+              </a:tr>
+              <a:tr h="370840">
+                <a:tc>
+                  <a:txBody>
+                    <a:bodyPr/>
+                    <a:lstStyle/>
+                    <a:p>
+                      <a:r>
+                        <a:rPr lang="en-US" dirty="0" smtClean="0"/>
+                        <a:t>anger</a:t>
+                      </a:r>
+                      <a:endParaRPr lang="en-US" dirty="0"/>
+                    </a:p>
+                  </a:txBody>
+                  <a:tcPr/>
+                </a:tc>
+                <a:tc>
+                  <a:txBody>
+                    <a:bodyPr/>
+                    <a:lstStyle/>
+                    <a:p>
+                      <a:r>
+                        <a:rPr lang="en-US" sz="1400" b="0" i="0" u="none" strike="noStrike" cap="none" dirty="0" smtClean="0">
+                          <a:solidFill>
+                            <a:schemeClr val="dk1"/>
+                          </a:solidFill>
+                          <a:effectLst/>
+                          <a:latin typeface="+mn-lt"/>
+                          <a:ea typeface="+mn-ea"/>
+                          <a:cs typeface="+mn-cs"/>
+                          <a:sym typeface="Arial"/>
+                        </a:rPr>
+                        <a:t>I received my parcel trashed. It proves it was teared from backside and thing was removed. </a:t>
+                      </a:r>
+                      <a:endParaRPr lang="en-US" dirty="0"/>
+                    </a:p>
+                  </a:txBody>
+                  <a:tcPr/>
+                </a:tc>
+                <a:tc>
+                  <a:txBody>
+                    <a:bodyPr/>
+                    <a:lstStyle/>
+                    <a:p>
+                      <a:r>
+                        <a:rPr lang="en-US" dirty="0" smtClean="0"/>
+                        <a:t>disgust</a:t>
+                      </a:r>
+                      <a:endParaRPr lang="en-US" dirty="0"/>
+                    </a:p>
+                  </a:txBody>
+                  <a:tcPr/>
+                </a:tc>
+                <a:tc>
+                  <a:txBody>
+                    <a:bodyPr/>
+                    <a:lstStyle/>
+                    <a:p>
+                      <a:r>
+                        <a:rPr lang="en-US" dirty="0" smtClean="0"/>
+                        <a:t>disgust</a:t>
+                      </a:r>
+                      <a:endParaRPr lang="en-US" dirty="0"/>
+                    </a:p>
+                  </a:txBody>
+                  <a:tcPr/>
+                </a:tc>
+                <a:extLst>
+                  <a:ext uri="{0D108BD9-81ED-4DB2-BD59-A6C34878D82A}">
+                    <a16:rowId xmlns:a16="http://schemas.microsoft.com/office/drawing/2014/main" val="2608975174"/>
+                  </a:ext>
+                </a:extLst>
+              </a:tr>
+            </a:tbl>
+          </a:graphicData>
+        </a:graphic>
+      </p:graphicFrame>
       <p:sp>
         <p:nvSpPr>
           <p:cNvPr id="6" name="TextBox 5"/>
@@ -14031,8 +12777,8 @@
         </p:nvSpPr>
         <p:spPr>
           <a:xfrm>
-            <a:off x="464100" y="911720"/>
-            <a:ext cx="7954186" cy="3754874"/>
+            <a:off x="311700" y="3910284"/>
+            <a:ext cx="8455479" cy="307777"/>
           </a:xfrm>
           <a:prstGeom prst="rect">
             <a:avLst/>
@@ -14047,381 +12793,73 @@
           <a:p>
             <a:r>
               <a:rPr lang="en-US" dirty="0" smtClean="0"/>
-              <a:t>Some sample sentences that using </a:t>
-            </a:r>
-            <a:r>
-              <a:rPr lang="en-US" dirty="0" err="1" smtClean="0"/>
-              <a:t>expr_emo</a:t>
-            </a:r>
-            <a:r>
-              <a:rPr lang="en-US" dirty="0" smtClean="0"/>
-              <a:t> and emotion prompt could lead to improvement but </a:t>
-            </a:r>
-            <a:r>
-              <a:rPr lang="en-US" dirty="0" err="1" smtClean="0"/>
-              <a:t>feels_emo</a:t>
-            </a:r>
-            <a:r>
-              <a:rPr lang="en-US" dirty="0" smtClean="0"/>
-              <a:t> could not (</a:t>
-            </a:r>
-            <a:r>
-              <a:rPr lang="en-US" dirty="0" err="1" smtClean="0"/>
-              <a:t>Isear</a:t>
-            </a:r>
-            <a:r>
-              <a:rPr lang="en-US" dirty="0" smtClean="0"/>
-              <a:t> dataset) </a:t>
-            </a:r>
-          </a:p>
-          <a:p>
-            <a:endParaRPr lang="en-US" dirty="0"/>
-          </a:p>
-          <a:p>
-            <a:endParaRPr lang="en-US" dirty="0" smtClean="0"/>
-          </a:p>
-          <a:p>
-            <a:endParaRPr lang="en-US" dirty="0"/>
-          </a:p>
-          <a:p>
-            <a:endParaRPr lang="en-US" dirty="0" smtClean="0"/>
-          </a:p>
-          <a:p>
-            <a:endParaRPr lang="en-US" dirty="0" smtClean="0"/>
-          </a:p>
-          <a:p>
-            <a:endParaRPr lang="en-US" dirty="0"/>
-          </a:p>
-          <a:p>
-            <a:endParaRPr lang="en-US" dirty="0" smtClean="0"/>
-          </a:p>
-          <a:p>
-            <a:endParaRPr lang="en-US" dirty="0"/>
-          </a:p>
-          <a:p>
-            <a:endParaRPr lang="en-US" dirty="0" smtClean="0"/>
-          </a:p>
-          <a:p>
-            <a:endParaRPr lang="en-US" dirty="0"/>
-          </a:p>
-          <a:p>
-            <a:endParaRPr lang="en-US" dirty="0" smtClean="0"/>
-          </a:p>
-          <a:p>
-            <a:endParaRPr lang="en-US" dirty="0" smtClean="0"/>
-          </a:p>
-          <a:p>
-            <a:endParaRPr lang="en-US" dirty="0" smtClean="0"/>
-          </a:p>
-          <a:p>
-            <a:r>
-              <a:rPr lang="en-US" dirty="0" smtClean="0"/>
-              <a:t>There are some specific tokens in the sentences that are related to the emotions. (like alone related to sadness, dark related to fear)</a:t>
+              <a:t>The emotion predicted by emotion prompt and feels emo prompt can also be reasonable.</a:t>
             </a:r>
             <a:endParaRPr lang="en-US" dirty="0"/>
           </a:p>
         </p:txBody>
       </p:sp>
-      <p:graphicFrame>
-        <p:nvGraphicFramePr>
-          <p:cNvPr id="3" name="Table 2"/>
-          <p:cNvGraphicFramePr>
-            <a:graphicFrameLocks noGrp="1"/>
-          </p:cNvGraphicFramePr>
-          <p:nvPr>
-            <p:extLst>
-              <p:ext uri="{D42A27DB-BD31-4B8C-83A1-F6EECF244321}">
-                <p14:modId xmlns:p14="http://schemas.microsoft.com/office/powerpoint/2010/main" val="1419452201"/>
-              </p:ext>
-            </p:extLst>
-          </p:nvPr>
-        </p:nvGraphicFramePr>
-        <p:xfrm>
-          <a:off x="529592" y="1641375"/>
-          <a:ext cx="8084815" cy="2133600"/>
-        </p:xfrm>
-        <a:graphic>
-          <a:graphicData uri="http://schemas.openxmlformats.org/drawingml/2006/table">
-            <a:tbl>
-              <a:tblPr firstRow="1" bandRow="1">
-                <a:tableStyleId>{5C22544A-7EE6-4342-B048-85BDC9FD1C3A}</a:tableStyleId>
-              </a:tblPr>
-              <a:tblGrid>
-                <a:gridCol w="1616963">
-                  <a:extLst>
-                    <a:ext uri="{9D8B030D-6E8A-4147-A177-3AD203B41FA5}">
-                      <a16:colId xmlns:a16="http://schemas.microsoft.com/office/drawing/2014/main" val="3449551872"/>
-                    </a:ext>
-                  </a:extLst>
-                </a:gridCol>
-                <a:gridCol w="1616963">
-                  <a:extLst>
-                    <a:ext uri="{9D8B030D-6E8A-4147-A177-3AD203B41FA5}">
-                      <a16:colId xmlns:a16="http://schemas.microsoft.com/office/drawing/2014/main" val="4041118951"/>
-                    </a:ext>
-                  </a:extLst>
-                </a:gridCol>
-                <a:gridCol w="1616963">
-                  <a:extLst>
-                    <a:ext uri="{9D8B030D-6E8A-4147-A177-3AD203B41FA5}">
-                      <a16:colId xmlns:a16="http://schemas.microsoft.com/office/drawing/2014/main" val="2926367296"/>
-                    </a:ext>
-                  </a:extLst>
-                </a:gridCol>
-                <a:gridCol w="1616963">
-                  <a:extLst>
-                    <a:ext uri="{9D8B030D-6E8A-4147-A177-3AD203B41FA5}">
-                      <a16:colId xmlns:a16="http://schemas.microsoft.com/office/drawing/2014/main" val="1380286263"/>
-                    </a:ext>
-                  </a:extLst>
-                </a:gridCol>
-                <a:gridCol w="1616963">
-                  <a:extLst>
-                    <a:ext uri="{9D8B030D-6E8A-4147-A177-3AD203B41FA5}">
-                      <a16:colId xmlns:a16="http://schemas.microsoft.com/office/drawing/2014/main" val="3665717050"/>
-                    </a:ext>
-                  </a:extLst>
-                </a:gridCol>
-              </a:tblGrid>
-              <a:tr h="205776">
-                <a:tc>
-                  <a:txBody>
-                    <a:bodyPr/>
-                    <a:lstStyle/>
-                    <a:p>
-                      <a:r>
-                        <a:rPr lang="en-US" dirty="0" smtClean="0"/>
-                        <a:t>True label</a:t>
-                      </a:r>
-                      <a:endParaRPr lang="en-US" dirty="0"/>
-                    </a:p>
-                  </a:txBody>
-                  <a:tcPr/>
-                </a:tc>
-                <a:tc>
-                  <a:txBody>
-                    <a:bodyPr/>
-                    <a:lstStyle/>
-                    <a:p>
-                      <a:r>
-                        <a:rPr lang="en-US" dirty="0" smtClean="0"/>
-                        <a:t>text</a:t>
-                      </a:r>
-                      <a:endParaRPr lang="en-US" dirty="0"/>
-                    </a:p>
-                  </a:txBody>
-                  <a:tcPr/>
-                </a:tc>
-                <a:tc>
-                  <a:txBody>
-                    <a:bodyPr/>
-                    <a:lstStyle/>
-                    <a:p>
-                      <a:r>
-                        <a:rPr lang="en-US" dirty="0" smtClean="0"/>
-                        <a:t>Expr emo</a:t>
-                      </a:r>
-                      <a:endParaRPr lang="en-US" dirty="0"/>
-                    </a:p>
-                  </a:txBody>
-                  <a:tcPr/>
-                </a:tc>
-                <a:tc>
-                  <a:txBody>
-                    <a:bodyPr/>
-                    <a:lstStyle/>
-                    <a:p>
-                      <a:r>
-                        <a:rPr lang="en-US" dirty="0" smtClean="0"/>
-                        <a:t>Emotion prompt</a:t>
-                      </a:r>
-                      <a:endParaRPr lang="en-US" dirty="0"/>
-                    </a:p>
-                  </a:txBody>
-                  <a:tcPr/>
-                </a:tc>
-                <a:tc>
-                  <a:txBody>
-                    <a:bodyPr/>
-                    <a:lstStyle/>
-                    <a:p>
-                      <a:r>
-                        <a:rPr lang="en-US" dirty="0" smtClean="0"/>
-                        <a:t>Feels emo</a:t>
-                      </a:r>
-                      <a:endParaRPr lang="en-US" dirty="0"/>
-                    </a:p>
-                  </a:txBody>
-                  <a:tcPr/>
-                </a:tc>
-                <a:extLst>
-                  <a:ext uri="{0D108BD9-81ED-4DB2-BD59-A6C34878D82A}">
-                    <a16:rowId xmlns:a16="http://schemas.microsoft.com/office/drawing/2014/main" val="175380482"/>
-                  </a:ext>
-                </a:extLst>
-              </a:tr>
-              <a:tr h="852904">
-                <a:tc>
-                  <a:txBody>
-                    <a:bodyPr/>
-                    <a:lstStyle/>
-                    <a:p>
-                      <a:r>
-                        <a:rPr lang="en-US" sz="1200" dirty="0" smtClean="0"/>
-                        <a:t>sadness</a:t>
-                      </a:r>
-                      <a:endParaRPr lang="en-US" sz="1200" dirty="0"/>
-                    </a:p>
-                  </a:txBody>
-                  <a:tcPr/>
-                </a:tc>
-                <a:tc>
-                  <a:txBody>
-                    <a:bodyPr/>
-                    <a:lstStyle/>
-                    <a:p>
-                      <a:r>
-                        <a:rPr lang="en-US" sz="1200" dirty="0" smtClean="0"/>
-                        <a:t>When I am alone in a room with no contact with anyone - loneliness drains me. </a:t>
-                      </a:r>
-                      <a:endParaRPr lang="en-US" sz="1200" dirty="0"/>
-                    </a:p>
-                  </a:txBody>
-                  <a:tcPr/>
-                </a:tc>
-                <a:tc>
-                  <a:txBody>
-                    <a:bodyPr/>
-                    <a:lstStyle/>
-                    <a:p>
-                      <a:r>
-                        <a:rPr lang="en-US" sz="1200" dirty="0" smtClean="0"/>
-                        <a:t>sadness</a:t>
-                      </a:r>
-                      <a:endParaRPr lang="en-US" sz="1200" dirty="0"/>
-                    </a:p>
-                  </a:txBody>
-                  <a:tcPr/>
-                </a:tc>
-                <a:tc>
-                  <a:txBody>
-                    <a:bodyPr/>
-                    <a:lstStyle/>
-                    <a:p>
-                      <a:r>
-                        <a:rPr lang="en-US" sz="1200" dirty="0" smtClean="0"/>
-                        <a:t>sadness</a:t>
-                      </a:r>
-                      <a:endParaRPr lang="en-US" sz="1200" dirty="0"/>
-                    </a:p>
-                  </a:txBody>
-                  <a:tcPr/>
-                </a:tc>
-                <a:tc>
-                  <a:txBody>
-                    <a:bodyPr/>
-                    <a:lstStyle/>
-                    <a:p>
-                      <a:r>
-                        <a:rPr lang="en-US" sz="1200" dirty="0" smtClean="0"/>
-                        <a:t>fear</a:t>
-                      </a:r>
-                      <a:endParaRPr lang="en-US" sz="1200" dirty="0"/>
-                    </a:p>
-                  </a:txBody>
-                  <a:tcPr/>
-                </a:tc>
-                <a:extLst>
-                  <a:ext uri="{0D108BD9-81ED-4DB2-BD59-A6C34878D82A}">
-                    <a16:rowId xmlns:a16="http://schemas.microsoft.com/office/drawing/2014/main" val="468217901"/>
-                  </a:ext>
-                </a:extLst>
-              </a:tr>
-              <a:tr h="720230">
-                <a:tc>
-                  <a:txBody>
-                    <a:bodyPr/>
-                    <a:lstStyle/>
-                    <a:p>
-                      <a:r>
-                        <a:rPr lang="en-US" sz="1200" dirty="0" smtClean="0"/>
-                        <a:t>fear</a:t>
-                      </a:r>
-                      <a:endParaRPr lang="en-US" sz="1200" dirty="0"/>
-                    </a:p>
-                  </a:txBody>
-                  <a:tcPr/>
-                </a:tc>
-                <a:tc>
-                  <a:txBody>
-                    <a:bodyPr/>
-                    <a:lstStyle/>
-                    <a:p>
-                      <a:r>
-                        <a:rPr lang="en-US" sz="1200" dirty="0" smtClean="0"/>
-                        <a:t>One dark night with no street lights, a car was obviously following me. </a:t>
-                      </a:r>
-                      <a:endParaRPr lang="en-US" sz="1200" dirty="0"/>
-                    </a:p>
-                  </a:txBody>
-                  <a:tcPr/>
-                </a:tc>
-                <a:tc>
-                  <a:txBody>
-                    <a:bodyPr/>
-                    <a:lstStyle/>
-                    <a:p>
-                      <a:r>
-                        <a:rPr lang="en-US" sz="1200" dirty="0" smtClean="0"/>
-                        <a:t>fear</a:t>
-                      </a:r>
-                      <a:endParaRPr lang="en-US" sz="1200" dirty="0"/>
-                    </a:p>
-                  </a:txBody>
-                  <a:tcPr/>
-                </a:tc>
-                <a:tc>
-                  <a:txBody>
-                    <a:bodyPr/>
-                    <a:lstStyle/>
-                    <a:p>
-                      <a:r>
-                        <a:rPr lang="en-US" sz="1200" dirty="0" smtClean="0"/>
-                        <a:t>fear</a:t>
-                      </a:r>
-                      <a:endParaRPr lang="en-US" sz="1200" dirty="0"/>
-                    </a:p>
-                  </a:txBody>
-                  <a:tcPr/>
-                </a:tc>
-                <a:tc>
-                  <a:txBody>
-                    <a:bodyPr/>
-                    <a:lstStyle/>
-                    <a:p>
-                      <a:r>
-                        <a:rPr lang="en-US" sz="1200" dirty="0" smtClean="0"/>
-                        <a:t>anger</a:t>
-                      </a:r>
-                      <a:endParaRPr lang="en-US" sz="1200" dirty="0"/>
-                    </a:p>
-                  </a:txBody>
-                  <a:tcPr/>
-                </a:tc>
-                <a:extLst>
-                  <a:ext uri="{0D108BD9-81ED-4DB2-BD59-A6C34878D82A}">
-                    <a16:rowId xmlns:a16="http://schemas.microsoft.com/office/drawing/2014/main" val="2546805726"/>
-                  </a:ext>
-                </a:extLst>
-              </a:tr>
-            </a:tbl>
-          </a:graphicData>
-        </a:graphic>
-      </p:graphicFrame>
+      <p:sp>
+        <p:nvSpPr>
+          <p:cNvPr id="7" name="TextBox 6"/>
+          <p:cNvSpPr txBox="1"/>
+          <p:nvPr/>
+        </p:nvSpPr>
+        <p:spPr>
+          <a:xfrm>
+            <a:off x="376821" y="711200"/>
+            <a:ext cx="7802729" cy="738664"/>
+          </a:xfrm>
+          <a:prstGeom prst="rect">
+            <a:avLst/>
+          </a:prstGeom>
+          <a:noFill/>
+        </p:spPr>
+        <p:txBody>
+          <a:bodyPr wrap="square" rtlCol="0">
+            <a:spAutoFit/>
+          </a:bodyPr>
+          <a:lstStyle/>
+          <a:p>
+            <a:r>
+              <a:rPr lang="en-US" sz="1200" dirty="0"/>
+              <a:t>S</a:t>
+            </a:r>
+            <a:r>
+              <a:rPr lang="en-US" dirty="0"/>
+              <a:t>ome sample sentences that none of </a:t>
+            </a:r>
+            <a:r>
+              <a:rPr lang="en-US" dirty="0" smtClean="0"/>
+              <a:t>emotion prompt </a:t>
+            </a:r>
+            <a:r>
+              <a:rPr lang="en-US" dirty="0"/>
+              <a:t>and </a:t>
+            </a:r>
+            <a:r>
+              <a:rPr lang="en-US" dirty="0" err="1"/>
+              <a:t>feels_emo</a:t>
+            </a:r>
+            <a:r>
+              <a:rPr lang="en-US" dirty="0"/>
+              <a:t> could lead to true prediction to them. </a:t>
+            </a:r>
+            <a:r>
+              <a:rPr lang="en-US" dirty="0" smtClean="0"/>
+              <a:t>(Tec dataset)</a:t>
+            </a:r>
+            <a:endParaRPr lang="en-US" dirty="0"/>
+          </a:p>
+          <a:p>
+            <a:endParaRPr lang="en-US" dirty="0"/>
+          </a:p>
+        </p:txBody>
+      </p:sp>
     </p:spTree>
     <p:extLst>
       <p:ext uri="{BB962C8B-B14F-4D97-AF65-F5344CB8AC3E}">
-        <p14:creationId xmlns:p14="http://schemas.microsoft.com/office/powerpoint/2010/main" val="321643588"/>
+        <p14:creationId xmlns:p14="http://schemas.microsoft.com/office/powerpoint/2010/main" val="1251565364"/>
       </p:ext>
     </p:extLst>
   </p:cSld>
